--- a/materials/slides/ch04-Advanced Guides.pptx
+++ b/materials/slides/ch04-Advanced Guides.pptx
@@ -5,7 +5,7 @@
     <p:sldMasterId id="2147483648" r:id="rId1"/>
   </p:sldMasterIdLst>
   <p:notesMasterIdLst>
-    <p:notesMasterId r:id="rId14"/>
+    <p:notesMasterId r:id="rId15"/>
   </p:notesMasterIdLst>
   <p:sldIdLst>
     <p:sldId id="773" r:id="rId2"/>
@@ -19,7 +19,8 @@
     <p:sldId id="953" r:id="rId10"/>
     <p:sldId id="955" r:id="rId11"/>
     <p:sldId id="956" r:id="rId12"/>
-    <p:sldId id="937" r:id="rId13"/>
+    <p:sldId id="957" r:id="rId13"/>
+    <p:sldId id="937" r:id="rId14"/>
   </p:sldIdLst>
   <p:sldSz cx="12192000" cy="6858000"/>
   <p:notesSz cx="6797675" cy="9928225"/>
@@ -148,6 +149,27 @@
       </a:defRPr>
     </a:lvl9pPr>
   </p:defaultTextStyle>
+  <p:extLst>
+    <p:ext uri="{EFAFB233-063F-42B5-8137-9DF3F51BA10A}">
+      <p15:sldGuideLst xmlns:p15="http://schemas.microsoft.com/office/powerpoint/2012/main">
+        <p15:guide id="1" orient="horz">
+          <p15:clr>
+            <a:srgbClr val="A4A3A4"/>
+          </p15:clr>
+        </p15:guide>
+        <p15:guide id="2">
+          <p15:clr>
+            <a:srgbClr val="A4A3A4"/>
+          </p15:clr>
+        </p15:guide>
+        <p15:guide id="3" pos="7499">
+          <p15:clr>
+            <a:srgbClr val="A4A3A4"/>
+          </p15:clr>
+        </p15:guide>
+      </p15:sldGuideLst>
+    </p:ext>
+  </p:extLst>
 </p:presentation>
 </file>
 
@@ -335,35 +357,35 @@
           <a:p>
             <a:pPr lvl="0"/>
             <a:r>
-              <a:rPr lang="zh-CN" altLang="zh-CN" noProof="0" smtClean="0"/>
+              <a:rPr lang="zh-CN" altLang="zh-CN" noProof="0"/>
               <a:t>                                                   </a:t>
             </a:r>
           </a:p>
           <a:p>
             <a:pPr lvl="1"/>
             <a:r>
-              <a:rPr lang="zh-CN" altLang="zh-CN" noProof="0" smtClean="0"/>
+              <a:rPr lang="zh-CN" altLang="zh-CN" noProof="0"/>
               <a:t>               </a:t>
             </a:r>
           </a:p>
           <a:p>
             <a:pPr lvl="2"/>
             <a:r>
-              <a:rPr lang="zh-CN" altLang="zh-CN" noProof="0" smtClean="0"/>
+              <a:rPr lang="zh-CN" altLang="zh-CN" noProof="0"/>
               <a:t>                </a:t>
             </a:r>
           </a:p>
           <a:p>
             <a:pPr lvl="3"/>
             <a:r>
-              <a:rPr lang="zh-CN" altLang="zh-CN" noProof="0" smtClean="0"/>
+              <a:rPr lang="zh-CN" altLang="zh-CN" noProof="0"/>
               <a:t>                </a:t>
             </a:r>
           </a:p>
           <a:p>
             <a:pPr lvl="4"/>
             <a:r>
-              <a:rPr lang="zh-CN" altLang="zh-CN" noProof="0" smtClean="0"/>
+              <a:rPr lang="zh-CN" altLang="zh-CN" noProof="0"/>
               <a:t>                </a:t>
             </a:r>
           </a:p>
@@ -656,7 +678,7 @@
           <a:bodyPr/>
           <a:lstStyle/>
           <a:p>
-            <a:endParaRPr lang="zh-CN" altLang="en-US" smtClean="0"/>
+            <a:endParaRPr lang="zh-CN" altLang="en-US"/>
           </a:p>
         </p:txBody>
       </p:sp>
@@ -900,6 +922,242 @@
     <p:extLst>
       <p:ext uri="{BB962C8B-B14F-4D97-AF65-F5344CB8AC3E}">
         <p14:creationId xmlns:p14="http://schemas.microsoft.com/office/powerpoint/2010/main" val="3092771490"/>
+      </p:ext>
+    </p:extLst>
+  </p:cSld>
+  <p:clrMapOvr>
+    <a:masterClrMapping/>
+  </p:clrMapOvr>
+</p:notes>
+</file>
+
+<file path=ppt/notesSlides/notesSlide11.xml><?xml version="1.0" encoding="utf-8"?>
+<p:notes xmlns:a="http://schemas.openxmlformats.org/drawingml/2006/main" xmlns:r="http://schemas.openxmlformats.org/officeDocument/2006/relationships" xmlns:p="http://schemas.openxmlformats.org/presentationml/2006/main">
+  <p:cSld>
+    <p:spTree>
+      <p:nvGrpSpPr>
+        <p:cNvPr id="1" name=""/>
+        <p:cNvGrpSpPr/>
+        <p:nvPr/>
+      </p:nvGrpSpPr>
+      <p:grpSpPr>
+        <a:xfrm>
+          <a:off x="0" y="0"/>
+          <a:ext cx="0" cy="0"/>
+          <a:chOff x="0" y="0"/>
+          <a:chExt cx="0" cy="0"/>
+        </a:xfrm>
+      </p:grpSpPr>
+      <p:sp>
+        <p:nvSpPr>
+          <p:cNvPr id="22530" name="幻灯片图像占位符 1"/>
+          <p:cNvSpPr>
+            <a:spLocks noGrp="1" noRot="1" noChangeAspect="1" noTextEdit="1"/>
+          </p:cNvSpPr>
+          <p:nvPr>
+            <p:ph type="sldImg"/>
+          </p:nvPr>
+        </p:nvSpPr>
+        <p:spPr/>
+      </p:sp>
+      <p:sp>
+        <p:nvSpPr>
+          <p:cNvPr id="22531" name="备注占位符 2"/>
+          <p:cNvSpPr>
+            <a:spLocks noGrp="1"/>
+          </p:cNvSpPr>
+          <p:nvPr>
+            <p:ph type="body" idx="1"/>
+          </p:nvPr>
+        </p:nvSpPr>
+        <p:spPr>
+          <a:noFill/>
+          <a:extLst>
+            <a:ext uri="{909E8E84-426E-40DD-AFC4-6F175D3DCCD1}">
+              <a14:hiddenFill xmlns:a14="http://schemas.microsoft.com/office/drawing/2010/main">
+                <a:solidFill>
+                  <a:srgbClr val="FFFFFF"/>
+                </a:solidFill>
+              </a14:hiddenFill>
+            </a:ext>
+            <a:ext uri="{91240B29-F687-4F45-9708-019B960494DF}">
+              <a14:hiddenLine xmlns:a14="http://schemas.microsoft.com/office/drawing/2010/main" w="9525">
+                <a:solidFill>
+                  <a:srgbClr val="000000"/>
+                </a:solidFill>
+                <a:miter lim="800000"/>
+                <a:headEnd/>
+                <a:tailEnd/>
+              </a14:hiddenLine>
+            </a:ext>
+          </a:extLst>
+        </p:spPr>
+        <p:txBody>
+          <a:bodyPr/>
+          <a:lstStyle/>
+          <a:p>
+            <a:endParaRPr lang="zh-CN" altLang="en-US"/>
+          </a:p>
+        </p:txBody>
+      </p:sp>
+      <p:sp>
+        <p:nvSpPr>
+          <p:cNvPr id="22532" name="灯片编号占位符 3"/>
+          <p:cNvSpPr>
+            <a:spLocks noGrp="1"/>
+          </p:cNvSpPr>
+          <p:nvPr>
+            <p:ph type="sldNum" sz="quarter" idx="5"/>
+          </p:nvPr>
+        </p:nvSpPr>
+        <p:spPr>
+          <a:noFill/>
+          <a:extLst>
+            <a:ext uri="{909E8E84-426E-40DD-AFC4-6F175D3DCCD1}">
+              <a14:hiddenFill xmlns:a14="http://schemas.microsoft.com/office/drawing/2010/main">
+                <a:solidFill>
+                  <a:srgbClr val="FFFFFF"/>
+                </a:solidFill>
+              </a14:hiddenFill>
+            </a:ext>
+            <a:ext uri="{91240B29-F687-4F45-9708-019B960494DF}">
+              <a14:hiddenLine xmlns:a14="http://schemas.microsoft.com/office/drawing/2010/main" w="9525">
+                <a:solidFill>
+                  <a:srgbClr val="000000"/>
+                </a:solidFill>
+                <a:miter lim="800000"/>
+                <a:headEnd/>
+                <a:tailEnd/>
+              </a14:hiddenLine>
+            </a:ext>
+          </a:extLst>
+        </p:spPr>
+        <p:txBody>
+          <a:bodyPr/>
+          <a:lstStyle>
+            <a:lvl1pPr>
+              <a:defRPr sz="3200">
+                <a:solidFill>
+                  <a:schemeClr val="tx1"/>
+                </a:solidFill>
+                <a:latin typeface="Arial" panose="020B0604020202020204" pitchFamily="34" charset="0"/>
+                <a:ea typeface="微软雅黑" panose="020B0503020204020204" pitchFamily="34" charset="-122"/>
+              </a:defRPr>
+            </a:lvl1pPr>
+            <a:lvl2pPr marL="742950" indent="-285750">
+              <a:defRPr sz="3200">
+                <a:solidFill>
+                  <a:schemeClr val="tx1"/>
+                </a:solidFill>
+                <a:latin typeface="Arial" panose="020B0604020202020204" pitchFamily="34" charset="0"/>
+                <a:ea typeface="微软雅黑" panose="020B0503020204020204" pitchFamily="34" charset="-122"/>
+              </a:defRPr>
+            </a:lvl2pPr>
+            <a:lvl3pPr marL="1143000" indent="-228600">
+              <a:defRPr sz="3200">
+                <a:solidFill>
+                  <a:schemeClr val="tx1"/>
+                </a:solidFill>
+                <a:latin typeface="Arial" panose="020B0604020202020204" pitchFamily="34" charset="0"/>
+                <a:ea typeface="微软雅黑" panose="020B0503020204020204" pitchFamily="34" charset="-122"/>
+              </a:defRPr>
+            </a:lvl3pPr>
+            <a:lvl4pPr marL="1600200" indent="-228600">
+              <a:defRPr sz="3200">
+                <a:solidFill>
+                  <a:schemeClr val="tx1"/>
+                </a:solidFill>
+                <a:latin typeface="Arial" panose="020B0604020202020204" pitchFamily="34" charset="0"/>
+                <a:ea typeface="微软雅黑" panose="020B0503020204020204" pitchFamily="34" charset="-122"/>
+              </a:defRPr>
+            </a:lvl4pPr>
+            <a:lvl5pPr marL="2057400" indent="-228600">
+              <a:defRPr sz="3200">
+                <a:solidFill>
+                  <a:schemeClr val="tx1"/>
+                </a:solidFill>
+                <a:latin typeface="Arial" panose="020B0604020202020204" pitchFamily="34" charset="0"/>
+                <a:ea typeface="微软雅黑" panose="020B0503020204020204" pitchFamily="34" charset="-122"/>
+              </a:defRPr>
+            </a:lvl5pPr>
+            <a:lvl6pPr marL="2514600" indent="-228600" eaLnBrk="0" fontAlgn="base" hangingPunct="0">
+              <a:spcBef>
+                <a:spcPct val="0"/>
+              </a:spcBef>
+              <a:spcAft>
+                <a:spcPct val="0"/>
+              </a:spcAft>
+              <a:defRPr sz="3200">
+                <a:solidFill>
+                  <a:schemeClr val="tx1"/>
+                </a:solidFill>
+                <a:latin typeface="Arial" panose="020B0604020202020204" pitchFamily="34" charset="0"/>
+                <a:ea typeface="微软雅黑" panose="020B0503020204020204" pitchFamily="34" charset="-122"/>
+              </a:defRPr>
+            </a:lvl6pPr>
+            <a:lvl7pPr marL="2971800" indent="-228600" eaLnBrk="0" fontAlgn="base" hangingPunct="0">
+              <a:spcBef>
+                <a:spcPct val="0"/>
+              </a:spcBef>
+              <a:spcAft>
+                <a:spcPct val="0"/>
+              </a:spcAft>
+              <a:defRPr sz="3200">
+                <a:solidFill>
+                  <a:schemeClr val="tx1"/>
+                </a:solidFill>
+                <a:latin typeface="Arial" panose="020B0604020202020204" pitchFamily="34" charset="0"/>
+                <a:ea typeface="微软雅黑" panose="020B0503020204020204" pitchFamily="34" charset="-122"/>
+              </a:defRPr>
+            </a:lvl7pPr>
+            <a:lvl8pPr marL="3429000" indent="-228600" eaLnBrk="0" fontAlgn="base" hangingPunct="0">
+              <a:spcBef>
+                <a:spcPct val="0"/>
+              </a:spcBef>
+              <a:spcAft>
+                <a:spcPct val="0"/>
+              </a:spcAft>
+              <a:defRPr sz="3200">
+                <a:solidFill>
+                  <a:schemeClr val="tx1"/>
+                </a:solidFill>
+                <a:latin typeface="Arial" panose="020B0604020202020204" pitchFamily="34" charset="0"/>
+                <a:ea typeface="微软雅黑" panose="020B0503020204020204" pitchFamily="34" charset="-122"/>
+              </a:defRPr>
+            </a:lvl8pPr>
+            <a:lvl9pPr marL="3886200" indent="-228600" eaLnBrk="0" fontAlgn="base" hangingPunct="0">
+              <a:spcBef>
+                <a:spcPct val="0"/>
+              </a:spcBef>
+              <a:spcAft>
+                <a:spcPct val="0"/>
+              </a:spcAft>
+              <a:defRPr sz="3200">
+                <a:solidFill>
+                  <a:schemeClr val="tx1"/>
+                </a:solidFill>
+                <a:latin typeface="Arial" panose="020B0604020202020204" pitchFamily="34" charset="0"/>
+                <a:ea typeface="微软雅黑" panose="020B0503020204020204" pitchFamily="34" charset="-122"/>
+              </a:defRPr>
+            </a:lvl9pPr>
+          </a:lstStyle>
+          <a:p>
+            <a:fld id="{B94B757B-0235-4C13-B71B-044FB4BFFF15}" type="slidenum">
+              <a:rPr lang="zh-CN" altLang="zh-CN">
+                <a:ea typeface="宋体" panose="02010600030101010101" pitchFamily="2" charset="-122"/>
+              </a:rPr>
+              <a:t>12</a:t>
+            </a:fld>
+            <a:endParaRPr lang="zh-CN" altLang="zh-CN">
+              <a:ea typeface="宋体" panose="02010600030101010101" pitchFamily="2" charset="-122"/>
+            </a:endParaRPr>
+          </a:p>
+        </p:txBody>
+      </p:sp>
+    </p:spTree>
+    <p:extLst>
+      <p:ext uri="{BB962C8B-B14F-4D97-AF65-F5344CB8AC3E}">
+        <p14:creationId xmlns:p14="http://schemas.microsoft.com/office/powerpoint/2010/main" val="1658348621"/>
       </p:ext>
     </p:extLst>
   </p:cSld>
@@ -1409,7 +1667,7 @@
           <a:bodyPr/>
           <a:lstStyle/>
           <a:p>
-            <a:endParaRPr lang="zh-CN" altLang="en-US" smtClean="0"/>
+            <a:endParaRPr lang="zh-CN" altLang="en-US"/>
           </a:p>
         </p:txBody>
       </p:sp>
@@ -1727,7 +1985,7 @@
           <a:bodyPr/>
           <a:lstStyle/>
           <a:p>
-            <a:endParaRPr lang="zh-CN" altLang="en-US" smtClean="0"/>
+            <a:endParaRPr lang="zh-CN" altLang="en-US"/>
           </a:p>
         </p:txBody>
       </p:sp>
@@ -1960,28 +2218,28 @@
           <a:p>
             <a:pPr lvl="0"/>
             <a:r>
-              <a:rPr lang="zh-CN" altLang="en-US" dirty="0" smtClean="0"/>
+              <a:rPr lang="zh-CN" altLang="en-US" dirty="0"/>
               <a:t>单击此处编辑母版文本样式</a:t>
             </a:r>
           </a:p>
           <a:p>
             <a:pPr lvl="1"/>
             <a:r>
-              <a:rPr lang="zh-CN" altLang="en-US" dirty="0" smtClean="0"/>
+              <a:rPr lang="zh-CN" altLang="en-US" dirty="0"/>
               <a:t>第二级</a:t>
             </a:r>
           </a:p>
           <a:p>
             <a:pPr lvl="2"/>
             <a:r>
-              <a:rPr lang="zh-CN" altLang="en-US" dirty="0" smtClean="0"/>
+              <a:rPr lang="zh-CN" altLang="en-US" dirty="0"/>
               <a:t>第三级</a:t>
             </a:r>
           </a:p>
           <a:p>
             <a:pPr lvl="3"/>
             <a:r>
-              <a:rPr lang="zh-CN" altLang="en-US" dirty="0" smtClean="0"/>
+              <a:rPr lang="zh-CN" altLang="en-US" dirty="0"/>
               <a:t>第四级</a:t>
             </a:r>
           </a:p>
@@ -2042,7 +2300,7 @@
           <a:p>
             <a:pPr lvl="0"/>
             <a:r>
-              <a:rPr lang="zh-CN" altLang="en-US" dirty="0" smtClean="0"/>
+              <a:rPr lang="zh-CN" altLang="en-US" dirty="0"/>
               <a:t>单击此处编辑母版文本样式</a:t>
             </a:r>
           </a:p>
@@ -2215,28 +2473,28 @@
           <a:p>
             <a:pPr lvl="0"/>
             <a:r>
-              <a:rPr lang="zh-CN" altLang="en-US" dirty="0" smtClean="0"/>
+              <a:rPr lang="zh-CN" altLang="en-US" dirty="0"/>
               <a:t>单击此处编辑母版文本样式</a:t>
             </a:r>
           </a:p>
           <a:p>
             <a:pPr lvl="1"/>
             <a:r>
-              <a:rPr lang="zh-CN" altLang="en-US" dirty="0" smtClean="0"/>
+              <a:rPr lang="zh-CN" altLang="en-US" dirty="0"/>
               <a:t>第二级</a:t>
             </a:r>
           </a:p>
           <a:p>
             <a:pPr lvl="2"/>
             <a:r>
-              <a:rPr lang="zh-CN" altLang="en-US" dirty="0" smtClean="0"/>
+              <a:rPr lang="zh-CN" altLang="en-US" dirty="0"/>
               <a:t>第三级</a:t>
             </a:r>
           </a:p>
           <a:p>
             <a:pPr lvl="3"/>
             <a:r>
-              <a:rPr lang="zh-CN" altLang="en-US" dirty="0" smtClean="0"/>
+              <a:rPr lang="zh-CN" altLang="en-US" dirty="0"/>
               <a:t>第四级</a:t>
             </a:r>
           </a:p>
@@ -2297,7 +2555,7 @@
           <a:p>
             <a:pPr lvl="0"/>
             <a:r>
-              <a:rPr lang="zh-CN" altLang="en-US" dirty="0" smtClean="0"/>
+              <a:rPr lang="zh-CN" altLang="en-US" dirty="0"/>
               <a:t>单击此处编辑母版文本样式</a:t>
             </a:r>
           </a:p>
@@ -2560,13 +2818,6 @@
     <p:sldLayoutId id="2147483652" r:id="rId4"/>
     <p:sldLayoutId id="2147483653" r:id="rId5"/>
   </p:sldLayoutIdLst>
-  <p:timing>
-    <p:tnLst>
-      <p:par>
-        <p:cTn id="1" dur="indefinite" restart="never" nodeType="tmRoot"/>
-      </p:par>
-    </p:tnLst>
-  </p:timing>
   <p:txStyles>
     <p:titleStyle>
       <a:lvl1pPr algn="l" rtl="0" eaLnBrk="0" fontAlgn="base" hangingPunct="0">
@@ -3104,20 +3355,20 @@
           <a:p>
             <a:pPr eaLnBrk="1" hangingPunct="1"/>
             <a:r>
-              <a:rPr lang="zh-CN" altLang="en-US" sz="4800" b="1" dirty="0" smtClean="0">
+              <a:rPr lang="zh-CN" altLang="en-US" sz="4800" b="1" dirty="0">
                 <a:ea typeface="宋体" panose="02010600030101010101" pitchFamily="2" charset="-122"/>
               </a:rPr>
               <a:t>   </a:t>
             </a:r>
             <a:r>
-              <a:rPr lang="en-US" altLang="zh-CN" sz="4800" b="1" dirty="0" smtClean="0"/>
+              <a:rPr lang="en-US" altLang="zh-CN" sz="4800" b="1" dirty="0"/>
               <a:t>React </a:t>
             </a:r>
             <a:r>
-              <a:rPr lang="zh-CN" altLang="en-US" sz="4800" b="1" dirty="0" smtClean="0"/>
+              <a:rPr lang="zh-CN" altLang="en-US" sz="4800" b="1" dirty="0"/>
               <a:t>程序开发</a:t>
             </a:r>
-            <a:endParaRPr lang="zh-CN" altLang="zh-CN" sz="4800" b="1" dirty="0" smtClean="0"/>
+            <a:endParaRPr lang="zh-CN" altLang="zh-CN" sz="4800" b="1" dirty="0"/>
           </a:p>
         </p:txBody>
       </p:sp>
@@ -3281,13 +3532,13 @@
               <a:t>--- </a:t>
             </a:r>
             <a:r>
-              <a:rPr lang="en-US" altLang="zh-CN" dirty="0" smtClean="0">
+              <a:rPr lang="en-US" altLang="zh-CN" dirty="0">
                 <a:latin typeface="+mn-ea"/>
                 <a:ea typeface="+mn-ea"/>
               </a:rPr>
               <a:t> React Advanced Guides</a:t>
             </a:r>
-            <a:endParaRPr lang="zh-CN" altLang="en-US" sz="3600" dirty="0" smtClean="0">
+            <a:endParaRPr lang="zh-CN" altLang="en-US" sz="3600" dirty="0">
               <a:latin typeface="+mn-ea"/>
               <a:ea typeface="+mn-ea"/>
             </a:endParaRPr>
@@ -3361,13 +3612,6 @@
       <p:transition spd="slow" advClick="0"/>
     </mc:Fallback>
   </mc:AlternateContent>
-  <p:timing>
-    <p:tnLst>
-      <p:par>
-        <p:cTn id="1" dur="indefinite" restart="never" nodeType="tmRoot"/>
-      </p:par>
-    </p:tnLst>
-  </p:timing>
 </p:sld>
 </file>
 
@@ -3541,7 +3785,7 @@
           </a:lstStyle>
           <a:p>
             <a:r>
-              <a:rPr lang="zh-CN" altLang="en-US" dirty="0" smtClean="0">
+              <a:rPr lang="zh-CN" altLang="en-US" dirty="0">
                 <a:solidFill>
                   <a:srgbClr val="C00000"/>
                 </a:solidFill>
@@ -3550,13 +3794,6 @@
               </a:rPr>
               <a:t>内容提纲</a:t>
             </a:r>
-            <a:endParaRPr lang="zh-CN" altLang="en-US" dirty="0">
-              <a:solidFill>
-                <a:srgbClr val="C00000"/>
-              </a:solidFill>
-              <a:latin typeface="+mj-ea"/>
-              <a:ea typeface="+mj-ea"/>
-            </a:endParaRPr>
           </a:p>
         </p:txBody>
       </p:sp>
@@ -3717,7 +3954,7 @@
               <a:buChar char="Ø"/>
             </a:pPr>
             <a:r>
-              <a:rPr lang="en-US" altLang="zh-CN" sz="2800" b="1" dirty="0" smtClean="0"/>
+              <a:rPr lang="en-US" altLang="zh-CN" sz="2800" b="1" dirty="0"/>
               <a:t>Context</a:t>
             </a:r>
             <a:endParaRPr lang="en-US" altLang="zh-CN" sz="2800" b="1" dirty="0">
@@ -3737,10 +3974,7 @@
               <a:buChar char="Ø"/>
             </a:pPr>
             <a:r>
-              <a:rPr lang="en-US" altLang="zh-CN" sz="2800" b="1" dirty="0" smtClean="0">
-                <a:latin typeface="+mj-ea"/>
-                <a:ea typeface="+mj-ea"/>
-              </a:rPr>
+              <a:rPr lang="en-US" altLang="zh-CN" sz="2800" b="1" dirty="0"/>
               <a:t>HOC</a:t>
             </a:r>
           </a:p>
@@ -3756,18 +3990,29 @@
               <a:buChar char="Ø"/>
             </a:pPr>
             <a:r>
-              <a:rPr lang="en-US" altLang="zh-CN" sz="2800" b="1" dirty="0" smtClean="0">
+              <a:rPr lang="en-US" altLang="zh-CN" sz="2800" b="1" dirty="0">
                 <a:solidFill>
                   <a:srgbClr val="C00000"/>
                 </a:solidFill>
               </a:rPr>
               <a:t>Portals</a:t>
             </a:r>
-            <a:endParaRPr lang="en-US" altLang="zh-CN" sz="2800" b="1" dirty="0">
-              <a:solidFill>
-                <a:srgbClr val="C00000"/>
-              </a:solidFill>
-            </a:endParaRPr>
+          </a:p>
+          <a:p>
+            <a:pPr>
+              <a:lnSpc>
+                <a:spcPct val="200000"/>
+              </a:lnSpc>
+              <a:buClr>
+                <a:srgbClr val="92D050"/>
+              </a:buClr>
+              <a:buFont typeface="Wingdings" panose="05000000000000000000" pitchFamily="2" charset="2"/>
+              <a:buChar char="Ø"/>
+            </a:pPr>
+            <a:r>
+              <a:rPr lang="en-US" altLang="zh-CN" sz="2800" b="1" dirty="0"/>
+              <a:t>Hooks</a:t>
+            </a:r>
           </a:p>
         </p:txBody>
       </p:sp>
@@ -3782,13 +4027,6 @@
     <a:masterClrMapping/>
   </p:clrMapOvr>
   <p:transition/>
-  <p:timing>
-    <p:tnLst>
-      <p:par>
-        <p:cTn id="1" dur="indefinite" restart="never" nodeType="tmRoot"/>
-      </p:par>
-    </p:tnLst>
-  </p:timing>
 </p:sld>
 </file>
 
@@ -3834,14 +4072,14 @@
           <a:p>
             <a:pPr marL="360045"/>
             <a:r>
-              <a:rPr lang="zh-CN" altLang="en-US" dirty="0" smtClean="0">
+              <a:rPr lang="zh-CN" altLang="en-US" dirty="0">
                 <a:latin typeface="+mj-ea"/>
                 <a:ea typeface="+mj-ea"/>
               </a:rPr>
               <a:t> </a:t>
             </a:r>
             <a:r>
-              <a:rPr lang="en-US" altLang="zh-CN" dirty="0" smtClean="0">
+              <a:rPr lang="en-US" altLang="zh-CN" dirty="0">
                 <a:latin typeface="+mj-ea"/>
                 <a:ea typeface="+mj-ea"/>
               </a:rPr>
@@ -3863,15 +4101,7 @@
             </a:r>
             <a:r>
               <a:rPr lang="zh-CN" altLang="en-US" dirty="0"/>
-              <a:t>提供了一</a:t>
-            </a:r>
-            <a:r>
-              <a:rPr lang="zh-CN" altLang="en-US" dirty="0" smtClean="0"/>
-              <a:t>种将</a:t>
-            </a:r>
-            <a:r>
-              <a:rPr lang="zh-CN" altLang="en-US" dirty="0"/>
-              <a:t>子节点渲染到父组件以外的 </a:t>
+              <a:t>提供了一种将子节点渲染到父组件以外的 </a:t>
             </a:r>
             <a:r>
               <a:rPr lang="en-US" altLang="zh-CN" dirty="0"/>
@@ -3881,7 +4111,7 @@
               <a:rPr lang="zh-CN" altLang="en-US" dirty="0"/>
               <a:t>节点的方式</a:t>
             </a:r>
-            <a:endParaRPr lang="en-US" altLang="zh-CN" dirty="0" smtClean="0">
+            <a:endParaRPr lang="en-US" altLang="zh-CN" dirty="0">
               <a:latin typeface="+mj-ea"/>
               <a:ea typeface="+mj-ea"/>
             </a:endParaRPr>
@@ -3937,7 +4167,7 @@
               </a:rPr>
               <a:t> Portals</a:t>
             </a:r>
-            <a:endParaRPr lang="zh-CN" altLang="en-US" dirty="0" smtClean="0">
+            <a:endParaRPr lang="zh-CN" altLang="en-US" dirty="0">
               <a:latin typeface="+mn-ea"/>
               <a:ea typeface="+mn-ea"/>
             </a:endParaRPr>
@@ -3977,30 +4207,24 @@
             </a:r>
             <a:r>
               <a:rPr lang="en-US" altLang="zh-CN" sz="2400" dirty="0"/>
-              <a:t>(child, container</a:t>
-            </a:r>
-            <a:r>
-              <a:rPr lang="en-US" altLang="zh-CN" sz="2400" dirty="0" smtClean="0"/>
-              <a:t>)</a:t>
-            </a:r>
-          </a:p>
-          <a:p>
-            <a:r>
-              <a:rPr lang="en-US" altLang="zh-CN" sz="2400" dirty="0" smtClean="0"/>
+              <a:t>(child, container)</a:t>
+            </a:r>
+          </a:p>
+          <a:p>
+            <a:r>
+              <a:rPr lang="en-US" altLang="zh-CN" sz="2400" dirty="0"/>
               <a:t>……</a:t>
             </a:r>
-            <a:endParaRPr lang="en-US" altLang="zh-CN" sz="2400" dirty="0"/>
           </a:p>
           <a:p>
             <a:r>
               <a:rPr lang="en-US" altLang="zh-CN" sz="2400" dirty="0"/>
               <a:t>render() </a:t>
             </a:r>
-            <a:endParaRPr lang="en-US" altLang="zh-CN" sz="2400" dirty="0" smtClean="0"/>
-          </a:p>
-          <a:p>
-            <a:r>
-              <a:rPr lang="en-US" altLang="zh-CN" sz="2400" dirty="0" smtClean="0"/>
+          </a:p>
+          <a:p>
+            <a:r>
+              <a:rPr lang="en-US" altLang="zh-CN" sz="2400" dirty="0"/>
               <a:t>	return </a:t>
             </a:r>
             <a:r>
@@ -4011,55 +4235,44 @@
               <a:rPr lang="en-US" altLang="zh-CN" sz="2400" dirty="0"/>
               <a:t>( </a:t>
             </a:r>
-            <a:endParaRPr lang="en-US" altLang="zh-CN" sz="2400" dirty="0" smtClean="0"/>
-          </a:p>
-          <a:p>
-            <a:r>
-              <a:rPr lang="en-US" altLang="zh-CN" sz="2400" dirty="0" smtClean="0"/>
+          </a:p>
+          <a:p>
+            <a:r>
+              <a:rPr lang="en-US" altLang="zh-CN" sz="2400" dirty="0"/>
               <a:t>		</a:t>
             </a:r>
             <a:r>
-              <a:rPr lang="en-US" altLang="zh-CN" sz="2400" dirty="0" err="1" smtClean="0"/>
+              <a:rPr lang="en-US" altLang="zh-CN" sz="2400" dirty="0" err="1"/>
               <a:t>this.props.children</a:t>
             </a:r>
             <a:r>
               <a:rPr lang="en-US" altLang="zh-CN" sz="2400" dirty="0"/>
               <a:t>, </a:t>
             </a:r>
-            <a:endParaRPr lang="en-US" altLang="zh-CN" sz="2400" dirty="0" smtClean="0"/>
           </a:p>
           <a:p>
             <a:r>
               <a:rPr lang="en-US" altLang="zh-CN" sz="2400" dirty="0"/>
-              <a:t>	</a:t>
-            </a:r>
-            <a:r>
-              <a:rPr lang="en-US" altLang="zh-CN" sz="2400" dirty="0" smtClean="0"/>
-              <a:t>	</a:t>
-            </a:r>
-            <a:r>
-              <a:rPr lang="en-US" altLang="zh-CN" sz="2400" dirty="0" err="1" smtClean="0"/>
+              <a:t>		</a:t>
+            </a:r>
+            <a:r>
+              <a:rPr lang="en-US" altLang="zh-CN" sz="2400" dirty="0" err="1"/>
               <a:t>domNode</a:t>
             </a:r>
             <a:r>
               <a:rPr lang="en-US" altLang="zh-CN" sz="2400" dirty="0"/>
               <a:t>, </a:t>
             </a:r>
-            <a:endParaRPr lang="en-US" altLang="zh-CN" sz="2400" dirty="0" smtClean="0"/>
           </a:p>
           <a:p>
             <a:r>
               <a:rPr lang="en-US" altLang="zh-CN" sz="2400" dirty="0"/>
-              <a:t>	</a:t>
-            </a:r>
-            <a:r>
-              <a:rPr lang="en-US" altLang="zh-CN" sz="2400" dirty="0" smtClean="0"/>
-              <a:t>); </a:t>
-            </a:r>
-          </a:p>
-          <a:p>
-            <a:r>
-              <a:rPr lang="en-US" altLang="zh-CN" sz="2400" dirty="0" smtClean="0"/>
+              <a:t>	); </a:t>
+            </a:r>
+          </a:p>
+          <a:p>
+            <a:r>
+              <a:rPr lang="en-US" altLang="zh-CN" sz="2400" dirty="0"/>
               <a:t>}</a:t>
             </a:r>
           </a:p>
@@ -4075,17 +4288,425 @@
   <p:clrMapOvr>
     <a:masterClrMapping/>
   </p:clrMapOvr>
-  <p:timing>
-    <p:tnLst>
-      <p:par>
-        <p:cTn id="1" dur="indefinite" restart="never" nodeType="tmRoot"/>
-      </p:par>
-    </p:tnLst>
-  </p:timing>
 </p:sld>
 </file>
 
 <file path=ppt/slides/slide12.xml><?xml version="1.0" encoding="utf-8"?>
+<p:sld xmlns:a="http://schemas.openxmlformats.org/drawingml/2006/main" xmlns:r="http://schemas.openxmlformats.org/officeDocument/2006/relationships" xmlns:p="http://schemas.openxmlformats.org/presentationml/2006/main">
+  <p:cSld>
+    <p:spTree>
+      <p:nvGrpSpPr>
+        <p:cNvPr id="1" name=""/>
+        <p:cNvGrpSpPr/>
+        <p:nvPr/>
+      </p:nvGrpSpPr>
+      <p:grpSpPr>
+        <a:xfrm>
+          <a:off x="0" y="0"/>
+          <a:ext cx="0" cy="0"/>
+          <a:chOff x="0" y="0"/>
+          <a:chExt cx="0" cy="0"/>
+        </a:xfrm>
+      </p:grpSpPr>
+      <p:sp>
+        <p:nvSpPr>
+          <p:cNvPr id="21506" name="矩形 2"/>
+          <p:cNvSpPr>
+            <a:spLocks noChangeArrowheads="1"/>
+          </p:cNvSpPr>
+          <p:nvPr/>
+        </p:nvSpPr>
+        <p:spPr bwMode="auto">
+          <a:xfrm>
+            <a:off x="1053690" y="258763"/>
+            <a:ext cx="3186523" cy="585787"/>
+          </a:xfrm>
+          <a:prstGeom prst="rect">
+            <a:avLst/>
+          </a:prstGeom>
+          <a:noFill/>
+          <a:ln>
+            <a:noFill/>
+          </a:ln>
+          <a:extLst>
+            <a:ext uri="{909E8E84-426E-40DD-AFC4-6F175D3DCCD1}">
+              <a14:hiddenFill xmlns:a14="http://schemas.microsoft.com/office/drawing/2010/main">
+                <a:solidFill>
+                  <a:srgbClr val="FFFFFF"/>
+                </a:solidFill>
+              </a14:hiddenFill>
+            </a:ext>
+            <a:ext uri="{91240B29-F687-4F45-9708-019B960494DF}">
+              <a14:hiddenLine xmlns:a14="http://schemas.microsoft.com/office/drawing/2010/main" w="9525">
+                <a:solidFill>
+                  <a:srgbClr val="000000"/>
+                </a:solidFill>
+                <a:miter lim="800000"/>
+                <a:headEnd/>
+                <a:tailEnd/>
+              </a14:hiddenLine>
+            </a:ext>
+          </a:extLst>
+        </p:spPr>
+        <p:txBody>
+          <a:bodyPr wrap="square">
+            <a:spAutoFit/>
+          </a:bodyPr>
+          <a:lstStyle>
+            <a:lvl1pPr>
+              <a:defRPr sz="3200">
+                <a:solidFill>
+                  <a:schemeClr val="tx1"/>
+                </a:solidFill>
+                <a:latin typeface="Arial" panose="020B0604020202020204" pitchFamily="34" charset="0"/>
+                <a:ea typeface="微软雅黑" panose="020B0503020204020204" pitchFamily="34" charset="-122"/>
+              </a:defRPr>
+            </a:lvl1pPr>
+            <a:lvl2pPr marL="742950" indent="-285750">
+              <a:defRPr sz="3200">
+                <a:solidFill>
+                  <a:schemeClr val="tx1"/>
+                </a:solidFill>
+                <a:latin typeface="Arial" panose="020B0604020202020204" pitchFamily="34" charset="0"/>
+                <a:ea typeface="微软雅黑" panose="020B0503020204020204" pitchFamily="34" charset="-122"/>
+              </a:defRPr>
+            </a:lvl2pPr>
+            <a:lvl3pPr marL="1143000" indent="-228600">
+              <a:defRPr sz="3200">
+                <a:solidFill>
+                  <a:schemeClr val="tx1"/>
+                </a:solidFill>
+                <a:latin typeface="Arial" panose="020B0604020202020204" pitchFamily="34" charset="0"/>
+                <a:ea typeface="微软雅黑" panose="020B0503020204020204" pitchFamily="34" charset="-122"/>
+              </a:defRPr>
+            </a:lvl3pPr>
+            <a:lvl4pPr marL="1600200" indent="-228600">
+              <a:defRPr sz="3200">
+                <a:solidFill>
+                  <a:schemeClr val="tx1"/>
+                </a:solidFill>
+                <a:latin typeface="Arial" panose="020B0604020202020204" pitchFamily="34" charset="0"/>
+                <a:ea typeface="微软雅黑" panose="020B0503020204020204" pitchFamily="34" charset="-122"/>
+              </a:defRPr>
+            </a:lvl4pPr>
+            <a:lvl5pPr marL="2057400" indent="-228600">
+              <a:defRPr sz="3200">
+                <a:solidFill>
+                  <a:schemeClr val="tx1"/>
+                </a:solidFill>
+                <a:latin typeface="Arial" panose="020B0604020202020204" pitchFamily="34" charset="0"/>
+                <a:ea typeface="微软雅黑" panose="020B0503020204020204" pitchFamily="34" charset="-122"/>
+              </a:defRPr>
+            </a:lvl5pPr>
+            <a:lvl6pPr marL="2514600" indent="-228600" eaLnBrk="0" fontAlgn="base" hangingPunct="0">
+              <a:spcBef>
+                <a:spcPct val="0"/>
+              </a:spcBef>
+              <a:spcAft>
+                <a:spcPct val="0"/>
+              </a:spcAft>
+              <a:defRPr sz="3200">
+                <a:solidFill>
+                  <a:schemeClr val="tx1"/>
+                </a:solidFill>
+                <a:latin typeface="Arial" panose="020B0604020202020204" pitchFamily="34" charset="0"/>
+                <a:ea typeface="微软雅黑" panose="020B0503020204020204" pitchFamily="34" charset="-122"/>
+              </a:defRPr>
+            </a:lvl6pPr>
+            <a:lvl7pPr marL="2971800" indent="-228600" eaLnBrk="0" fontAlgn="base" hangingPunct="0">
+              <a:spcBef>
+                <a:spcPct val="0"/>
+              </a:spcBef>
+              <a:spcAft>
+                <a:spcPct val="0"/>
+              </a:spcAft>
+              <a:defRPr sz="3200">
+                <a:solidFill>
+                  <a:schemeClr val="tx1"/>
+                </a:solidFill>
+                <a:latin typeface="Arial" panose="020B0604020202020204" pitchFamily="34" charset="0"/>
+                <a:ea typeface="微软雅黑" panose="020B0503020204020204" pitchFamily="34" charset="-122"/>
+              </a:defRPr>
+            </a:lvl7pPr>
+            <a:lvl8pPr marL="3429000" indent="-228600" eaLnBrk="0" fontAlgn="base" hangingPunct="0">
+              <a:spcBef>
+                <a:spcPct val="0"/>
+              </a:spcBef>
+              <a:spcAft>
+                <a:spcPct val="0"/>
+              </a:spcAft>
+              <a:defRPr sz="3200">
+                <a:solidFill>
+                  <a:schemeClr val="tx1"/>
+                </a:solidFill>
+                <a:latin typeface="Arial" panose="020B0604020202020204" pitchFamily="34" charset="0"/>
+                <a:ea typeface="微软雅黑" panose="020B0503020204020204" pitchFamily="34" charset="-122"/>
+              </a:defRPr>
+            </a:lvl8pPr>
+            <a:lvl9pPr marL="3886200" indent="-228600" eaLnBrk="0" fontAlgn="base" hangingPunct="0">
+              <a:spcBef>
+                <a:spcPct val="0"/>
+              </a:spcBef>
+              <a:spcAft>
+                <a:spcPct val="0"/>
+              </a:spcAft>
+              <a:defRPr sz="3200">
+                <a:solidFill>
+                  <a:schemeClr val="tx1"/>
+                </a:solidFill>
+                <a:latin typeface="Arial" panose="020B0604020202020204" pitchFamily="34" charset="0"/>
+                <a:ea typeface="微软雅黑" panose="020B0503020204020204" pitchFamily="34" charset="-122"/>
+              </a:defRPr>
+            </a:lvl9pPr>
+          </a:lstStyle>
+          <a:p>
+            <a:r>
+              <a:rPr lang="zh-CN" altLang="en-US" dirty="0">
+                <a:solidFill>
+                  <a:srgbClr val="C00000"/>
+                </a:solidFill>
+                <a:latin typeface="+mj-ea"/>
+                <a:ea typeface="+mj-ea"/>
+              </a:rPr>
+              <a:t>内容提纲</a:t>
+            </a:r>
+          </a:p>
+        </p:txBody>
+      </p:sp>
+      <p:sp>
+        <p:nvSpPr>
+          <p:cNvPr id="21507" name="AutoShape 6"/>
+          <p:cNvSpPr>
+            <a:spLocks noChangeArrowheads="1"/>
+          </p:cNvSpPr>
+          <p:nvPr/>
+        </p:nvSpPr>
+        <p:spPr bwMode="auto">
+          <a:xfrm>
+            <a:off x="2309813" y="1428750"/>
+            <a:ext cx="6532562" cy="3943350"/>
+          </a:xfrm>
+          <a:prstGeom prst="roundRect">
+            <a:avLst>
+              <a:gd name="adj" fmla="val 16667"/>
+            </a:avLst>
+          </a:prstGeom>
+          <a:noFill/>
+          <a:ln w="28575">
+            <a:solidFill>
+              <a:srgbClr val="C0C0C0"/>
+            </a:solidFill>
+            <a:prstDash val="sysDot"/>
+            <a:round/>
+          </a:ln>
+          <a:extLst>
+            <a:ext uri="{909E8E84-426E-40DD-AFC4-6F175D3DCCD1}">
+              <a14:hiddenFill xmlns:a14="http://schemas.microsoft.com/office/drawing/2010/main">
+                <a:solidFill>
+                  <a:srgbClr val="FFFFFF"/>
+                </a:solidFill>
+              </a14:hiddenFill>
+            </a:ext>
+          </a:extLst>
+        </p:spPr>
+        <p:txBody>
+          <a:bodyPr wrap="none" anchor="ctr"/>
+          <a:lstStyle>
+            <a:lvl1pPr marL="457200" indent="-457200">
+              <a:defRPr sz="3200">
+                <a:solidFill>
+                  <a:schemeClr val="tx1"/>
+                </a:solidFill>
+                <a:latin typeface="Arial" panose="020B0604020202020204" pitchFamily="34" charset="0"/>
+                <a:ea typeface="微软雅黑" panose="020B0503020204020204" pitchFamily="34" charset="-122"/>
+              </a:defRPr>
+            </a:lvl1pPr>
+            <a:lvl2pPr marL="742950" indent="-285750">
+              <a:defRPr sz="3200">
+                <a:solidFill>
+                  <a:schemeClr val="tx1"/>
+                </a:solidFill>
+                <a:latin typeface="Arial" panose="020B0604020202020204" pitchFamily="34" charset="0"/>
+                <a:ea typeface="微软雅黑" panose="020B0503020204020204" pitchFamily="34" charset="-122"/>
+              </a:defRPr>
+            </a:lvl2pPr>
+            <a:lvl3pPr marL="1143000" indent="-228600">
+              <a:defRPr sz="3200">
+                <a:solidFill>
+                  <a:schemeClr val="tx1"/>
+                </a:solidFill>
+                <a:latin typeface="Arial" panose="020B0604020202020204" pitchFamily="34" charset="0"/>
+                <a:ea typeface="微软雅黑" panose="020B0503020204020204" pitchFamily="34" charset="-122"/>
+              </a:defRPr>
+            </a:lvl3pPr>
+            <a:lvl4pPr marL="1600200" indent="-228600">
+              <a:defRPr sz="3200">
+                <a:solidFill>
+                  <a:schemeClr val="tx1"/>
+                </a:solidFill>
+                <a:latin typeface="Arial" panose="020B0604020202020204" pitchFamily="34" charset="0"/>
+                <a:ea typeface="微软雅黑" panose="020B0503020204020204" pitchFamily="34" charset="-122"/>
+              </a:defRPr>
+            </a:lvl4pPr>
+            <a:lvl5pPr marL="2057400" indent="-228600">
+              <a:defRPr sz="3200">
+                <a:solidFill>
+                  <a:schemeClr val="tx1"/>
+                </a:solidFill>
+                <a:latin typeface="Arial" panose="020B0604020202020204" pitchFamily="34" charset="0"/>
+                <a:ea typeface="微软雅黑" panose="020B0503020204020204" pitchFamily="34" charset="-122"/>
+              </a:defRPr>
+            </a:lvl5pPr>
+            <a:lvl6pPr marL="2514600" indent="-228600" eaLnBrk="0" fontAlgn="base" hangingPunct="0">
+              <a:spcBef>
+                <a:spcPct val="0"/>
+              </a:spcBef>
+              <a:spcAft>
+                <a:spcPct val="0"/>
+              </a:spcAft>
+              <a:defRPr sz="3200">
+                <a:solidFill>
+                  <a:schemeClr val="tx1"/>
+                </a:solidFill>
+                <a:latin typeface="Arial" panose="020B0604020202020204" pitchFamily="34" charset="0"/>
+                <a:ea typeface="微软雅黑" panose="020B0503020204020204" pitchFamily="34" charset="-122"/>
+              </a:defRPr>
+            </a:lvl6pPr>
+            <a:lvl7pPr marL="2971800" indent="-228600" eaLnBrk="0" fontAlgn="base" hangingPunct="0">
+              <a:spcBef>
+                <a:spcPct val="0"/>
+              </a:spcBef>
+              <a:spcAft>
+                <a:spcPct val="0"/>
+              </a:spcAft>
+              <a:defRPr sz="3200">
+                <a:solidFill>
+                  <a:schemeClr val="tx1"/>
+                </a:solidFill>
+                <a:latin typeface="Arial" panose="020B0604020202020204" pitchFamily="34" charset="0"/>
+                <a:ea typeface="微软雅黑" panose="020B0503020204020204" pitchFamily="34" charset="-122"/>
+              </a:defRPr>
+            </a:lvl7pPr>
+            <a:lvl8pPr marL="3429000" indent="-228600" eaLnBrk="0" fontAlgn="base" hangingPunct="0">
+              <a:spcBef>
+                <a:spcPct val="0"/>
+              </a:spcBef>
+              <a:spcAft>
+                <a:spcPct val="0"/>
+              </a:spcAft>
+              <a:defRPr sz="3200">
+                <a:solidFill>
+                  <a:schemeClr val="tx1"/>
+                </a:solidFill>
+                <a:latin typeface="Arial" panose="020B0604020202020204" pitchFamily="34" charset="0"/>
+                <a:ea typeface="微软雅黑" panose="020B0503020204020204" pitchFamily="34" charset="-122"/>
+              </a:defRPr>
+            </a:lvl8pPr>
+            <a:lvl9pPr marL="3886200" indent="-228600" eaLnBrk="0" fontAlgn="base" hangingPunct="0">
+              <a:spcBef>
+                <a:spcPct val="0"/>
+              </a:spcBef>
+              <a:spcAft>
+                <a:spcPct val="0"/>
+              </a:spcAft>
+              <a:defRPr sz="3200">
+                <a:solidFill>
+                  <a:schemeClr val="tx1"/>
+                </a:solidFill>
+                <a:latin typeface="Arial" panose="020B0604020202020204" pitchFamily="34" charset="0"/>
+                <a:ea typeface="微软雅黑" panose="020B0503020204020204" pitchFamily="34" charset="-122"/>
+              </a:defRPr>
+            </a:lvl9pPr>
+          </a:lstStyle>
+          <a:p>
+            <a:pPr>
+              <a:lnSpc>
+                <a:spcPct val="200000"/>
+              </a:lnSpc>
+              <a:buClr>
+                <a:srgbClr val="92D050"/>
+              </a:buClr>
+              <a:buFont typeface="Wingdings" panose="05000000000000000000" pitchFamily="2" charset="2"/>
+              <a:buChar char="Ø"/>
+            </a:pPr>
+            <a:r>
+              <a:rPr lang="en-US" altLang="zh-CN" sz="2800" b="1" dirty="0"/>
+              <a:t>Context</a:t>
+            </a:r>
+            <a:endParaRPr lang="en-US" altLang="zh-CN" sz="2800" b="1" dirty="0">
+              <a:latin typeface="+mj-ea"/>
+              <a:ea typeface="+mj-ea"/>
+            </a:endParaRPr>
+          </a:p>
+          <a:p>
+            <a:pPr>
+              <a:lnSpc>
+                <a:spcPct val="200000"/>
+              </a:lnSpc>
+              <a:buClr>
+                <a:srgbClr val="92D050"/>
+              </a:buClr>
+              <a:buFont typeface="Wingdings" panose="05000000000000000000" pitchFamily="2" charset="2"/>
+              <a:buChar char="Ø"/>
+            </a:pPr>
+            <a:r>
+              <a:rPr lang="en-US" altLang="zh-CN" sz="2800" b="1" dirty="0"/>
+              <a:t>HOC</a:t>
+            </a:r>
+          </a:p>
+          <a:p>
+            <a:pPr>
+              <a:lnSpc>
+                <a:spcPct val="200000"/>
+              </a:lnSpc>
+              <a:buClr>
+                <a:srgbClr val="92D050"/>
+              </a:buClr>
+              <a:buFont typeface="Wingdings" panose="05000000000000000000" pitchFamily="2" charset="2"/>
+              <a:buChar char="Ø"/>
+            </a:pPr>
+            <a:r>
+              <a:rPr lang="en-US" altLang="zh-CN" sz="2800" b="1" dirty="0"/>
+              <a:t>Portals</a:t>
+            </a:r>
+          </a:p>
+          <a:p>
+            <a:pPr>
+              <a:lnSpc>
+                <a:spcPct val="200000"/>
+              </a:lnSpc>
+              <a:buClr>
+                <a:srgbClr val="92D050"/>
+              </a:buClr>
+              <a:buFont typeface="Wingdings" panose="05000000000000000000" pitchFamily="2" charset="2"/>
+              <a:buChar char="Ø"/>
+            </a:pPr>
+            <a:r>
+              <a:rPr lang="en-US" altLang="zh-CN" sz="2800" b="1" dirty="0">
+                <a:solidFill>
+                  <a:srgbClr val="C00000"/>
+                </a:solidFill>
+              </a:rPr>
+              <a:t>Hooks</a:t>
+            </a:r>
+          </a:p>
+        </p:txBody>
+      </p:sp>
+    </p:spTree>
+    <p:extLst>
+      <p:ext uri="{BB962C8B-B14F-4D97-AF65-F5344CB8AC3E}">
+        <p14:creationId xmlns:p14="http://schemas.microsoft.com/office/powerpoint/2010/main" val="363899796"/>
+      </p:ext>
+    </p:extLst>
+  </p:cSld>
+  <p:clrMapOvr>
+    <a:masterClrMapping/>
+  </p:clrMapOvr>
+  <p:transition/>
+</p:sld>
+</file>
+
+<file path=ppt/slides/slide13.xml><?xml version="1.0" encoding="utf-8"?>
 <p:sld xmlns:a="http://schemas.openxmlformats.org/drawingml/2006/main" xmlns:r="http://schemas.openxmlformats.org/officeDocument/2006/relationships" xmlns:p="http://schemas.openxmlformats.org/presentationml/2006/main">
   <p:cSld>
     <p:spTree>
@@ -4201,12 +4822,12 @@
           <a:p>
             <a:pPr algn="ctr" eaLnBrk="1" hangingPunct="1"/>
             <a:r>
-              <a:rPr lang="en-US" altLang="zh-CN" sz="5400" smtClean="0">
+              <a:rPr lang="en-US" altLang="zh-CN" sz="5400">
                 <a:ea typeface="宋体" panose="02010600030101010101" pitchFamily="2" charset="-122"/>
               </a:rPr>
               <a:t>Thank You</a:t>
             </a:r>
-            <a:endParaRPr lang="zh-CN" altLang="zh-CN" sz="5400" dirty="0" smtClean="0">
+            <a:endParaRPr lang="zh-CN" altLang="zh-CN" sz="5400" dirty="0">
               <a:ea typeface="宋体" panose="02010600030101010101" pitchFamily="2" charset="-122"/>
             </a:endParaRPr>
           </a:p>
@@ -4271,13 +4892,6 @@
   <p:clrMapOvr>
     <a:masterClrMapping/>
   </p:clrMapOvr>
-  <p:timing>
-    <p:tnLst>
-      <p:par>
-        <p:cTn id="1" dur="indefinite" restart="never" nodeType="tmRoot"/>
-      </p:par>
-    </p:tnLst>
-  </p:timing>
 </p:sld>
 </file>
 
@@ -4451,7 +5065,7 @@
           </a:lstStyle>
           <a:p>
             <a:r>
-              <a:rPr lang="zh-CN" altLang="en-US" dirty="0" smtClean="0">
+              <a:rPr lang="zh-CN" altLang="en-US" dirty="0">
                 <a:solidFill>
                   <a:srgbClr val="C00000"/>
                 </a:solidFill>
@@ -4460,13 +5074,6 @@
               </a:rPr>
               <a:t>内容提纲</a:t>
             </a:r>
-            <a:endParaRPr lang="zh-CN" altLang="en-US" dirty="0">
-              <a:solidFill>
-                <a:srgbClr val="C00000"/>
-              </a:solidFill>
-              <a:latin typeface="+mj-ea"/>
-              <a:ea typeface="+mj-ea"/>
-            </a:endParaRPr>
           </a:p>
         </p:txBody>
       </p:sp>
@@ -4627,7 +5234,7 @@
               <a:buChar char="Ø"/>
             </a:pPr>
             <a:r>
-              <a:rPr lang="en-US" altLang="zh-CN" sz="2800" b="1" dirty="0" smtClean="0">
+              <a:rPr lang="en-US" altLang="zh-CN" sz="2800" b="1" dirty="0">
                 <a:solidFill>
                   <a:srgbClr val="C00000"/>
                 </a:solidFill>
@@ -4654,7 +5261,7 @@
               <a:buChar char="Ø"/>
             </a:pPr>
             <a:r>
-              <a:rPr lang="en-US" altLang="zh-CN" sz="2800" b="1" dirty="0" smtClean="0">
+              <a:rPr lang="en-US" altLang="zh-CN" sz="2800" b="1" dirty="0">
                 <a:latin typeface="+mj-ea"/>
                 <a:ea typeface="+mj-ea"/>
               </a:rPr>
@@ -4673,10 +5280,25 @@
               <a:buChar char="Ø"/>
             </a:pPr>
             <a:r>
-              <a:rPr lang="en-US" altLang="zh-CN" sz="2800" b="1" dirty="0" smtClean="0"/>
+              <a:rPr lang="en-US" altLang="zh-CN" sz="2800" b="1" dirty="0"/>
               <a:t>Portals</a:t>
             </a:r>
-            <a:endParaRPr lang="en-US" altLang="zh-CN" sz="2800" b="1" dirty="0"/>
+          </a:p>
+          <a:p>
+            <a:pPr>
+              <a:lnSpc>
+                <a:spcPct val="200000"/>
+              </a:lnSpc>
+              <a:buClr>
+                <a:srgbClr val="92D050"/>
+              </a:buClr>
+              <a:buFont typeface="Wingdings" panose="05000000000000000000" pitchFamily="2" charset="2"/>
+              <a:buChar char="Ø"/>
+            </a:pPr>
+            <a:r>
+              <a:rPr lang="en-US" altLang="zh-CN" sz="2800" b="1" dirty="0"/>
+              <a:t>Hooks</a:t>
+            </a:r>
           </a:p>
         </p:txBody>
       </p:sp>
@@ -4693,13 +5315,6 @@
       <p:transition spd="slow"/>
     </mc:Fallback>
   </mc:AlternateContent>
-  <p:timing>
-    <p:tnLst>
-      <p:par>
-        <p:cTn id="1" dur="indefinite" restart="never" nodeType="tmRoot"/>
-      </p:par>
-    </p:tnLst>
-  </p:timing>
 </p:sld>
 </file>
 
@@ -4769,7 +5384,7 @@
               </a:rPr>
               <a:t> Context</a:t>
             </a:r>
-            <a:endParaRPr lang="zh-CN" altLang="en-US" dirty="0" smtClean="0">
+            <a:endParaRPr lang="zh-CN" altLang="en-US" dirty="0">
               <a:latin typeface="+mn-ea"/>
               <a:ea typeface="+mn-ea"/>
             </a:endParaRPr>
@@ -4824,13 +5439,6 @@
   <p:clrMapOvr>
     <a:masterClrMapping/>
   </p:clrMapOvr>
-  <p:timing>
-    <p:tnLst>
-      <p:par>
-        <p:cTn id="1" dur="indefinite" restart="never" nodeType="tmRoot"/>
-      </p:par>
-    </p:tnLst>
-  </p:timing>
 </p:sld>
 </file>
 
@@ -4900,7 +5508,7 @@
               </a:rPr>
               <a:t> Context</a:t>
             </a:r>
-            <a:endParaRPr lang="zh-CN" altLang="en-US" dirty="0" smtClean="0">
+            <a:endParaRPr lang="zh-CN" altLang="en-US" dirty="0">
               <a:latin typeface="+mn-ea"/>
               <a:ea typeface="+mn-ea"/>
             </a:endParaRPr>
@@ -4977,13 +5585,6 @@
   <p:clrMapOvr>
     <a:masterClrMapping/>
   </p:clrMapOvr>
-  <p:timing>
-    <p:tnLst>
-      <p:par>
-        <p:cTn id="1" dur="indefinite" restart="never" nodeType="tmRoot"/>
-      </p:par>
-    </p:tnLst>
-  </p:timing>
 </p:sld>
 </file>
 
@@ -5053,7 +5654,7 @@
               </a:rPr>
               <a:t> Context</a:t>
             </a:r>
-            <a:endParaRPr lang="zh-CN" altLang="en-US" dirty="0" smtClean="0">
+            <a:endParaRPr lang="zh-CN" altLang="en-US" dirty="0">
               <a:latin typeface="+mn-ea"/>
               <a:ea typeface="+mn-ea"/>
             </a:endParaRPr>
@@ -5130,13 +5731,6 @@
   <p:clrMapOvr>
     <a:masterClrMapping/>
   </p:clrMapOvr>
-  <p:timing>
-    <p:tnLst>
-      <p:par>
-        <p:cTn id="1" dur="indefinite" restart="never" nodeType="tmRoot"/>
-      </p:par>
-    </p:tnLst>
-  </p:timing>
 </p:sld>
 </file>
 
@@ -5182,14 +5776,14 @@
           <a:p>
             <a:pPr marL="360045"/>
             <a:r>
-              <a:rPr lang="zh-CN" altLang="en-US" dirty="0" smtClean="0">
+              <a:rPr lang="zh-CN" altLang="en-US" dirty="0">
                 <a:latin typeface="+mj-ea"/>
                 <a:ea typeface="+mj-ea"/>
               </a:rPr>
               <a:t> </a:t>
             </a:r>
             <a:r>
-              <a:rPr lang="en-US" altLang="zh-CN" dirty="0" smtClean="0">
+              <a:rPr lang="en-US" altLang="zh-CN" dirty="0">
                 <a:latin typeface="+mj-ea"/>
                 <a:ea typeface="+mj-ea"/>
               </a:rPr>
@@ -5218,13 +5812,23 @@
               <a:t>props </a:t>
             </a:r>
             <a:r>
-              <a:rPr lang="zh-CN" altLang="en-US" dirty="0" smtClean="0"/>
+              <a:rPr lang="zh-CN" altLang="en-US" dirty="0"/>
               <a:t>属性</a:t>
             </a:r>
-            <a:endParaRPr lang="en-US" altLang="zh-CN" dirty="0" smtClean="0"/>
+            <a:endParaRPr lang="en-US" altLang="zh-CN" dirty="0"/>
           </a:p>
           <a:p>
             <a:pPr marL="591820" lvl="1"/>
+            <a:r>
+              <a:rPr lang="en-US" altLang="zh-CN" dirty="0">
+                <a:latin typeface="+mj-ea"/>
+                <a:ea typeface="+mj-ea"/>
+              </a:rPr>
+              <a:t> API</a:t>
+            </a:r>
+          </a:p>
+          <a:p>
+            <a:pPr marL="593090" lvl="2"/>
             <a:r>
               <a:rPr lang="en-US" altLang="zh-CN" dirty="0">
                 <a:latin typeface="+mj-ea"/>
@@ -5233,11 +5837,11 @@
               <a:t> </a:t>
             </a:r>
             <a:r>
-              <a:rPr lang="en-US" altLang="zh-CN" dirty="0" smtClean="0">
+              <a:rPr lang="en-US" altLang="zh-CN" dirty="0" err="1">
                 <a:latin typeface="+mj-ea"/>
                 <a:ea typeface="+mj-ea"/>
               </a:rPr>
-              <a:t>API</a:t>
+              <a:t>React.createContext</a:t>
             </a:r>
             <a:endParaRPr lang="en-US" altLang="zh-CN" dirty="0">
               <a:latin typeface="+mj-ea"/>
@@ -5247,42 +5851,17 @@
           <a:p>
             <a:pPr marL="593090" lvl="2"/>
             <a:r>
-              <a:rPr lang="en-US" altLang="zh-CN" dirty="0" smtClean="0">
-                <a:latin typeface="+mj-ea"/>
-                <a:ea typeface="+mj-ea"/>
-              </a:rPr>
-              <a:t> </a:t>
-            </a:r>
-            <a:r>
-              <a:rPr lang="en-US" altLang="zh-CN" dirty="0" err="1" smtClean="0">
-                <a:latin typeface="+mj-ea"/>
-                <a:ea typeface="+mj-ea"/>
-              </a:rPr>
-              <a:t>React.createContext</a:t>
-            </a:r>
-            <a:endParaRPr lang="en-US" altLang="zh-CN" dirty="0">
-              <a:latin typeface="+mj-ea"/>
-              <a:ea typeface="+mj-ea"/>
-            </a:endParaRPr>
-          </a:p>
-          <a:p>
-            <a:pPr marL="593090" lvl="2"/>
-            <a:r>
-              <a:rPr lang="en-US" altLang="zh-CN" dirty="0" smtClean="0">
+              <a:rPr lang="en-US" altLang="zh-CN" dirty="0">
                 <a:latin typeface="+mj-ea"/>
                 <a:ea typeface="+mj-ea"/>
               </a:rPr>
               <a:t> Provider</a:t>
             </a:r>
-            <a:endParaRPr lang="en-US" altLang="zh-CN" dirty="0">
-              <a:latin typeface="+mj-ea"/>
-              <a:ea typeface="+mj-ea"/>
-            </a:endParaRPr>
           </a:p>
           <a:p>
             <a:pPr marL="593090" lvl="2"/>
             <a:r>
-              <a:rPr lang="en-US" altLang="zh-CN" dirty="0" smtClean="0">
+              <a:rPr lang="en-US" altLang="zh-CN" dirty="0">
                 <a:latin typeface="+mj-ea"/>
                 <a:ea typeface="+mj-ea"/>
               </a:rPr>
@@ -5340,7 +5919,7 @@
               </a:rPr>
               <a:t> Context</a:t>
             </a:r>
-            <a:endParaRPr lang="zh-CN" altLang="en-US" dirty="0" smtClean="0">
+            <a:endParaRPr lang="zh-CN" altLang="en-US" dirty="0">
               <a:latin typeface="+mn-ea"/>
               <a:ea typeface="+mn-ea"/>
             </a:endParaRPr>
@@ -5954,7 +6533,7 @@
             <a:pPr marL="193040" indent="0">
               <a:buNone/>
             </a:pPr>
-            <a:endParaRPr lang="en-US" altLang="zh-CN" dirty="0" smtClean="0">
+            <a:endParaRPr lang="en-US" altLang="zh-CN" dirty="0">
               <a:latin typeface="+mj-ea"/>
               <a:ea typeface="+mj-ea"/>
             </a:endParaRPr>
@@ -6010,7 +6589,7 @@
               </a:rPr>
               <a:t> Context</a:t>
             </a:r>
-            <a:endParaRPr lang="zh-CN" altLang="en-US" dirty="0" smtClean="0">
+            <a:endParaRPr lang="zh-CN" altLang="en-US" dirty="0">
               <a:latin typeface="+mn-ea"/>
               <a:ea typeface="+mn-ea"/>
             </a:endParaRPr>
@@ -6050,14 +6629,10 @@
             </a:r>
             <a:r>
               <a:rPr lang="en-US" altLang="zh-CN" sz="2400" dirty="0"/>
-              <a:t> </a:t>
-            </a:r>
-            <a:r>
-              <a:rPr lang="en-US" altLang="zh-CN" sz="2400" dirty="0" smtClean="0"/>
-              <a:t>{ </a:t>
-            </a:r>
-            <a:r>
-              <a:rPr lang="en-US" altLang="zh-CN" sz="2400" dirty="0" smtClean="0">
+              <a:t> { </a:t>
+            </a:r>
+            <a:r>
+              <a:rPr lang="en-US" altLang="zh-CN" sz="2400" dirty="0">
                 <a:solidFill>
                   <a:srgbClr val="FF0000"/>
                 </a:solidFill>
@@ -6069,7 +6644,7 @@
               <a:t>, </a:t>
             </a:r>
             <a:r>
-              <a:rPr lang="en-US" altLang="zh-CN" sz="2400" dirty="0" smtClean="0">
+              <a:rPr lang="en-US" altLang="zh-CN" sz="2400" dirty="0">
                 <a:solidFill>
                   <a:srgbClr val="FF0000"/>
                 </a:solidFill>
@@ -6077,30 +6652,25 @@
               <a:t>Consumer</a:t>
             </a:r>
             <a:r>
-              <a:rPr lang="en-US" altLang="zh-CN" sz="2400" dirty="0" smtClean="0"/>
-              <a:t> } </a:t>
-            </a:r>
-            <a:r>
               <a:rPr lang="en-US" altLang="zh-CN" sz="2400" dirty="0"/>
-              <a:t>= </a:t>
-            </a:r>
-            <a:r>
-              <a:rPr lang="en-US" altLang="zh-CN" sz="2400" dirty="0" err="1" smtClean="0"/>
+              <a:t> } = </a:t>
+            </a:r>
+            <a:r>
+              <a:rPr lang="en-US" altLang="zh-CN" sz="2400" dirty="0" err="1"/>
               <a:t>React.createContext</a:t>
             </a:r>
             <a:r>
-              <a:rPr lang="en-US" altLang="zh-CN" sz="2400" dirty="0" smtClean="0"/>
+              <a:rPr lang="en-US" altLang="zh-CN" sz="2400" dirty="0"/>
               <a:t>( </a:t>
             </a:r>
             <a:r>
-              <a:rPr lang="en-US" altLang="zh-CN" sz="2400" dirty="0" err="1" smtClean="0"/>
+              <a:rPr lang="en-US" altLang="zh-CN" sz="2400" dirty="0" err="1"/>
               <a:t>defaultValue</a:t>
             </a:r>
             <a:r>
-              <a:rPr lang="en-US" altLang="zh-CN" sz="2400" dirty="0" smtClean="0"/>
+              <a:rPr lang="en-US" altLang="zh-CN" sz="2400" dirty="0"/>
               <a:t> );</a:t>
             </a:r>
-            <a:endParaRPr lang="en-US" altLang="zh-CN" sz="2400" dirty="0"/>
           </a:p>
           <a:p>
             <a:r>
@@ -6116,37 +6686,24 @@
               <a:t>Toolbar</a:t>
             </a:r>
             <a:r>
-              <a:rPr lang="en-US" altLang="zh-CN" sz="2400" dirty="0" smtClean="0"/>
+              <a:rPr lang="en-US" altLang="zh-CN" sz="2400" dirty="0"/>
               <a:t>( props ) {</a:t>
             </a:r>
           </a:p>
           <a:p>
             <a:r>
               <a:rPr lang="en-US" altLang="zh-CN" sz="2400" dirty="0"/>
-              <a:t>	</a:t>
-            </a:r>
-            <a:r>
-              <a:rPr lang="en-US" altLang="zh-CN" sz="2400" dirty="0" smtClean="0"/>
-              <a:t>return </a:t>
-            </a:r>
+              <a:t>	return ( </a:t>
+            </a:r>
+          </a:p>
+          <a:p>
+            <a:pPr lvl="1"/>
             <a:r>
               <a:rPr lang="en-US" altLang="zh-CN" sz="2400" dirty="0"/>
-              <a:t>( </a:t>
-            </a:r>
-            <a:endParaRPr lang="en-US" altLang="zh-CN" sz="2400" dirty="0" smtClean="0"/>
-          </a:p>
-          <a:p>
-            <a:pPr lvl="1"/>
-            <a:r>
-              <a:rPr lang="en-US" altLang="zh-CN" sz="2400" dirty="0"/>
-              <a:t>	</a:t>
-            </a:r>
-            <a:r>
-              <a:rPr lang="en-US" altLang="zh-CN" sz="2400" dirty="0" smtClean="0"/>
-              <a:t>	&lt;</a:t>
-            </a:r>
-            <a:r>
-              <a:rPr lang="en-US" altLang="zh-CN" sz="2400" dirty="0" smtClean="0">
+              <a:t>		&lt;</a:t>
+            </a:r>
+            <a:r>
+              <a:rPr lang="en-US" altLang="zh-CN" sz="2400" dirty="0">
                 <a:solidFill>
                   <a:srgbClr val="FF0000"/>
                 </a:solidFill>
@@ -6157,40 +6714,15 @@
               <a:rPr lang="en-US" altLang="zh-CN" sz="2400" dirty="0"/>
               <a:t>&gt; </a:t>
             </a:r>
-            <a:endParaRPr lang="en-US" altLang="zh-CN" sz="2400" dirty="0" smtClean="0"/>
           </a:p>
           <a:p>
             <a:pPr lvl="1"/>
             <a:r>
-              <a:rPr lang="en-US" altLang="zh-CN" sz="2400" dirty="0" smtClean="0"/>
-              <a:t>			{ theme </a:t>
-            </a:r>
-            <a:r>
               <a:rPr lang="en-US" altLang="zh-CN" sz="2400" dirty="0"/>
-              <a:t>=&gt; &lt;</a:t>
-            </a:r>
-            <a:r>
-              <a:rPr lang="en-US" altLang="zh-CN" sz="2400" dirty="0" smtClean="0"/>
-              <a:t>Button </a:t>
-            </a:r>
-            <a:r>
-              <a:rPr lang="en-US" altLang="zh-CN" sz="2400" dirty="0"/>
-              <a:t>theme</a:t>
-            </a:r>
-            <a:r>
-              <a:rPr lang="en-US" altLang="zh-CN" sz="2400" dirty="0" smtClean="0"/>
-              <a:t>={ theme } </a:t>
-            </a:r>
-            <a:r>
-              <a:rPr lang="en-US" altLang="zh-CN" sz="2400" dirty="0"/>
-              <a:t>/&gt;} </a:t>
-            </a:r>
-            <a:r>
-              <a:rPr lang="en-US" altLang="zh-CN" sz="2400" dirty="0" smtClean="0"/>
-              <a:t>					&lt;/</a:t>
-            </a:r>
-            <a:r>
-              <a:rPr lang="en-US" altLang="zh-CN" sz="2400" dirty="0" smtClean="0">
+              <a:t>			{ theme =&gt; &lt;Button theme={ theme } /&gt;} 					&lt;/</a:t>
+            </a:r>
+            <a:r>
+              <a:rPr lang="en-US" altLang="zh-CN" sz="2400" dirty="0">
                 <a:solidFill>
                   <a:srgbClr val="FF0000"/>
                 </a:solidFill>
@@ -6201,109 +6733,84 @@
               <a:rPr lang="en-US" altLang="zh-CN" sz="2400" dirty="0"/>
               <a:t>&gt; </a:t>
             </a:r>
-            <a:endParaRPr lang="en-US" altLang="zh-CN" sz="2400" dirty="0" smtClean="0"/>
-          </a:p>
-          <a:p>
-            <a:r>
-              <a:rPr lang="en-US" altLang="zh-CN" sz="2400" dirty="0" smtClean="0"/>
+          </a:p>
+          <a:p>
+            <a:r>
+              <a:rPr lang="en-US" altLang="zh-CN" sz="2400" dirty="0"/>
               <a:t>	);</a:t>
             </a:r>
           </a:p>
           <a:p>
             <a:r>
-              <a:rPr lang="en-US" altLang="zh-CN" sz="2400" dirty="0" smtClean="0"/>
-              <a:t> </a:t>
-            </a:r>
+              <a:rPr lang="en-US" altLang="zh-CN" sz="2400" dirty="0"/>
+              <a:t> }</a:t>
+            </a:r>
+          </a:p>
+          <a:p>
+            <a:r>
+              <a:rPr lang="en-US" altLang="zh-CN" sz="2400" dirty="0"/>
+              <a:t>class App extends Component { </a:t>
+            </a:r>
+          </a:p>
+          <a:p>
+            <a:r>
+              <a:rPr lang="en-US" altLang="zh-CN" sz="2400" dirty="0"/>
+              <a:t>	render( ) { </a:t>
+            </a:r>
+          </a:p>
+          <a:p>
+            <a:r>
+              <a:rPr lang="en-US" altLang="zh-CN" sz="2400" dirty="0"/>
+              <a:t>		return &lt;</a:t>
+            </a:r>
+            <a:r>
+              <a:rPr lang="en-US" altLang="zh-CN" sz="2400" dirty="0">
+                <a:solidFill>
+                  <a:srgbClr val="FF0000"/>
+                </a:solidFill>
+              </a:rPr>
+              <a:t>Provider</a:t>
+            </a:r>
+            <a:r>
+              <a:rPr lang="en-US" altLang="zh-CN" sz="2400" dirty="0"/>
+              <a:t>  value="dark"&gt; </a:t>
+            </a:r>
+            <a:r>
+              <a:rPr lang="en-US" altLang="zh-CN" sz="2400" dirty="0">
+                <a:solidFill>
+                  <a:srgbClr val="FF0000"/>
+                </a:solidFill>
+              </a:rPr>
+              <a:t>&lt;Toolbar /&gt; </a:t>
+            </a:r>
+            <a:r>
+              <a:rPr lang="en-US" altLang="zh-CN" sz="2400" dirty="0"/>
+              <a:t>&lt;/</a:t>
+            </a:r>
+            <a:r>
+              <a:rPr lang="en-US" altLang="zh-CN" sz="2400" dirty="0">
+                <a:solidFill>
+                  <a:srgbClr val="FF0000"/>
+                </a:solidFill>
+              </a:rPr>
+              <a:t>Provider</a:t>
+            </a:r>
+            <a:r>
+              <a:rPr lang="en-US" altLang="zh-CN" sz="2400" dirty="0"/>
+              <a:t>&gt;; </a:t>
+            </a:r>
+          </a:p>
+          <a:p>
+            <a:r>
+              <a:rPr lang="en-US" altLang="zh-CN" sz="2400" dirty="0"/>
+              <a:t>	}</a:t>
+            </a:r>
+          </a:p>
+          <a:p>
             <a:r>
               <a:rPr lang="en-US" altLang="zh-CN" sz="2400" dirty="0"/>
               <a:t>}</a:t>
             </a:r>
-            <a:endParaRPr lang="en-US" altLang="zh-CN" sz="2400" dirty="0" smtClean="0"/>
-          </a:p>
-          <a:p>
-            <a:r>
-              <a:rPr lang="en-US" altLang="zh-CN" sz="2400" dirty="0"/>
-              <a:t>class App extends </a:t>
-            </a:r>
-            <a:r>
-              <a:rPr lang="en-US" altLang="zh-CN" sz="2400" dirty="0" smtClean="0"/>
-              <a:t>Component </a:t>
-            </a:r>
-            <a:r>
-              <a:rPr lang="en-US" altLang="zh-CN" sz="2400" dirty="0"/>
-              <a:t>{ </a:t>
-            </a:r>
-            <a:endParaRPr lang="en-US" altLang="zh-CN" sz="2400" dirty="0" smtClean="0"/>
-          </a:p>
-          <a:p>
-            <a:r>
-              <a:rPr lang="en-US" altLang="zh-CN" sz="2400" dirty="0" smtClean="0"/>
-              <a:t>	render( ) </a:t>
-            </a:r>
-            <a:r>
-              <a:rPr lang="en-US" altLang="zh-CN" sz="2400" dirty="0"/>
-              <a:t>{ </a:t>
-            </a:r>
-            <a:endParaRPr lang="en-US" altLang="zh-CN" sz="2400" dirty="0" smtClean="0"/>
-          </a:p>
-          <a:p>
-            <a:r>
-              <a:rPr lang="en-US" altLang="zh-CN" sz="2400" dirty="0" smtClean="0"/>
-              <a:t>		return &lt;</a:t>
-            </a:r>
-            <a:r>
-              <a:rPr lang="en-US" altLang="zh-CN" sz="2400" dirty="0" smtClean="0">
-                <a:solidFill>
-                  <a:srgbClr val="FF0000"/>
-                </a:solidFill>
-              </a:rPr>
-              <a:t>Provider</a:t>
-            </a:r>
-            <a:r>
-              <a:rPr lang="en-US" altLang="zh-CN" sz="2400" dirty="0" smtClean="0"/>
-              <a:t>  </a:t>
-            </a:r>
-            <a:r>
-              <a:rPr lang="en-US" altLang="zh-CN" sz="2400" dirty="0"/>
-              <a:t>value="dark"&gt; </a:t>
-            </a:r>
-            <a:r>
-              <a:rPr lang="en-US" altLang="zh-CN" sz="2400" dirty="0">
-                <a:solidFill>
-                  <a:srgbClr val="FF0000"/>
-                </a:solidFill>
-              </a:rPr>
-              <a:t>&lt;Toolbar /&gt; </a:t>
-            </a:r>
-            <a:r>
-              <a:rPr lang="en-US" altLang="zh-CN" sz="2400" dirty="0" smtClean="0"/>
-              <a:t>&lt;/</a:t>
-            </a:r>
-            <a:r>
-              <a:rPr lang="en-US" altLang="zh-CN" sz="2400" dirty="0" smtClean="0">
-                <a:solidFill>
-                  <a:srgbClr val="FF0000"/>
-                </a:solidFill>
-              </a:rPr>
-              <a:t>Provider</a:t>
-            </a:r>
-            <a:r>
-              <a:rPr lang="en-US" altLang="zh-CN" sz="2400" dirty="0" smtClean="0"/>
-              <a:t>&gt;; </a:t>
-            </a:r>
-          </a:p>
-          <a:p>
-            <a:r>
-              <a:rPr lang="en-US" altLang="zh-CN" sz="2400" dirty="0" smtClean="0"/>
-              <a:t>	}</a:t>
-            </a:r>
-          </a:p>
-          <a:p>
-            <a:r>
-              <a:rPr lang="en-US" altLang="zh-CN" sz="2400" dirty="0" smtClean="0"/>
-              <a:t>}</a:t>
-            </a:r>
-            <a:endParaRPr lang="en-US" altLang="zh-CN" sz="2400" dirty="0"/>
           </a:p>
         </p:txBody>
       </p:sp>
@@ -6329,7 +6836,7 @@
           <a:lstStyle/>
           <a:p>
             <a:r>
-              <a:rPr lang="en-US" altLang="zh-CN" sz="2400" dirty="0" smtClean="0"/>
+              <a:rPr lang="en-US" altLang="zh-CN" sz="2400" dirty="0"/>
               <a:t>demo01</a:t>
             </a:r>
             <a:endParaRPr lang="zh-CN" altLang="en-US" sz="2400" dirty="0"/>
@@ -6346,13 +6853,6 @@
   <p:clrMapOvr>
     <a:masterClrMapping/>
   </p:clrMapOvr>
-  <p:timing>
-    <p:tnLst>
-      <p:par>
-        <p:cTn id="1" dur="indefinite" restart="never" nodeType="tmRoot"/>
-      </p:par>
-    </p:tnLst>
-  </p:timing>
 </p:sld>
 </file>
 
@@ -6526,7 +7026,7 @@
           </a:lstStyle>
           <a:p>
             <a:r>
-              <a:rPr lang="zh-CN" altLang="en-US" dirty="0" smtClean="0">
+              <a:rPr lang="zh-CN" altLang="en-US" dirty="0">
                 <a:solidFill>
                   <a:srgbClr val="C00000"/>
                 </a:solidFill>
@@ -6535,13 +7035,6 @@
               </a:rPr>
               <a:t>内容提纲</a:t>
             </a:r>
-            <a:endParaRPr lang="zh-CN" altLang="en-US" dirty="0">
-              <a:solidFill>
-                <a:srgbClr val="C00000"/>
-              </a:solidFill>
-              <a:latin typeface="+mj-ea"/>
-              <a:ea typeface="+mj-ea"/>
-            </a:endParaRPr>
           </a:p>
         </p:txBody>
       </p:sp>
@@ -6702,7 +7195,7 @@
               <a:buChar char="Ø"/>
             </a:pPr>
             <a:r>
-              <a:rPr lang="en-US" altLang="zh-CN" sz="2800" b="1" dirty="0" smtClean="0"/>
+              <a:rPr lang="en-US" altLang="zh-CN" sz="2800" b="1" dirty="0"/>
               <a:t>Context</a:t>
             </a:r>
             <a:endParaRPr lang="en-US" altLang="zh-CN" sz="2800" b="1" dirty="0">
@@ -6722,7 +7215,7 @@
               <a:buChar char="Ø"/>
             </a:pPr>
             <a:r>
-              <a:rPr lang="en-US" altLang="zh-CN" sz="2800" b="1" dirty="0" smtClean="0">
+              <a:rPr lang="en-US" altLang="zh-CN" sz="2800" b="1" dirty="0">
                 <a:solidFill>
                   <a:srgbClr val="C00000"/>
                 </a:solidFill>
@@ -6744,10 +7237,25 @@
               <a:buChar char="Ø"/>
             </a:pPr>
             <a:r>
-              <a:rPr lang="en-US" altLang="zh-CN" sz="2800" b="1" dirty="0" smtClean="0"/>
+              <a:rPr lang="en-US" altLang="zh-CN" sz="2800" b="1" dirty="0"/>
               <a:t>Portals</a:t>
             </a:r>
-            <a:endParaRPr lang="en-US" altLang="zh-CN" sz="2800" b="1" dirty="0"/>
+          </a:p>
+          <a:p>
+            <a:pPr>
+              <a:lnSpc>
+                <a:spcPct val="200000"/>
+              </a:lnSpc>
+              <a:buClr>
+                <a:srgbClr val="92D050"/>
+              </a:buClr>
+              <a:buFont typeface="Wingdings" panose="05000000000000000000" pitchFamily="2" charset="2"/>
+              <a:buChar char="Ø"/>
+            </a:pPr>
+            <a:r>
+              <a:rPr lang="en-US" altLang="zh-CN" sz="2800" b="1" dirty="0"/>
+              <a:t>Hooks</a:t>
+            </a:r>
           </a:p>
         </p:txBody>
       </p:sp>
@@ -6762,13 +7270,6 @@
     <a:masterClrMapping/>
   </p:clrMapOvr>
   <p:transition/>
-  <p:timing>
-    <p:tnLst>
-      <p:par>
-        <p:cTn id="1" dur="indefinite" restart="never" nodeType="tmRoot"/>
-      </p:par>
-    </p:tnLst>
-  </p:timing>
 </p:sld>
 </file>
 
@@ -6812,46 +7313,38 @@
           <a:p>
             <a:pPr marL="360045"/>
             <a:r>
-              <a:rPr lang="zh-CN" altLang="en-US" dirty="0" smtClean="0">
+              <a:rPr lang="zh-CN" altLang="en-US" dirty="0">
                 <a:latin typeface="+mj-ea"/>
                 <a:ea typeface="+mj-ea"/>
               </a:rPr>
               <a:t> </a:t>
             </a:r>
             <a:r>
-              <a:rPr lang="en-US" altLang="zh-CN" dirty="0" smtClean="0">
+              <a:rPr lang="en-US" altLang="zh-CN" dirty="0">
                 <a:latin typeface="+mj-ea"/>
                 <a:ea typeface="+mj-ea"/>
               </a:rPr>
               <a:t>HOC</a:t>
             </a:r>
             <a:r>
-              <a:rPr lang="zh-CN" altLang="en-US" dirty="0" smtClean="0">
+              <a:rPr lang="zh-CN" altLang="en-US" dirty="0">
                 <a:latin typeface="+mj-ea"/>
                 <a:ea typeface="+mj-ea"/>
               </a:rPr>
               <a:t>（ </a:t>
             </a:r>
             <a:r>
-              <a:rPr lang="zh-CN" altLang="en-US" b="1" dirty="0" smtClean="0"/>
-              <a:t>高</a:t>
-            </a:r>
-            <a:r>
               <a:rPr lang="zh-CN" altLang="en-US" b="1" dirty="0"/>
-              <a:t>阶</a:t>
-            </a:r>
-            <a:r>
-              <a:rPr lang="zh-CN" altLang="en-US" b="1" dirty="0" smtClean="0"/>
-              <a:t>组件 </a:t>
-            </a:r>
-            <a:r>
-              <a:rPr lang="zh-CN" altLang="en-US" dirty="0" smtClean="0">
+              <a:t>高阶组件 </a:t>
+            </a:r>
+            <a:r>
+              <a:rPr lang="zh-CN" altLang="en-US" dirty="0">
                 <a:latin typeface="+mj-ea"/>
                 <a:ea typeface="+mj-ea"/>
               </a:rPr>
               <a:t>）</a:t>
             </a:r>
-            <a:endParaRPr lang="en-US" altLang="zh-CN" dirty="0" smtClean="0">
+            <a:endParaRPr lang="en-US" altLang="zh-CN" dirty="0">
               <a:latin typeface="+mj-ea"/>
               <a:ea typeface="+mj-ea"/>
             </a:endParaRPr>
@@ -6859,55 +7352,29 @@
           <a:p>
             <a:pPr marL="591820" lvl="1"/>
             <a:r>
-              <a:rPr lang="zh-CN" altLang="en-US" dirty="0" smtClean="0"/>
+              <a:rPr lang="zh-CN" altLang="en-US" dirty="0"/>
               <a:t> 是 </a:t>
             </a:r>
             <a:r>
               <a:rPr lang="en-US" altLang="zh-CN" dirty="0"/>
-              <a:t>R</a:t>
-            </a:r>
-            <a:r>
-              <a:rPr lang="en-US" altLang="zh-CN" dirty="0" smtClean="0"/>
-              <a:t>eact </a:t>
-            </a:r>
-            <a:r>
-              <a:rPr lang="zh-CN" altLang="en-US" dirty="0" smtClean="0"/>
-              <a:t>中</a:t>
+              <a:t>React </a:t>
             </a:r>
             <a:r>
               <a:rPr lang="zh-CN" altLang="en-US" dirty="0"/>
-              <a:t>的高级技术，用来重用组件</a:t>
-            </a:r>
-            <a:r>
-              <a:rPr lang="zh-CN" altLang="en-US" dirty="0" smtClean="0"/>
-              <a:t>逻辑</a:t>
-            </a:r>
-            <a:endParaRPr lang="en-US" altLang="zh-CN" dirty="0" smtClean="0"/>
+              <a:t>中的高级技术，用来重用组件逻辑</a:t>
+            </a:r>
+            <a:endParaRPr lang="en-US" altLang="zh-CN" dirty="0"/>
           </a:p>
           <a:p>
             <a:pPr marL="591820" lvl="1"/>
-            <a:r>
-              <a:rPr lang="zh-CN" altLang="en-US" dirty="0" smtClean="0">
-                <a:latin typeface="+mj-ea"/>
-                <a:ea typeface="+mj-ea"/>
-              </a:rPr>
-              <a:t> 高</a:t>
-            </a:r>
             <a:r>
               <a:rPr lang="zh-CN" altLang="en-US" dirty="0">
                 <a:latin typeface="+mj-ea"/>
                 <a:ea typeface="+mj-ea"/>
               </a:rPr>
-              <a:t>阶组件就是一个函数，且该函数接受一个组件作为参数，并返回一个新的</a:t>
-            </a:r>
-            <a:r>
-              <a:rPr lang="zh-CN" altLang="en-US" dirty="0" smtClean="0">
-                <a:latin typeface="+mj-ea"/>
-                <a:ea typeface="+mj-ea"/>
-              </a:rPr>
-              <a:t>组件</a:t>
-            </a:r>
-            <a:endParaRPr lang="en-US" altLang="zh-CN" dirty="0" smtClean="0">
+              <a:t> 高阶组件就是一个函数，且该函数接受一个组件作为参数，并返回一个新的组件</a:t>
+            </a:r>
+            <a:endParaRPr lang="en-US" altLang="zh-CN" dirty="0">
               <a:latin typeface="+mj-ea"/>
               <a:ea typeface="+mj-ea"/>
             </a:endParaRPr>
@@ -6922,13 +7389,13 @@
               <a:t> </a:t>
             </a:r>
             <a:r>
-              <a:rPr lang="zh-CN" altLang="en-US" dirty="0" smtClean="0">
+              <a:rPr lang="zh-CN" altLang="en-US" dirty="0">
                 <a:latin typeface="+mj-ea"/>
                 <a:ea typeface="+mj-ea"/>
               </a:rPr>
               <a:t>注意事项：</a:t>
             </a:r>
-            <a:endParaRPr lang="en-US" altLang="zh-CN" dirty="0" smtClean="0">
+            <a:endParaRPr lang="en-US" altLang="zh-CN" dirty="0">
               <a:latin typeface="+mj-ea"/>
               <a:ea typeface="+mj-ea"/>
             </a:endParaRPr>
@@ -6943,32 +7410,25 @@
               <a:t> </a:t>
             </a:r>
             <a:r>
-              <a:rPr lang="zh-CN" altLang="en-US" dirty="0" smtClean="0">
+              <a:rPr lang="zh-CN" altLang="en-US" dirty="0">
                 <a:latin typeface="+mj-ea"/>
                 <a:ea typeface="+mj-ea"/>
               </a:rPr>
               <a:t>不要修改原始组件，使用组合方式</a:t>
             </a:r>
-            <a:endParaRPr lang="en-US" altLang="zh-CN" dirty="0" smtClean="0">
+            <a:endParaRPr lang="en-US" altLang="zh-CN" dirty="0">
               <a:latin typeface="+mj-ea"/>
               <a:ea typeface="+mj-ea"/>
             </a:endParaRPr>
           </a:p>
           <a:p>
             <a:pPr marL="593090" lvl="2"/>
-            <a:r>
-              <a:rPr lang="zh-CN" altLang="en-US" dirty="0" smtClean="0">
-                <a:latin typeface="+mj-ea"/>
-                <a:ea typeface="+mj-ea"/>
-              </a:rPr>
-              <a:t> 传递</a:t>
-            </a:r>
             <a:r>
               <a:rPr lang="zh-CN" altLang="en-US" dirty="0">
                 <a:latin typeface="+mj-ea"/>
                 <a:ea typeface="+mj-ea"/>
               </a:rPr>
-              <a:t>不相关</a:t>
+              <a:t> 传递不相关</a:t>
             </a:r>
             <a:r>
               <a:rPr lang="en-US" altLang="zh-CN" dirty="0">
@@ -6984,7 +7444,7 @@
               </a:rPr>
               <a:t>属性给被包裹的组件</a:t>
             </a:r>
-            <a:endParaRPr lang="en-US" altLang="zh-CN" dirty="0" smtClean="0">
+            <a:endParaRPr lang="en-US" altLang="zh-CN" dirty="0">
               <a:latin typeface="+mj-ea"/>
               <a:ea typeface="+mj-ea"/>
             </a:endParaRPr>
@@ -6992,13 +7452,13 @@
           <a:p>
             <a:pPr marL="593090" lvl="2"/>
             <a:r>
-              <a:rPr lang="zh-CN" altLang="en-US" dirty="0" smtClean="0">
+              <a:rPr lang="zh-CN" altLang="en-US" dirty="0">
                 <a:latin typeface="+mj-ea"/>
                 <a:ea typeface="+mj-ea"/>
               </a:rPr>
               <a:t> 包装显示名字以便于调试</a:t>
             </a:r>
-            <a:endParaRPr lang="en-US" altLang="zh-CN" dirty="0" smtClean="0">
+            <a:endParaRPr lang="en-US" altLang="zh-CN" dirty="0">
               <a:latin typeface="+mj-ea"/>
               <a:ea typeface="+mj-ea"/>
             </a:endParaRPr>
@@ -7054,7 +7514,7 @@
               </a:rPr>
               <a:t> HOC</a:t>
             </a:r>
-            <a:endParaRPr lang="zh-CN" altLang="en-US" dirty="0" smtClean="0">
+            <a:endParaRPr lang="zh-CN" altLang="en-US" dirty="0">
               <a:latin typeface="+mn-ea"/>
               <a:ea typeface="+mn-ea"/>
             </a:endParaRPr>
@@ -7083,7 +7543,7 @@
           <a:lstStyle/>
           <a:p>
             <a:r>
-              <a:rPr lang="en-US" altLang="zh-CN" sz="2400" smtClean="0"/>
+              <a:rPr lang="en-US" altLang="zh-CN" sz="2400"/>
               <a:t>demo02</a:t>
             </a:r>
             <a:endParaRPr lang="zh-CN" altLang="en-US" sz="2400" dirty="0"/>
@@ -7876,7 +8336,7 @@
   <a:extraClrSchemeLst/>
   <a:extLst>
     <a:ext uri="{05A4C25C-085E-4340-85A3-A5531E510DB2}">
-      <thm15:themeFamily xmlns="" xmlns:thm15="http://schemas.microsoft.com/office/thememl/2012/main" name="Office Theme" id="{62F939B6-93AF-4DB8-9C6B-D6C7DFDC589F}" vid="{4A3C46E8-61CC-4603-A589-7422A47A8E4A}"/>
+      <thm15:themeFamily xmlns:thm15="http://schemas.microsoft.com/office/thememl/2012/main" name="Office Theme" id="{62F939B6-93AF-4DB8-9C6B-D6C7DFDC589F}" vid="{4A3C46E8-61CC-4603-A589-7422A47A8E4A}"/>
     </a:ext>
   </a:extLst>
 </a:theme>
@@ -8164,7 +8624,7 @@
   <a:extraClrSchemeLst/>
   <a:extLst>
     <a:ext uri="{05A4C25C-085E-4340-85A3-A5531E510DB2}">
-      <thm15:themeFamily xmlns="" xmlns:thm15="http://schemas.microsoft.com/office/thememl/2012/main" name="Office Theme" id="{62F939B6-93AF-4DB8-9C6B-D6C7DFDC589F}" vid="{4A3C46E8-61CC-4603-A589-7422A47A8E4A}"/>
+      <thm15:themeFamily xmlns:thm15="http://schemas.microsoft.com/office/thememl/2012/main" name="Office Theme" id="{62F939B6-93AF-4DB8-9C6B-D6C7DFDC589F}" vid="{4A3C46E8-61CC-4603-A589-7422A47A8E4A}"/>
     </a:ext>
   </a:extLst>
 </a:theme>

--- a/materials/slides/ch04-Advanced Guides.pptx
+++ b/materials/slides/ch04-Advanced Guides.pptx
@@ -5,7 +5,7 @@
     <p:sldMasterId id="2147483648" r:id="rId1"/>
   </p:sldMasterIdLst>
   <p:notesMasterIdLst>
-    <p:notesMasterId r:id="rId15"/>
+    <p:notesMasterId r:id="rId18"/>
   </p:notesMasterIdLst>
   <p:sldIdLst>
     <p:sldId id="773" r:id="rId2"/>
@@ -20,7 +20,10 @@
     <p:sldId id="955" r:id="rId11"/>
     <p:sldId id="956" r:id="rId12"/>
     <p:sldId id="957" r:id="rId13"/>
-    <p:sldId id="937" r:id="rId14"/>
+    <p:sldId id="958" r:id="rId14"/>
+    <p:sldId id="959" r:id="rId15"/>
+    <p:sldId id="960" r:id="rId16"/>
+    <p:sldId id="937" r:id="rId17"/>
   </p:sldIdLst>
   <p:sldSz cx="12192000" cy="6858000"/>
   <p:notesSz cx="6797675" cy="9928225"/>
@@ -1158,6 +1161,267 @@
     <p:extLst>
       <p:ext uri="{BB962C8B-B14F-4D97-AF65-F5344CB8AC3E}">
         <p14:creationId xmlns:p14="http://schemas.microsoft.com/office/powerpoint/2010/main" val="1658348621"/>
+      </p:ext>
+    </p:extLst>
+  </p:cSld>
+  <p:clrMapOvr>
+    <a:masterClrMapping/>
+  </p:clrMapOvr>
+</p:notes>
+</file>
+
+<file path=ppt/notesSlides/notesSlide12.xml><?xml version="1.0" encoding="utf-8"?>
+<p:notes xmlns:a="http://schemas.openxmlformats.org/drawingml/2006/main" xmlns:r="http://schemas.openxmlformats.org/officeDocument/2006/relationships" xmlns:p="http://schemas.openxmlformats.org/presentationml/2006/main">
+  <p:cSld>
+    <p:spTree>
+      <p:nvGrpSpPr>
+        <p:cNvPr id="1" name=""/>
+        <p:cNvGrpSpPr/>
+        <p:nvPr/>
+      </p:nvGrpSpPr>
+      <p:grpSpPr>
+        <a:xfrm>
+          <a:off x="0" y="0"/>
+          <a:ext cx="0" cy="0"/>
+          <a:chOff x="0" y="0"/>
+          <a:chExt cx="0" cy="0"/>
+        </a:xfrm>
+      </p:grpSpPr>
+      <p:sp>
+        <p:nvSpPr>
+          <p:cNvPr id="2" name="幻灯片图像占位符 1"/>
+          <p:cNvSpPr>
+            <a:spLocks noGrp="1" noRot="1" noChangeAspect="1"/>
+          </p:cNvSpPr>
+          <p:nvPr>
+            <p:ph type="sldImg"/>
+          </p:nvPr>
+        </p:nvSpPr>
+        <p:spPr/>
+      </p:sp>
+      <p:sp>
+        <p:nvSpPr>
+          <p:cNvPr id="3" name="备注占位符 2"/>
+          <p:cNvSpPr>
+            <a:spLocks noGrp="1"/>
+          </p:cNvSpPr>
+          <p:nvPr>
+            <p:ph type="body" idx="1"/>
+          </p:nvPr>
+        </p:nvSpPr>
+        <p:spPr/>
+        <p:txBody>
+          <a:bodyPr/>
+          <a:lstStyle/>
+          <a:p>
+            <a:endParaRPr lang="zh-CN" altLang="en-US" dirty="0"/>
+          </a:p>
+        </p:txBody>
+      </p:sp>
+      <p:sp>
+        <p:nvSpPr>
+          <p:cNvPr id="4" name="灯片编号占位符 3"/>
+          <p:cNvSpPr>
+            <a:spLocks noGrp="1"/>
+          </p:cNvSpPr>
+          <p:nvPr>
+            <p:ph type="sldNum" sz="quarter" idx="10"/>
+          </p:nvPr>
+        </p:nvSpPr>
+        <p:spPr/>
+        <p:txBody>
+          <a:bodyPr/>
+          <a:lstStyle/>
+          <a:p>
+            <a:pPr>
+              <a:defRPr/>
+            </a:pPr>
+            <a:fld id="{F2CCABD1-AF70-44CD-8C26-4C379059FAC1}" type="slidenum">
+              <a:rPr lang="zh-CN" altLang="zh-CN" smtClean="0"/>
+              <a:t>13</a:t>
+            </a:fld>
+            <a:endParaRPr lang="zh-CN" altLang="zh-CN"/>
+          </a:p>
+        </p:txBody>
+      </p:sp>
+    </p:spTree>
+    <p:extLst>
+      <p:ext uri="{BB962C8B-B14F-4D97-AF65-F5344CB8AC3E}">
+        <p14:creationId xmlns:p14="http://schemas.microsoft.com/office/powerpoint/2010/main" val="3634201370"/>
+      </p:ext>
+    </p:extLst>
+  </p:cSld>
+  <p:clrMapOvr>
+    <a:masterClrMapping/>
+  </p:clrMapOvr>
+</p:notes>
+</file>
+
+<file path=ppt/notesSlides/notesSlide13.xml><?xml version="1.0" encoding="utf-8"?>
+<p:notes xmlns:a="http://schemas.openxmlformats.org/drawingml/2006/main" xmlns:r="http://schemas.openxmlformats.org/officeDocument/2006/relationships" xmlns:p="http://schemas.openxmlformats.org/presentationml/2006/main">
+  <p:cSld>
+    <p:spTree>
+      <p:nvGrpSpPr>
+        <p:cNvPr id="1" name=""/>
+        <p:cNvGrpSpPr/>
+        <p:nvPr/>
+      </p:nvGrpSpPr>
+      <p:grpSpPr>
+        <a:xfrm>
+          <a:off x="0" y="0"/>
+          <a:ext cx="0" cy="0"/>
+          <a:chOff x="0" y="0"/>
+          <a:chExt cx="0" cy="0"/>
+        </a:xfrm>
+      </p:grpSpPr>
+      <p:sp>
+        <p:nvSpPr>
+          <p:cNvPr id="2" name="幻灯片图像占位符 1"/>
+          <p:cNvSpPr>
+            <a:spLocks noGrp="1" noRot="1" noChangeAspect="1"/>
+          </p:cNvSpPr>
+          <p:nvPr>
+            <p:ph type="sldImg"/>
+          </p:nvPr>
+        </p:nvSpPr>
+        <p:spPr/>
+      </p:sp>
+      <p:sp>
+        <p:nvSpPr>
+          <p:cNvPr id="3" name="备注占位符 2"/>
+          <p:cNvSpPr>
+            <a:spLocks noGrp="1"/>
+          </p:cNvSpPr>
+          <p:nvPr>
+            <p:ph type="body" idx="1"/>
+          </p:nvPr>
+        </p:nvSpPr>
+        <p:spPr/>
+        <p:txBody>
+          <a:bodyPr/>
+          <a:lstStyle/>
+          <a:p>
+            <a:endParaRPr lang="zh-CN" altLang="en-US" dirty="0"/>
+          </a:p>
+        </p:txBody>
+      </p:sp>
+      <p:sp>
+        <p:nvSpPr>
+          <p:cNvPr id="4" name="灯片编号占位符 3"/>
+          <p:cNvSpPr>
+            <a:spLocks noGrp="1"/>
+          </p:cNvSpPr>
+          <p:nvPr>
+            <p:ph type="sldNum" sz="quarter" idx="10"/>
+          </p:nvPr>
+        </p:nvSpPr>
+        <p:spPr/>
+        <p:txBody>
+          <a:bodyPr/>
+          <a:lstStyle/>
+          <a:p>
+            <a:pPr>
+              <a:defRPr/>
+            </a:pPr>
+            <a:fld id="{F2CCABD1-AF70-44CD-8C26-4C379059FAC1}" type="slidenum">
+              <a:rPr lang="zh-CN" altLang="zh-CN" smtClean="0"/>
+              <a:t>14</a:t>
+            </a:fld>
+            <a:endParaRPr lang="zh-CN" altLang="zh-CN"/>
+          </a:p>
+        </p:txBody>
+      </p:sp>
+    </p:spTree>
+    <p:extLst>
+      <p:ext uri="{BB962C8B-B14F-4D97-AF65-F5344CB8AC3E}">
+        <p14:creationId xmlns:p14="http://schemas.microsoft.com/office/powerpoint/2010/main" val="3769987498"/>
+      </p:ext>
+    </p:extLst>
+  </p:cSld>
+  <p:clrMapOvr>
+    <a:masterClrMapping/>
+  </p:clrMapOvr>
+</p:notes>
+</file>
+
+<file path=ppt/notesSlides/notesSlide14.xml><?xml version="1.0" encoding="utf-8"?>
+<p:notes xmlns:a="http://schemas.openxmlformats.org/drawingml/2006/main" xmlns:r="http://schemas.openxmlformats.org/officeDocument/2006/relationships" xmlns:p="http://schemas.openxmlformats.org/presentationml/2006/main">
+  <p:cSld>
+    <p:spTree>
+      <p:nvGrpSpPr>
+        <p:cNvPr id="1" name=""/>
+        <p:cNvGrpSpPr/>
+        <p:nvPr/>
+      </p:nvGrpSpPr>
+      <p:grpSpPr>
+        <a:xfrm>
+          <a:off x="0" y="0"/>
+          <a:ext cx="0" cy="0"/>
+          <a:chOff x="0" y="0"/>
+          <a:chExt cx="0" cy="0"/>
+        </a:xfrm>
+      </p:grpSpPr>
+      <p:sp>
+        <p:nvSpPr>
+          <p:cNvPr id="2" name="幻灯片图像占位符 1"/>
+          <p:cNvSpPr>
+            <a:spLocks noGrp="1" noRot="1" noChangeAspect="1"/>
+          </p:cNvSpPr>
+          <p:nvPr>
+            <p:ph type="sldImg"/>
+          </p:nvPr>
+        </p:nvSpPr>
+        <p:spPr/>
+      </p:sp>
+      <p:sp>
+        <p:nvSpPr>
+          <p:cNvPr id="3" name="备注占位符 2"/>
+          <p:cNvSpPr>
+            <a:spLocks noGrp="1"/>
+          </p:cNvSpPr>
+          <p:nvPr>
+            <p:ph type="body" idx="1"/>
+          </p:nvPr>
+        </p:nvSpPr>
+        <p:spPr/>
+        <p:txBody>
+          <a:bodyPr/>
+          <a:lstStyle/>
+          <a:p>
+            <a:endParaRPr lang="zh-CN" altLang="en-US" dirty="0"/>
+          </a:p>
+        </p:txBody>
+      </p:sp>
+      <p:sp>
+        <p:nvSpPr>
+          <p:cNvPr id="4" name="灯片编号占位符 3"/>
+          <p:cNvSpPr>
+            <a:spLocks noGrp="1"/>
+          </p:cNvSpPr>
+          <p:nvPr>
+            <p:ph type="sldNum" sz="quarter" idx="10"/>
+          </p:nvPr>
+        </p:nvSpPr>
+        <p:spPr/>
+        <p:txBody>
+          <a:bodyPr/>
+          <a:lstStyle/>
+          <a:p>
+            <a:pPr>
+              <a:defRPr/>
+            </a:pPr>
+            <a:fld id="{F2CCABD1-AF70-44CD-8C26-4C379059FAC1}" type="slidenum">
+              <a:rPr lang="zh-CN" altLang="zh-CN" smtClean="0"/>
+              <a:t>15</a:t>
+            </a:fld>
+            <a:endParaRPr lang="zh-CN" altLang="zh-CN"/>
+          </a:p>
+        </p:txBody>
+      </p:sp>
+    </p:spTree>
+    <p:extLst>
+      <p:ext uri="{BB962C8B-B14F-4D97-AF65-F5344CB8AC3E}">
+        <p14:creationId xmlns:p14="http://schemas.microsoft.com/office/powerpoint/2010/main" val="179251755"/>
       </p:ext>
     </p:extLst>
   </p:cSld>
@@ -4707,6 +4971,727 @@
 </file>
 
 <file path=ppt/slides/slide13.xml><?xml version="1.0" encoding="utf-8"?>
+<p:sld xmlns:a="http://schemas.openxmlformats.org/drawingml/2006/main" xmlns:r="http://schemas.openxmlformats.org/officeDocument/2006/relationships" xmlns:p="http://schemas.openxmlformats.org/presentationml/2006/main">
+  <p:cSld>
+    <p:spTree>
+      <p:nvGrpSpPr>
+        <p:cNvPr id="1" name=""/>
+        <p:cNvGrpSpPr/>
+        <p:nvPr/>
+      </p:nvGrpSpPr>
+      <p:grpSpPr>
+        <a:xfrm>
+          <a:off x="0" y="0"/>
+          <a:ext cx="0" cy="0"/>
+          <a:chOff x="0" y="0"/>
+          <a:chExt cx="0" cy="0"/>
+        </a:xfrm>
+      </p:grpSpPr>
+      <p:sp>
+        <p:nvSpPr>
+          <p:cNvPr id="30722" name="内容占位符 3"/>
+          <p:cNvSpPr>
+            <a:spLocks noGrp="1"/>
+          </p:cNvSpPr>
+          <p:nvPr>
+            <p:ph sz="quarter" idx="10"/>
+          </p:nvPr>
+        </p:nvSpPr>
+        <p:spPr bwMode="auto">
+          <a:xfrm>
+            <a:off x="693526" y="907845"/>
+            <a:ext cx="8788025" cy="4898244"/>
+          </a:xfrm>
+          <a:solidFill>
+            <a:schemeClr val="bg1"/>
+          </a:solidFill>
+        </p:spPr>
+        <p:txBody>
+          <a:bodyPr vert="horz" wrap="square" lIns="91440" tIns="45720" rIns="91440" bIns="45720" numCol="1" anchor="t" anchorCtr="0" compatLnSpc="1"/>
+          <a:lstStyle/>
+          <a:p>
+            <a:pPr marL="360045"/>
+            <a:r>
+              <a:rPr lang="zh-CN" altLang="en-US" dirty="0">
+                <a:latin typeface="+mj-ea"/>
+                <a:ea typeface="+mj-ea"/>
+              </a:rPr>
+              <a:t> </a:t>
+            </a:r>
+            <a:r>
+              <a:rPr lang="en-US" altLang="zh-CN" dirty="0">
+                <a:latin typeface="+mj-ea"/>
+                <a:ea typeface="+mj-ea"/>
+              </a:rPr>
+              <a:t>Hooks</a:t>
+            </a:r>
+          </a:p>
+          <a:p>
+            <a:pPr marL="591820" lvl="1"/>
+            <a:r>
+              <a:rPr lang="en-US" altLang="zh-CN" dirty="0">
+                <a:latin typeface="+mj-ea"/>
+                <a:ea typeface="+mj-ea"/>
+              </a:rPr>
+              <a:t> </a:t>
+            </a:r>
+            <a:r>
+              <a:rPr lang="en-US" altLang="zh-CN" dirty="0"/>
+              <a:t>Hook </a:t>
+            </a:r>
+            <a:r>
+              <a:rPr lang="zh-CN" altLang="en-US" dirty="0"/>
+              <a:t>是 </a:t>
+            </a:r>
+            <a:r>
+              <a:rPr lang="en-US" altLang="zh-CN" dirty="0"/>
+              <a:t>React 16.8 </a:t>
+            </a:r>
+            <a:r>
+              <a:rPr lang="zh-CN" altLang="en-US" dirty="0"/>
+              <a:t>的新增特性</a:t>
+            </a:r>
+            <a:endParaRPr lang="en-US" altLang="zh-CN" dirty="0"/>
+          </a:p>
+          <a:p>
+            <a:pPr marL="591820" lvl="1"/>
+            <a:r>
+              <a:rPr lang="en-US" altLang="zh-CN" dirty="0"/>
+              <a:t> </a:t>
+            </a:r>
+            <a:r>
+              <a:rPr lang="zh-CN" altLang="en-US" dirty="0"/>
+              <a:t>在不编写 </a:t>
+            </a:r>
+            <a:r>
+              <a:rPr lang="en-US" altLang="zh-CN" dirty="0"/>
+              <a:t>class </a:t>
+            </a:r>
+            <a:r>
+              <a:rPr lang="zh-CN" altLang="en-US" dirty="0"/>
+              <a:t>的情况下使用 </a:t>
+            </a:r>
+            <a:r>
+              <a:rPr lang="en-US" altLang="zh-CN" dirty="0"/>
+              <a:t>state </a:t>
+            </a:r>
+            <a:r>
+              <a:rPr lang="zh-CN" altLang="en-US" dirty="0"/>
+              <a:t>以及其他 </a:t>
+            </a:r>
+            <a:r>
+              <a:rPr lang="en-US" altLang="zh-CN" dirty="0"/>
+              <a:t>React </a:t>
+            </a:r>
+            <a:r>
+              <a:rPr lang="zh-CN" altLang="en-US" dirty="0"/>
+              <a:t>特性</a:t>
+            </a:r>
+            <a:endParaRPr lang="en-US" altLang="zh-CN" dirty="0"/>
+          </a:p>
+          <a:p>
+            <a:pPr marL="360045"/>
+            <a:r>
+              <a:rPr lang="en-US" altLang="zh-CN" dirty="0">
+                <a:latin typeface="+mj-ea"/>
+                <a:ea typeface="+mj-ea"/>
+              </a:rPr>
+              <a:t> </a:t>
+            </a:r>
+            <a:r>
+              <a:rPr lang="zh-CN" altLang="en-US" dirty="0">
+                <a:latin typeface="+mj-ea"/>
+                <a:ea typeface="+mj-ea"/>
+              </a:rPr>
+              <a:t>基础</a:t>
+            </a:r>
+            <a:r>
+              <a:rPr lang="en-US" altLang="zh-CN" dirty="0">
+                <a:latin typeface="+mj-ea"/>
+                <a:ea typeface="+mj-ea"/>
+              </a:rPr>
+              <a:t> Hooks </a:t>
+            </a:r>
+            <a:r>
+              <a:rPr lang="en-US" altLang="zh-CN" dirty="0" err="1">
+                <a:latin typeface="+mj-ea"/>
+                <a:ea typeface="+mj-ea"/>
+              </a:rPr>
+              <a:t>Api</a:t>
+            </a:r>
+            <a:endParaRPr lang="en-US" altLang="zh-CN" dirty="0">
+              <a:latin typeface="+mj-ea"/>
+              <a:ea typeface="+mj-ea"/>
+            </a:endParaRPr>
+          </a:p>
+          <a:p>
+            <a:pPr marL="591820" lvl="1"/>
+            <a:r>
+              <a:rPr lang="en-US" altLang="zh-CN" dirty="0">
+                <a:latin typeface="+mj-ea"/>
+                <a:ea typeface="+mj-ea"/>
+              </a:rPr>
+              <a:t> </a:t>
+            </a:r>
+            <a:r>
+              <a:rPr lang="en-US" altLang="zh-CN" dirty="0" err="1">
+                <a:latin typeface="+mj-ea"/>
+                <a:ea typeface="+mj-ea"/>
+              </a:rPr>
+              <a:t>useState</a:t>
+            </a:r>
+            <a:endParaRPr lang="en-US" altLang="zh-CN" dirty="0">
+              <a:latin typeface="+mj-ea"/>
+              <a:ea typeface="+mj-ea"/>
+            </a:endParaRPr>
+          </a:p>
+          <a:p>
+            <a:pPr marL="591820" lvl="1"/>
+            <a:r>
+              <a:rPr lang="en-US" altLang="zh-CN" dirty="0">
+                <a:latin typeface="+mj-ea"/>
+                <a:ea typeface="+mj-ea"/>
+              </a:rPr>
+              <a:t> </a:t>
+            </a:r>
+            <a:r>
+              <a:rPr lang="en-US" altLang="zh-CN" dirty="0" err="1">
+                <a:latin typeface="+mj-ea"/>
+                <a:ea typeface="+mj-ea"/>
+              </a:rPr>
+              <a:t>useEffect</a:t>
+            </a:r>
+            <a:endParaRPr lang="en-US" altLang="zh-CN" dirty="0">
+              <a:latin typeface="+mj-ea"/>
+              <a:ea typeface="+mj-ea"/>
+            </a:endParaRPr>
+          </a:p>
+          <a:p>
+            <a:pPr marL="591820" lvl="1"/>
+            <a:r>
+              <a:rPr lang="en-US" altLang="zh-CN" dirty="0">
+                <a:latin typeface="+mj-ea"/>
+                <a:ea typeface="+mj-ea"/>
+              </a:rPr>
+              <a:t> </a:t>
+            </a:r>
+            <a:r>
+              <a:rPr lang="en-US" altLang="zh-CN" dirty="0" err="1">
+                <a:latin typeface="+mj-ea"/>
+                <a:ea typeface="+mj-ea"/>
+              </a:rPr>
+              <a:t>useContext</a:t>
+            </a:r>
+            <a:endParaRPr lang="en-US" altLang="zh-CN" dirty="0">
+              <a:latin typeface="+mj-ea"/>
+              <a:ea typeface="+mj-ea"/>
+            </a:endParaRPr>
+          </a:p>
+        </p:txBody>
+      </p:sp>
+      <p:sp>
+        <p:nvSpPr>
+          <p:cNvPr id="25603" name="内容占位符 4"/>
+          <p:cNvSpPr>
+            <a:spLocks noGrp="1"/>
+          </p:cNvSpPr>
+          <p:nvPr>
+            <p:ph sz="quarter" idx="11"/>
+          </p:nvPr>
+        </p:nvSpPr>
+        <p:spPr bwMode="auto">
+          <a:xfrm>
+            <a:off x="909638" y="236538"/>
+            <a:ext cx="7575550" cy="490537"/>
+          </a:xfrm>
+          <a:extLst>
+            <a:ext uri="{909E8E84-426E-40DD-AFC4-6F175D3DCCD1}">
+              <a14:hiddenFill xmlns:a14="http://schemas.microsoft.com/office/drawing/2010/main">
+                <a:solidFill>
+                  <a:srgbClr val="FFFFFF"/>
+                </a:solidFill>
+              </a14:hiddenFill>
+            </a:ext>
+            <a:ext uri="{91240B29-F687-4F45-9708-019B960494DF}">
+              <a14:hiddenLine xmlns:a14="http://schemas.microsoft.com/office/drawing/2010/main" w="9525">
+                <a:solidFill>
+                  <a:srgbClr val="000000"/>
+                </a:solidFill>
+                <a:miter lim="800000"/>
+                <a:headEnd/>
+                <a:tailEnd/>
+              </a14:hiddenLine>
+            </a:ext>
+          </a:extLst>
+        </p:spPr>
+        <p:txBody>
+          <a:bodyPr vert="horz" wrap="square" lIns="91440" tIns="45720" rIns="91440" bIns="45720" numCol="1" anchor="t" anchorCtr="0" compatLnSpc="1"/>
+          <a:lstStyle/>
+          <a:p>
+            <a:pPr>
+              <a:defRPr/>
+            </a:pPr>
+            <a:r>
+              <a:rPr lang="en-US" altLang="zh-CN" dirty="0">
+                <a:latin typeface="+mn-ea"/>
+                <a:ea typeface="+mn-ea"/>
+              </a:rPr>
+              <a:t> Hooks</a:t>
+            </a:r>
+            <a:endParaRPr lang="zh-CN" altLang="en-US" dirty="0">
+              <a:latin typeface="+mn-ea"/>
+              <a:ea typeface="+mn-ea"/>
+            </a:endParaRPr>
+          </a:p>
+        </p:txBody>
+      </p:sp>
+    </p:spTree>
+    <p:extLst>
+      <p:ext uri="{BB962C8B-B14F-4D97-AF65-F5344CB8AC3E}">
+        <p14:creationId xmlns:p14="http://schemas.microsoft.com/office/powerpoint/2010/main" val="2432570043"/>
+      </p:ext>
+    </p:extLst>
+  </p:cSld>
+  <p:clrMapOvr>
+    <a:masterClrMapping/>
+  </p:clrMapOvr>
+</p:sld>
+</file>
+
+<file path=ppt/slides/slide14.xml><?xml version="1.0" encoding="utf-8"?>
+<p:sld xmlns:a="http://schemas.openxmlformats.org/drawingml/2006/main" xmlns:r="http://schemas.openxmlformats.org/officeDocument/2006/relationships" xmlns:p="http://schemas.openxmlformats.org/presentationml/2006/main">
+  <p:cSld>
+    <p:spTree>
+      <p:nvGrpSpPr>
+        <p:cNvPr id="1" name=""/>
+        <p:cNvGrpSpPr/>
+        <p:nvPr/>
+      </p:nvGrpSpPr>
+      <p:grpSpPr>
+        <a:xfrm>
+          <a:off x="0" y="0"/>
+          <a:ext cx="0" cy="0"/>
+          <a:chOff x="0" y="0"/>
+          <a:chExt cx="0" cy="0"/>
+        </a:xfrm>
+      </p:grpSpPr>
+      <p:sp>
+        <p:nvSpPr>
+          <p:cNvPr id="30722" name="内容占位符 3"/>
+          <p:cNvSpPr>
+            <a:spLocks noGrp="1"/>
+          </p:cNvSpPr>
+          <p:nvPr>
+            <p:ph sz="quarter" idx="10"/>
+          </p:nvPr>
+        </p:nvSpPr>
+        <p:spPr bwMode="auto">
+          <a:xfrm>
+            <a:off x="693526" y="907845"/>
+            <a:ext cx="8788025" cy="4898244"/>
+          </a:xfrm>
+          <a:solidFill>
+            <a:schemeClr val="bg1"/>
+          </a:solidFill>
+        </p:spPr>
+        <p:txBody>
+          <a:bodyPr vert="horz" wrap="square" lIns="91440" tIns="45720" rIns="91440" bIns="45720" numCol="1" anchor="t" anchorCtr="0" compatLnSpc="1"/>
+          <a:lstStyle/>
+          <a:p>
+            <a:pPr marL="360045"/>
+            <a:r>
+              <a:rPr lang="zh-CN" altLang="en-US" dirty="0">
+                <a:latin typeface="+mj-ea"/>
+                <a:ea typeface="+mj-ea"/>
+              </a:rPr>
+              <a:t> 其他</a:t>
+            </a:r>
+            <a:r>
+              <a:rPr lang="en-US" altLang="zh-CN" dirty="0">
+                <a:latin typeface="+mj-ea"/>
+                <a:ea typeface="+mj-ea"/>
+              </a:rPr>
+              <a:t> Hooks </a:t>
+            </a:r>
+            <a:r>
+              <a:rPr lang="en-US" altLang="zh-CN" dirty="0" err="1">
+                <a:latin typeface="+mj-ea"/>
+                <a:ea typeface="+mj-ea"/>
+              </a:rPr>
+              <a:t>Api</a:t>
+            </a:r>
+            <a:endParaRPr lang="en-US" altLang="zh-CN" dirty="0">
+              <a:latin typeface="+mj-ea"/>
+              <a:ea typeface="+mj-ea"/>
+            </a:endParaRPr>
+          </a:p>
+          <a:p>
+            <a:pPr marL="591820" lvl="1"/>
+            <a:r>
+              <a:rPr lang="en-US" altLang="zh-CN" dirty="0">
+                <a:latin typeface="+mj-ea"/>
+                <a:ea typeface="+mj-ea"/>
+              </a:rPr>
+              <a:t> </a:t>
+            </a:r>
+            <a:r>
+              <a:rPr lang="en-US" altLang="zh-CN" dirty="0" err="1">
+                <a:latin typeface="+mj-ea"/>
+                <a:ea typeface="+mj-ea"/>
+              </a:rPr>
+              <a:t>useReducer</a:t>
+            </a:r>
+            <a:endParaRPr lang="en-US" altLang="zh-CN" dirty="0">
+              <a:latin typeface="+mj-ea"/>
+              <a:ea typeface="+mj-ea"/>
+            </a:endParaRPr>
+          </a:p>
+          <a:p>
+            <a:pPr marL="591820" lvl="1"/>
+            <a:r>
+              <a:rPr lang="en-US" altLang="zh-CN" dirty="0">
+                <a:latin typeface="+mj-ea"/>
+                <a:ea typeface="+mj-ea"/>
+              </a:rPr>
+              <a:t> </a:t>
+            </a:r>
+            <a:r>
+              <a:rPr lang="en-US" altLang="zh-CN" dirty="0" err="1">
+                <a:latin typeface="+mj-ea"/>
+                <a:ea typeface="+mj-ea"/>
+              </a:rPr>
+              <a:t>useCallback</a:t>
+            </a:r>
+            <a:endParaRPr lang="en-US" altLang="zh-CN" dirty="0">
+              <a:latin typeface="+mj-ea"/>
+              <a:ea typeface="+mj-ea"/>
+            </a:endParaRPr>
+          </a:p>
+          <a:p>
+            <a:pPr marL="591820" lvl="1"/>
+            <a:r>
+              <a:rPr lang="en-US" altLang="zh-CN" dirty="0">
+                <a:latin typeface="+mj-ea"/>
+                <a:ea typeface="+mj-ea"/>
+              </a:rPr>
+              <a:t> </a:t>
+            </a:r>
+            <a:r>
+              <a:rPr lang="en-US" altLang="zh-CN" dirty="0" err="1">
+                <a:latin typeface="+mj-ea"/>
+                <a:ea typeface="+mj-ea"/>
+              </a:rPr>
+              <a:t>useMemo</a:t>
+            </a:r>
+            <a:endParaRPr lang="en-US" altLang="zh-CN" dirty="0">
+              <a:latin typeface="+mj-ea"/>
+              <a:ea typeface="+mj-ea"/>
+            </a:endParaRPr>
+          </a:p>
+          <a:p>
+            <a:pPr marL="591820" lvl="1"/>
+            <a:r>
+              <a:rPr lang="en-US" altLang="zh-CN" dirty="0">
+                <a:latin typeface="+mj-ea"/>
+                <a:ea typeface="+mj-ea"/>
+              </a:rPr>
+              <a:t> </a:t>
+            </a:r>
+            <a:r>
+              <a:rPr lang="en-US" altLang="zh-CN" dirty="0" err="1">
+                <a:latin typeface="+mj-ea"/>
+                <a:ea typeface="+mj-ea"/>
+              </a:rPr>
+              <a:t>useRef</a:t>
+            </a:r>
+            <a:endParaRPr lang="en-US" altLang="zh-CN" dirty="0">
+              <a:latin typeface="+mj-ea"/>
+              <a:ea typeface="+mj-ea"/>
+            </a:endParaRPr>
+          </a:p>
+        </p:txBody>
+      </p:sp>
+      <p:sp>
+        <p:nvSpPr>
+          <p:cNvPr id="25603" name="内容占位符 4"/>
+          <p:cNvSpPr>
+            <a:spLocks noGrp="1"/>
+          </p:cNvSpPr>
+          <p:nvPr>
+            <p:ph sz="quarter" idx="11"/>
+          </p:nvPr>
+        </p:nvSpPr>
+        <p:spPr bwMode="auto">
+          <a:xfrm>
+            <a:off x="909638" y="236538"/>
+            <a:ext cx="7575550" cy="490537"/>
+          </a:xfrm>
+          <a:extLst>
+            <a:ext uri="{909E8E84-426E-40DD-AFC4-6F175D3DCCD1}">
+              <a14:hiddenFill xmlns:a14="http://schemas.microsoft.com/office/drawing/2010/main">
+                <a:solidFill>
+                  <a:srgbClr val="FFFFFF"/>
+                </a:solidFill>
+              </a14:hiddenFill>
+            </a:ext>
+            <a:ext uri="{91240B29-F687-4F45-9708-019B960494DF}">
+              <a14:hiddenLine xmlns:a14="http://schemas.microsoft.com/office/drawing/2010/main" w="9525">
+                <a:solidFill>
+                  <a:srgbClr val="000000"/>
+                </a:solidFill>
+                <a:miter lim="800000"/>
+                <a:headEnd/>
+                <a:tailEnd/>
+              </a14:hiddenLine>
+            </a:ext>
+          </a:extLst>
+        </p:spPr>
+        <p:txBody>
+          <a:bodyPr vert="horz" wrap="square" lIns="91440" tIns="45720" rIns="91440" bIns="45720" numCol="1" anchor="t" anchorCtr="0" compatLnSpc="1"/>
+          <a:lstStyle/>
+          <a:p>
+            <a:pPr>
+              <a:defRPr/>
+            </a:pPr>
+            <a:r>
+              <a:rPr lang="en-US" altLang="zh-CN" dirty="0">
+                <a:latin typeface="+mn-ea"/>
+                <a:ea typeface="+mn-ea"/>
+              </a:rPr>
+              <a:t> Hooks</a:t>
+            </a:r>
+            <a:endParaRPr lang="zh-CN" altLang="en-US" dirty="0">
+              <a:latin typeface="+mn-ea"/>
+              <a:ea typeface="+mn-ea"/>
+            </a:endParaRPr>
+          </a:p>
+        </p:txBody>
+      </p:sp>
+    </p:spTree>
+    <p:extLst>
+      <p:ext uri="{BB962C8B-B14F-4D97-AF65-F5344CB8AC3E}">
+        <p14:creationId xmlns:p14="http://schemas.microsoft.com/office/powerpoint/2010/main" val="902355001"/>
+      </p:ext>
+    </p:extLst>
+  </p:cSld>
+  <p:clrMapOvr>
+    <a:masterClrMapping/>
+  </p:clrMapOvr>
+</p:sld>
+</file>
+
+<file path=ppt/slides/slide15.xml><?xml version="1.0" encoding="utf-8"?>
+<p:sld xmlns:a="http://schemas.openxmlformats.org/drawingml/2006/main" xmlns:r="http://schemas.openxmlformats.org/officeDocument/2006/relationships" xmlns:p="http://schemas.openxmlformats.org/presentationml/2006/main">
+  <p:cSld>
+    <p:spTree>
+      <p:nvGrpSpPr>
+        <p:cNvPr id="1" name=""/>
+        <p:cNvGrpSpPr/>
+        <p:nvPr/>
+      </p:nvGrpSpPr>
+      <p:grpSpPr>
+        <a:xfrm>
+          <a:off x="0" y="0"/>
+          <a:ext cx="0" cy="0"/>
+          <a:chOff x="0" y="0"/>
+          <a:chExt cx="0" cy="0"/>
+        </a:xfrm>
+      </p:grpSpPr>
+      <p:sp>
+        <p:nvSpPr>
+          <p:cNvPr id="30722" name="内容占位符 3"/>
+          <p:cNvSpPr>
+            <a:spLocks noGrp="1"/>
+          </p:cNvSpPr>
+          <p:nvPr>
+            <p:ph sz="quarter" idx="10"/>
+          </p:nvPr>
+        </p:nvSpPr>
+        <p:spPr bwMode="auto">
+          <a:xfrm>
+            <a:off x="693526" y="907845"/>
+            <a:ext cx="8788025" cy="4898244"/>
+          </a:xfrm>
+          <a:solidFill>
+            <a:schemeClr val="bg1"/>
+          </a:solidFill>
+        </p:spPr>
+        <p:txBody>
+          <a:bodyPr vert="horz" wrap="square" lIns="91440" tIns="45720" rIns="91440" bIns="45720" numCol="1" anchor="t" anchorCtr="0" compatLnSpc="1"/>
+          <a:lstStyle/>
+          <a:p>
+            <a:pPr marL="360045"/>
+            <a:r>
+              <a:rPr lang="zh-CN" altLang="en-US" dirty="0">
+                <a:latin typeface="+mj-ea"/>
+                <a:ea typeface="+mj-ea"/>
+              </a:rPr>
+              <a:t> </a:t>
+            </a:r>
+            <a:r>
+              <a:rPr lang="en-US" altLang="zh-CN" dirty="0">
+                <a:latin typeface="+mj-ea"/>
+                <a:ea typeface="+mj-ea"/>
+              </a:rPr>
+              <a:t>Hooks </a:t>
+            </a:r>
+            <a:r>
+              <a:rPr lang="zh-CN" altLang="en-US" dirty="0">
+                <a:latin typeface="+mj-ea"/>
+                <a:ea typeface="+mj-ea"/>
+              </a:rPr>
+              <a:t>规则</a:t>
+            </a:r>
+            <a:endParaRPr lang="en-US" altLang="zh-CN" dirty="0">
+              <a:latin typeface="+mj-ea"/>
+              <a:ea typeface="+mj-ea"/>
+            </a:endParaRPr>
+          </a:p>
+          <a:p>
+            <a:pPr marL="591820" lvl="1"/>
+            <a:r>
+              <a:rPr lang="zh-CN" altLang="en-US" dirty="0">
+                <a:latin typeface="+mj-ea"/>
+                <a:ea typeface="+mj-ea"/>
+              </a:rPr>
+              <a:t> 只在最顶层使用 </a:t>
+            </a:r>
+            <a:r>
+              <a:rPr lang="en-US" altLang="zh-CN" dirty="0">
+                <a:latin typeface="+mj-ea"/>
+                <a:ea typeface="+mj-ea"/>
+              </a:rPr>
+              <a:t>Hook</a:t>
+            </a:r>
+          </a:p>
+          <a:p>
+            <a:pPr marL="591820" lvl="1"/>
+            <a:r>
+              <a:rPr lang="zh-CN" altLang="en-US" dirty="0">
+                <a:latin typeface="+mj-ea"/>
+                <a:ea typeface="+mj-ea"/>
+              </a:rPr>
+              <a:t> 只在 </a:t>
+            </a:r>
+            <a:r>
+              <a:rPr lang="en-US" altLang="zh-CN" dirty="0">
+                <a:latin typeface="+mj-ea"/>
+                <a:ea typeface="+mj-ea"/>
+              </a:rPr>
+              <a:t>React </a:t>
+            </a:r>
+            <a:r>
+              <a:rPr lang="zh-CN" altLang="en-US" dirty="0">
+                <a:latin typeface="+mj-ea"/>
+                <a:ea typeface="+mj-ea"/>
+              </a:rPr>
+              <a:t>函数中调用 </a:t>
+            </a:r>
+            <a:r>
+              <a:rPr lang="en-US" altLang="zh-CN">
+                <a:latin typeface="+mj-ea"/>
+                <a:ea typeface="+mj-ea"/>
+              </a:rPr>
+              <a:t>Hook</a:t>
+            </a:r>
+            <a:endParaRPr lang="en-US" altLang="zh-CN" dirty="0">
+              <a:latin typeface="+mj-ea"/>
+              <a:ea typeface="+mj-ea"/>
+            </a:endParaRPr>
+          </a:p>
+          <a:p>
+            <a:pPr marL="591820" lvl="1"/>
+            <a:r>
+              <a:rPr lang="en-US" altLang="zh-CN" dirty="0">
+                <a:latin typeface="+mj-ea"/>
+                <a:ea typeface="+mj-ea"/>
+              </a:rPr>
+              <a:t> </a:t>
+            </a:r>
+            <a:r>
+              <a:rPr lang="en-US" altLang="zh-CN" dirty="0" err="1">
+                <a:latin typeface="+mj-ea"/>
+                <a:ea typeface="+mj-ea"/>
+              </a:rPr>
+              <a:t>useRef</a:t>
+            </a:r>
+            <a:endParaRPr lang="en-US" altLang="zh-CN" dirty="0">
+              <a:latin typeface="+mj-ea"/>
+              <a:ea typeface="+mj-ea"/>
+            </a:endParaRPr>
+          </a:p>
+        </p:txBody>
+      </p:sp>
+      <p:sp>
+        <p:nvSpPr>
+          <p:cNvPr id="25603" name="内容占位符 4"/>
+          <p:cNvSpPr>
+            <a:spLocks noGrp="1"/>
+          </p:cNvSpPr>
+          <p:nvPr>
+            <p:ph sz="quarter" idx="11"/>
+          </p:nvPr>
+        </p:nvSpPr>
+        <p:spPr bwMode="auto">
+          <a:xfrm>
+            <a:off x="909638" y="236538"/>
+            <a:ext cx="7575550" cy="490537"/>
+          </a:xfrm>
+          <a:extLst>
+            <a:ext uri="{909E8E84-426E-40DD-AFC4-6F175D3DCCD1}">
+              <a14:hiddenFill xmlns:a14="http://schemas.microsoft.com/office/drawing/2010/main">
+                <a:solidFill>
+                  <a:srgbClr val="FFFFFF"/>
+                </a:solidFill>
+              </a14:hiddenFill>
+            </a:ext>
+            <a:ext uri="{91240B29-F687-4F45-9708-019B960494DF}">
+              <a14:hiddenLine xmlns:a14="http://schemas.microsoft.com/office/drawing/2010/main" w="9525">
+                <a:solidFill>
+                  <a:srgbClr val="000000"/>
+                </a:solidFill>
+                <a:miter lim="800000"/>
+                <a:headEnd/>
+                <a:tailEnd/>
+              </a14:hiddenLine>
+            </a:ext>
+          </a:extLst>
+        </p:spPr>
+        <p:txBody>
+          <a:bodyPr vert="horz" wrap="square" lIns="91440" tIns="45720" rIns="91440" bIns="45720" numCol="1" anchor="t" anchorCtr="0" compatLnSpc="1"/>
+          <a:lstStyle/>
+          <a:p>
+            <a:pPr>
+              <a:defRPr/>
+            </a:pPr>
+            <a:r>
+              <a:rPr lang="en-US" altLang="zh-CN" dirty="0">
+                <a:latin typeface="+mn-ea"/>
+                <a:ea typeface="+mn-ea"/>
+              </a:rPr>
+              <a:t> Hooks</a:t>
+            </a:r>
+            <a:endParaRPr lang="zh-CN" altLang="en-US" dirty="0">
+              <a:latin typeface="+mn-ea"/>
+              <a:ea typeface="+mn-ea"/>
+            </a:endParaRPr>
+          </a:p>
+        </p:txBody>
+      </p:sp>
+    </p:spTree>
+    <p:extLst>
+      <p:ext uri="{BB962C8B-B14F-4D97-AF65-F5344CB8AC3E}">
+        <p14:creationId xmlns:p14="http://schemas.microsoft.com/office/powerpoint/2010/main" val="2583766247"/>
+      </p:ext>
+    </p:extLst>
+  </p:cSld>
+  <p:clrMapOvr>
+    <a:masterClrMapping/>
+  </p:clrMapOvr>
+</p:sld>
+</file>
+
+<file path=ppt/slides/slide16.xml><?xml version="1.0" encoding="utf-8"?>
 <p:sld xmlns:a="http://schemas.openxmlformats.org/drawingml/2006/main" xmlns:r="http://schemas.openxmlformats.org/officeDocument/2006/relationships" xmlns:p="http://schemas.openxmlformats.org/presentationml/2006/main">
   <p:cSld>
     <p:spTree>

--- a/materials/slides/ch04-Advanced Guides.pptx
+++ b/materials/slides/ch04-Advanced Guides.pptx
@@ -5,7 +5,7 @@
     <p:sldMasterId id="2147483648" r:id="rId1"/>
   </p:sldMasterIdLst>
   <p:notesMasterIdLst>
-    <p:notesMasterId r:id="rId18"/>
+    <p:notesMasterId r:id="rId16"/>
   </p:notesMasterIdLst>
   <p:sldIdLst>
     <p:sldId id="773" r:id="rId2"/>
@@ -17,13 +17,11 @@
     <p:sldId id="950" r:id="rId8"/>
     <p:sldId id="954" r:id="rId9"/>
     <p:sldId id="953" r:id="rId10"/>
-    <p:sldId id="955" r:id="rId11"/>
-    <p:sldId id="956" r:id="rId12"/>
-    <p:sldId id="957" r:id="rId13"/>
-    <p:sldId id="958" r:id="rId14"/>
-    <p:sldId id="959" r:id="rId15"/>
-    <p:sldId id="960" r:id="rId16"/>
-    <p:sldId id="937" r:id="rId17"/>
+    <p:sldId id="957" r:id="rId11"/>
+    <p:sldId id="958" r:id="rId12"/>
+    <p:sldId id="959" r:id="rId13"/>
+    <p:sldId id="960" r:id="rId14"/>
+    <p:sldId id="937" r:id="rId15"/>
   </p:sldIdLst>
   <p:sldSz cx="12192000" cy="6858000"/>
   <p:notesSz cx="6797675" cy="9928225"/>
@@ -924,7 +922,7 @@
     </p:spTree>
     <p:extLst>
       <p:ext uri="{BB962C8B-B14F-4D97-AF65-F5344CB8AC3E}">
-        <p14:creationId xmlns:p14="http://schemas.microsoft.com/office/powerpoint/2010/main" val="3092771490"/>
+        <p14:creationId xmlns:p14="http://schemas.microsoft.com/office/powerpoint/2010/main" val="3634201370"/>
       </p:ext>
     </p:extLst>
   </p:cSld>
@@ -953,9 +951,9 @@
       </p:grpSpPr>
       <p:sp>
         <p:nvSpPr>
-          <p:cNvPr id="22530" name="幻灯片图像占位符 1"/>
+          <p:cNvPr id="2" name="幻灯片图像占位符 1"/>
           <p:cNvSpPr>
-            <a:spLocks noGrp="1" noRot="1" noChangeAspect="1" noTextEdit="1"/>
+            <a:spLocks noGrp="1" noRot="1" noChangeAspect="1"/>
           </p:cNvSpPr>
           <p:nvPr>
             <p:ph type="sldImg"/>
@@ -965,7 +963,7 @@
       </p:sp>
       <p:sp>
         <p:nvSpPr>
-          <p:cNvPr id="22531" name="备注占位符 2"/>
+          <p:cNvPr id="3" name="备注占位符 2"/>
           <p:cNvSpPr>
             <a:spLocks noGrp="1"/>
           </p:cNvSpPr>
@@ -973,194 +971,45 @@
             <p:ph type="body" idx="1"/>
           </p:nvPr>
         </p:nvSpPr>
-        <p:spPr>
-          <a:noFill/>
-          <a:extLst>
-            <a:ext uri="{909E8E84-426E-40DD-AFC4-6F175D3DCCD1}">
-              <a14:hiddenFill xmlns:a14="http://schemas.microsoft.com/office/drawing/2010/main">
-                <a:solidFill>
-                  <a:srgbClr val="FFFFFF"/>
-                </a:solidFill>
-              </a14:hiddenFill>
-            </a:ext>
-            <a:ext uri="{91240B29-F687-4F45-9708-019B960494DF}">
-              <a14:hiddenLine xmlns:a14="http://schemas.microsoft.com/office/drawing/2010/main" w="9525">
-                <a:solidFill>
-                  <a:srgbClr val="000000"/>
-                </a:solidFill>
-                <a:miter lim="800000"/>
-                <a:headEnd/>
-                <a:tailEnd/>
-              </a14:hiddenLine>
-            </a:ext>
-          </a:extLst>
-        </p:spPr>
+        <p:spPr/>
         <p:txBody>
           <a:bodyPr/>
           <a:lstStyle/>
           <a:p>
-            <a:endParaRPr lang="zh-CN" altLang="en-US"/>
+            <a:endParaRPr lang="zh-CN" altLang="en-US" dirty="0"/>
           </a:p>
         </p:txBody>
       </p:sp>
       <p:sp>
         <p:nvSpPr>
-          <p:cNvPr id="22532" name="灯片编号占位符 3"/>
+          <p:cNvPr id="4" name="灯片编号占位符 3"/>
           <p:cNvSpPr>
             <a:spLocks noGrp="1"/>
           </p:cNvSpPr>
           <p:nvPr>
-            <p:ph type="sldNum" sz="quarter" idx="5"/>
+            <p:ph type="sldNum" sz="quarter" idx="10"/>
           </p:nvPr>
         </p:nvSpPr>
-        <p:spPr>
-          <a:noFill/>
-          <a:extLst>
-            <a:ext uri="{909E8E84-426E-40DD-AFC4-6F175D3DCCD1}">
-              <a14:hiddenFill xmlns:a14="http://schemas.microsoft.com/office/drawing/2010/main">
-                <a:solidFill>
-                  <a:srgbClr val="FFFFFF"/>
-                </a:solidFill>
-              </a14:hiddenFill>
-            </a:ext>
-            <a:ext uri="{91240B29-F687-4F45-9708-019B960494DF}">
-              <a14:hiddenLine xmlns:a14="http://schemas.microsoft.com/office/drawing/2010/main" w="9525">
-                <a:solidFill>
-                  <a:srgbClr val="000000"/>
-                </a:solidFill>
-                <a:miter lim="800000"/>
-                <a:headEnd/>
-                <a:tailEnd/>
-              </a14:hiddenLine>
-            </a:ext>
-          </a:extLst>
-        </p:spPr>
+        <p:spPr/>
         <p:txBody>
           <a:bodyPr/>
-          <a:lstStyle>
-            <a:lvl1pPr>
-              <a:defRPr sz="3200">
-                <a:solidFill>
-                  <a:schemeClr val="tx1"/>
-                </a:solidFill>
-                <a:latin typeface="Arial" panose="020B0604020202020204" pitchFamily="34" charset="0"/>
-                <a:ea typeface="微软雅黑" panose="020B0503020204020204" pitchFamily="34" charset="-122"/>
-              </a:defRPr>
-            </a:lvl1pPr>
-            <a:lvl2pPr marL="742950" indent="-285750">
-              <a:defRPr sz="3200">
-                <a:solidFill>
-                  <a:schemeClr val="tx1"/>
-                </a:solidFill>
-                <a:latin typeface="Arial" panose="020B0604020202020204" pitchFamily="34" charset="0"/>
-                <a:ea typeface="微软雅黑" panose="020B0503020204020204" pitchFamily="34" charset="-122"/>
-              </a:defRPr>
-            </a:lvl2pPr>
-            <a:lvl3pPr marL="1143000" indent="-228600">
-              <a:defRPr sz="3200">
-                <a:solidFill>
-                  <a:schemeClr val="tx1"/>
-                </a:solidFill>
-                <a:latin typeface="Arial" panose="020B0604020202020204" pitchFamily="34" charset="0"/>
-                <a:ea typeface="微软雅黑" panose="020B0503020204020204" pitchFamily="34" charset="-122"/>
-              </a:defRPr>
-            </a:lvl3pPr>
-            <a:lvl4pPr marL="1600200" indent="-228600">
-              <a:defRPr sz="3200">
-                <a:solidFill>
-                  <a:schemeClr val="tx1"/>
-                </a:solidFill>
-                <a:latin typeface="Arial" panose="020B0604020202020204" pitchFamily="34" charset="0"/>
-                <a:ea typeface="微软雅黑" panose="020B0503020204020204" pitchFamily="34" charset="-122"/>
-              </a:defRPr>
-            </a:lvl4pPr>
-            <a:lvl5pPr marL="2057400" indent="-228600">
-              <a:defRPr sz="3200">
-                <a:solidFill>
-                  <a:schemeClr val="tx1"/>
-                </a:solidFill>
-                <a:latin typeface="Arial" panose="020B0604020202020204" pitchFamily="34" charset="0"/>
-                <a:ea typeface="微软雅黑" panose="020B0503020204020204" pitchFamily="34" charset="-122"/>
-              </a:defRPr>
-            </a:lvl5pPr>
-            <a:lvl6pPr marL="2514600" indent="-228600" eaLnBrk="0" fontAlgn="base" hangingPunct="0">
-              <a:spcBef>
-                <a:spcPct val="0"/>
-              </a:spcBef>
-              <a:spcAft>
-                <a:spcPct val="0"/>
-              </a:spcAft>
-              <a:defRPr sz="3200">
-                <a:solidFill>
-                  <a:schemeClr val="tx1"/>
-                </a:solidFill>
-                <a:latin typeface="Arial" panose="020B0604020202020204" pitchFamily="34" charset="0"/>
-                <a:ea typeface="微软雅黑" panose="020B0503020204020204" pitchFamily="34" charset="-122"/>
-              </a:defRPr>
-            </a:lvl6pPr>
-            <a:lvl7pPr marL="2971800" indent="-228600" eaLnBrk="0" fontAlgn="base" hangingPunct="0">
-              <a:spcBef>
-                <a:spcPct val="0"/>
-              </a:spcBef>
-              <a:spcAft>
-                <a:spcPct val="0"/>
-              </a:spcAft>
-              <a:defRPr sz="3200">
-                <a:solidFill>
-                  <a:schemeClr val="tx1"/>
-                </a:solidFill>
-                <a:latin typeface="Arial" panose="020B0604020202020204" pitchFamily="34" charset="0"/>
-                <a:ea typeface="微软雅黑" panose="020B0503020204020204" pitchFamily="34" charset="-122"/>
-              </a:defRPr>
-            </a:lvl7pPr>
-            <a:lvl8pPr marL="3429000" indent="-228600" eaLnBrk="0" fontAlgn="base" hangingPunct="0">
-              <a:spcBef>
-                <a:spcPct val="0"/>
-              </a:spcBef>
-              <a:spcAft>
-                <a:spcPct val="0"/>
-              </a:spcAft>
-              <a:defRPr sz="3200">
-                <a:solidFill>
-                  <a:schemeClr val="tx1"/>
-                </a:solidFill>
-                <a:latin typeface="Arial" panose="020B0604020202020204" pitchFamily="34" charset="0"/>
-                <a:ea typeface="微软雅黑" panose="020B0503020204020204" pitchFamily="34" charset="-122"/>
-              </a:defRPr>
-            </a:lvl8pPr>
-            <a:lvl9pPr marL="3886200" indent="-228600" eaLnBrk="0" fontAlgn="base" hangingPunct="0">
-              <a:spcBef>
-                <a:spcPct val="0"/>
-              </a:spcBef>
-              <a:spcAft>
-                <a:spcPct val="0"/>
-              </a:spcAft>
-              <a:defRPr sz="3200">
-                <a:solidFill>
-                  <a:schemeClr val="tx1"/>
-                </a:solidFill>
-                <a:latin typeface="Arial" panose="020B0604020202020204" pitchFamily="34" charset="0"/>
-                <a:ea typeface="微软雅黑" panose="020B0503020204020204" pitchFamily="34" charset="-122"/>
-              </a:defRPr>
-            </a:lvl9pPr>
-          </a:lstStyle>
-          <a:p>
-            <a:fld id="{B94B757B-0235-4C13-B71B-044FB4BFFF15}" type="slidenum">
-              <a:rPr lang="zh-CN" altLang="zh-CN">
-                <a:ea typeface="宋体" panose="02010600030101010101" pitchFamily="2" charset="-122"/>
-              </a:rPr>
+          <a:lstStyle/>
+          <a:p>
+            <a:pPr>
+              <a:defRPr/>
+            </a:pPr>
+            <a:fld id="{F2CCABD1-AF70-44CD-8C26-4C379059FAC1}" type="slidenum">
+              <a:rPr lang="zh-CN" altLang="zh-CN" smtClean="0"/>
               <a:t>12</a:t>
             </a:fld>
-            <a:endParaRPr lang="zh-CN" altLang="zh-CN">
-              <a:ea typeface="宋体" panose="02010600030101010101" pitchFamily="2" charset="-122"/>
-            </a:endParaRPr>
+            <a:endParaRPr lang="zh-CN" altLang="zh-CN"/>
           </a:p>
         </p:txBody>
       </p:sp>
     </p:spTree>
     <p:extLst>
       <p:ext uri="{BB962C8B-B14F-4D97-AF65-F5344CB8AC3E}">
-        <p14:creationId xmlns:p14="http://schemas.microsoft.com/office/powerpoint/2010/main" val="1658348621"/>
+        <p14:creationId xmlns:p14="http://schemas.microsoft.com/office/powerpoint/2010/main" val="3769987498"/>
       </p:ext>
     </p:extLst>
   </p:cSld>
@@ -1239,180 +1088,6 @@
             <a:fld id="{F2CCABD1-AF70-44CD-8C26-4C379059FAC1}" type="slidenum">
               <a:rPr lang="zh-CN" altLang="zh-CN" smtClean="0"/>
               <a:t>13</a:t>
-            </a:fld>
-            <a:endParaRPr lang="zh-CN" altLang="zh-CN"/>
-          </a:p>
-        </p:txBody>
-      </p:sp>
-    </p:spTree>
-    <p:extLst>
-      <p:ext uri="{BB962C8B-B14F-4D97-AF65-F5344CB8AC3E}">
-        <p14:creationId xmlns:p14="http://schemas.microsoft.com/office/powerpoint/2010/main" val="3634201370"/>
-      </p:ext>
-    </p:extLst>
-  </p:cSld>
-  <p:clrMapOvr>
-    <a:masterClrMapping/>
-  </p:clrMapOvr>
-</p:notes>
-</file>
-
-<file path=ppt/notesSlides/notesSlide13.xml><?xml version="1.0" encoding="utf-8"?>
-<p:notes xmlns:a="http://schemas.openxmlformats.org/drawingml/2006/main" xmlns:r="http://schemas.openxmlformats.org/officeDocument/2006/relationships" xmlns:p="http://schemas.openxmlformats.org/presentationml/2006/main">
-  <p:cSld>
-    <p:spTree>
-      <p:nvGrpSpPr>
-        <p:cNvPr id="1" name=""/>
-        <p:cNvGrpSpPr/>
-        <p:nvPr/>
-      </p:nvGrpSpPr>
-      <p:grpSpPr>
-        <a:xfrm>
-          <a:off x="0" y="0"/>
-          <a:ext cx="0" cy="0"/>
-          <a:chOff x="0" y="0"/>
-          <a:chExt cx="0" cy="0"/>
-        </a:xfrm>
-      </p:grpSpPr>
-      <p:sp>
-        <p:nvSpPr>
-          <p:cNvPr id="2" name="幻灯片图像占位符 1"/>
-          <p:cNvSpPr>
-            <a:spLocks noGrp="1" noRot="1" noChangeAspect="1"/>
-          </p:cNvSpPr>
-          <p:nvPr>
-            <p:ph type="sldImg"/>
-          </p:nvPr>
-        </p:nvSpPr>
-        <p:spPr/>
-      </p:sp>
-      <p:sp>
-        <p:nvSpPr>
-          <p:cNvPr id="3" name="备注占位符 2"/>
-          <p:cNvSpPr>
-            <a:spLocks noGrp="1"/>
-          </p:cNvSpPr>
-          <p:nvPr>
-            <p:ph type="body" idx="1"/>
-          </p:nvPr>
-        </p:nvSpPr>
-        <p:spPr/>
-        <p:txBody>
-          <a:bodyPr/>
-          <a:lstStyle/>
-          <a:p>
-            <a:endParaRPr lang="zh-CN" altLang="en-US" dirty="0"/>
-          </a:p>
-        </p:txBody>
-      </p:sp>
-      <p:sp>
-        <p:nvSpPr>
-          <p:cNvPr id="4" name="灯片编号占位符 3"/>
-          <p:cNvSpPr>
-            <a:spLocks noGrp="1"/>
-          </p:cNvSpPr>
-          <p:nvPr>
-            <p:ph type="sldNum" sz="quarter" idx="10"/>
-          </p:nvPr>
-        </p:nvSpPr>
-        <p:spPr/>
-        <p:txBody>
-          <a:bodyPr/>
-          <a:lstStyle/>
-          <a:p>
-            <a:pPr>
-              <a:defRPr/>
-            </a:pPr>
-            <a:fld id="{F2CCABD1-AF70-44CD-8C26-4C379059FAC1}" type="slidenum">
-              <a:rPr lang="zh-CN" altLang="zh-CN" smtClean="0"/>
-              <a:t>14</a:t>
-            </a:fld>
-            <a:endParaRPr lang="zh-CN" altLang="zh-CN"/>
-          </a:p>
-        </p:txBody>
-      </p:sp>
-    </p:spTree>
-    <p:extLst>
-      <p:ext uri="{BB962C8B-B14F-4D97-AF65-F5344CB8AC3E}">
-        <p14:creationId xmlns:p14="http://schemas.microsoft.com/office/powerpoint/2010/main" val="3769987498"/>
-      </p:ext>
-    </p:extLst>
-  </p:cSld>
-  <p:clrMapOvr>
-    <a:masterClrMapping/>
-  </p:clrMapOvr>
-</p:notes>
-</file>
-
-<file path=ppt/notesSlides/notesSlide14.xml><?xml version="1.0" encoding="utf-8"?>
-<p:notes xmlns:a="http://schemas.openxmlformats.org/drawingml/2006/main" xmlns:r="http://schemas.openxmlformats.org/officeDocument/2006/relationships" xmlns:p="http://schemas.openxmlformats.org/presentationml/2006/main">
-  <p:cSld>
-    <p:spTree>
-      <p:nvGrpSpPr>
-        <p:cNvPr id="1" name=""/>
-        <p:cNvGrpSpPr/>
-        <p:nvPr/>
-      </p:nvGrpSpPr>
-      <p:grpSpPr>
-        <a:xfrm>
-          <a:off x="0" y="0"/>
-          <a:ext cx="0" cy="0"/>
-          <a:chOff x="0" y="0"/>
-          <a:chExt cx="0" cy="0"/>
-        </a:xfrm>
-      </p:grpSpPr>
-      <p:sp>
-        <p:nvSpPr>
-          <p:cNvPr id="2" name="幻灯片图像占位符 1"/>
-          <p:cNvSpPr>
-            <a:spLocks noGrp="1" noRot="1" noChangeAspect="1"/>
-          </p:cNvSpPr>
-          <p:nvPr>
-            <p:ph type="sldImg"/>
-          </p:nvPr>
-        </p:nvSpPr>
-        <p:spPr/>
-      </p:sp>
-      <p:sp>
-        <p:nvSpPr>
-          <p:cNvPr id="3" name="备注占位符 2"/>
-          <p:cNvSpPr>
-            <a:spLocks noGrp="1"/>
-          </p:cNvSpPr>
-          <p:nvPr>
-            <p:ph type="body" idx="1"/>
-          </p:nvPr>
-        </p:nvSpPr>
-        <p:spPr/>
-        <p:txBody>
-          <a:bodyPr/>
-          <a:lstStyle/>
-          <a:p>
-            <a:endParaRPr lang="zh-CN" altLang="en-US" dirty="0"/>
-          </a:p>
-        </p:txBody>
-      </p:sp>
-      <p:sp>
-        <p:nvSpPr>
-          <p:cNvPr id="4" name="灯片编号占位符 3"/>
-          <p:cNvSpPr>
-            <a:spLocks noGrp="1"/>
-          </p:cNvSpPr>
-          <p:nvPr>
-            <p:ph type="sldNum" sz="quarter" idx="10"/>
-          </p:nvPr>
-        </p:nvSpPr>
-        <p:spPr/>
-        <p:txBody>
-          <a:bodyPr/>
-          <a:lstStyle/>
-          <a:p>
-            <a:pPr>
-              <a:defRPr/>
-            </a:pPr>
-            <a:fld id="{F2CCABD1-AF70-44CD-8C26-4C379059FAC1}" type="slidenum">
-              <a:rPr lang="zh-CN" altLang="zh-CN" smtClean="0"/>
-              <a:t>15</a:t>
             </a:fld>
             <a:endParaRPr lang="zh-CN" altLang="zh-CN"/>
           </a:p>
@@ -2408,6 +2083,11 @@
         </p:txBody>
       </p:sp>
     </p:spTree>
+    <p:extLst>
+      <p:ext uri="{BB962C8B-B14F-4D97-AF65-F5344CB8AC3E}">
+        <p14:creationId xmlns:p14="http://schemas.microsoft.com/office/powerpoint/2010/main" val="1658348621"/>
+      </p:ext>
+    </p:extLst>
   </p:cSld>
   <p:clrMapOvr>
     <a:masterClrMapping/>
@@ -4259,22 +3939,6 @@
                   <a:srgbClr val="C00000"/>
                 </a:solidFill>
               </a:rPr>
-              <a:t>Portals</a:t>
-            </a:r>
-          </a:p>
-          <a:p>
-            <a:pPr>
-              <a:lnSpc>
-                <a:spcPct val="200000"/>
-              </a:lnSpc>
-              <a:buClr>
-                <a:srgbClr val="92D050"/>
-              </a:buClr>
-              <a:buFont typeface="Wingdings" panose="05000000000000000000" pitchFamily="2" charset="2"/>
-              <a:buChar char="Ø"/>
-            </a:pPr>
-            <a:r>
-              <a:rPr lang="en-US" altLang="zh-CN" sz="2800" b="1" dirty="0"/>
               <a:t>Hooks</a:t>
             </a:r>
           </a:p>
@@ -4283,7 +3947,7 @@
     </p:spTree>
     <p:extLst>
       <p:ext uri="{BB962C8B-B14F-4D97-AF65-F5344CB8AC3E}">
-        <p14:creationId xmlns:p14="http://schemas.microsoft.com/office/powerpoint/2010/main" val="2941752223"/>
+        <p14:creationId xmlns:p14="http://schemas.microsoft.com/office/powerpoint/2010/main" val="363899796"/>
       </p:ext>
     </p:extLst>
   </p:cSld>
@@ -4347,7 +4011,7 @@
                 <a:latin typeface="+mj-ea"/>
                 <a:ea typeface="+mj-ea"/>
               </a:rPr>
-              <a:t>Portals</a:t>
+              <a:t>Hooks</a:t>
             </a:r>
           </a:p>
           <a:p>
@@ -4361,19 +4025,150 @@
             </a:r>
             <a:r>
               <a:rPr lang="en-US" altLang="zh-CN" dirty="0"/>
-              <a:t>Portals </a:t>
+              <a:t>Hook </a:t>
             </a:r>
             <a:r>
               <a:rPr lang="zh-CN" altLang="en-US" dirty="0"/>
-              <a:t>提供了一种将子节点渲染到父组件以外的 </a:t>
+              <a:t>是 </a:t>
             </a:r>
             <a:r>
               <a:rPr lang="en-US" altLang="zh-CN" dirty="0"/>
-              <a:t>DOM </a:t>
+              <a:t>React 16.8 </a:t>
             </a:r>
             <a:r>
               <a:rPr lang="zh-CN" altLang="en-US" dirty="0"/>
-              <a:t>节点的方式</a:t>
+              <a:t>的新增特性</a:t>
+            </a:r>
+            <a:endParaRPr lang="en-US" altLang="zh-CN" dirty="0"/>
+          </a:p>
+          <a:p>
+            <a:pPr marL="591820" lvl="1"/>
+            <a:r>
+              <a:rPr lang="en-US" altLang="zh-CN" dirty="0"/>
+              <a:t> </a:t>
+            </a:r>
+            <a:r>
+              <a:rPr lang="zh-CN" altLang="en-US" dirty="0"/>
+              <a:t>在不编写 </a:t>
+            </a:r>
+            <a:r>
+              <a:rPr lang="en-US" altLang="zh-CN" dirty="0"/>
+              <a:t>class </a:t>
+            </a:r>
+            <a:r>
+              <a:rPr lang="zh-CN" altLang="en-US" dirty="0"/>
+              <a:t>的情况下使用 </a:t>
+            </a:r>
+            <a:r>
+              <a:rPr lang="en-US" altLang="zh-CN" dirty="0"/>
+              <a:t>state </a:t>
+            </a:r>
+            <a:r>
+              <a:rPr lang="zh-CN" altLang="en-US" dirty="0"/>
+              <a:t>以及其他 </a:t>
+            </a:r>
+            <a:r>
+              <a:rPr lang="en-US" altLang="zh-CN" dirty="0"/>
+              <a:t>React </a:t>
+            </a:r>
+            <a:r>
+              <a:rPr lang="zh-CN" altLang="en-US" dirty="0"/>
+              <a:t>特性</a:t>
+            </a:r>
+            <a:endParaRPr lang="en-US" altLang="zh-CN" dirty="0"/>
+          </a:p>
+          <a:p>
+            <a:pPr marL="360045"/>
+            <a:r>
+              <a:rPr lang="en-US" altLang="zh-CN" dirty="0">
+                <a:latin typeface="+mj-ea"/>
+                <a:ea typeface="+mj-ea"/>
+              </a:rPr>
+              <a:t> </a:t>
+            </a:r>
+            <a:r>
+              <a:rPr lang="zh-CN" altLang="en-US" dirty="0">
+                <a:latin typeface="+mj-ea"/>
+                <a:ea typeface="+mj-ea"/>
+              </a:rPr>
+              <a:t>基础</a:t>
+            </a:r>
+            <a:r>
+              <a:rPr lang="en-US" altLang="zh-CN" dirty="0">
+                <a:latin typeface="+mj-ea"/>
+                <a:ea typeface="+mj-ea"/>
+              </a:rPr>
+              <a:t> Hooks </a:t>
+            </a:r>
+            <a:r>
+              <a:rPr lang="en-US" altLang="zh-CN" dirty="0" err="1">
+                <a:latin typeface="+mj-ea"/>
+                <a:ea typeface="+mj-ea"/>
+              </a:rPr>
+              <a:t>Api</a:t>
+            </a:r>
+            <a:endParaRPr lang="en-US" altLang="zh-CN" dirty="0">
+              <a:latin typeface="+mj-ea"/>
+              <a:ea typeface="+mj-ea"/>
+            </a:endParaRPr>
+          </a:p>
+          <a:p>
+            <a:pPr marL="591820" lvl="1"/>
+            <a:r>
+              <a:rPr lang="en-US" altLang="zh-CN" dirty="0">
+                <a:latin typeface="+mj-ea"/>
+                <a:ea typeface="+mj-ea"/>
+              </a:rPr>
+              <a:t> </a:t>
+            </a:r>
+            <a:r>
+              <a:rPr lang="en-US" altLang="zh-CN" dirty="0" err="1">
+                <a:latin typeface="+mj-ea"/>
+                <a:ea typeface="+mj-ea"/>
+              </a:rPr>
+              <a:t>useState</a:t>
+            </a:r>
+            <a:endParaRPr lang="en-US" altLang="zh-CN" dirty="0">
+              <a:latin typeface="+mj-ea"/>
+              <a:ea typeface="+mj-ea"/>
+            </a:endParaRPr>
+          </a:p>
+          <a:p>
+            <a:pPr marL="591820" lvl="1"/>
+            <a:r>
+              <a:rPr lang="en-US" altLang="zh-CN" dirty="0">
+                <a:latin typeface="+mj-ea"/>
+                <a:ea typeface="+mj-ea"/>
+              </a:rPr>
+              <a:t> </a:t>
+            </a:r>
+            <a:r>
+              <a:rPr lang="en-US" altLang="zh-CN" dirty="0" err="1">
+                <a:latin typeface="+mj-ea"/>
+                <a:ea typeface="+mj-ea"/>
+              </a:rPr>
+              <a:t>useEffect</a:t>
+            </a:r>
+            <a:endParaRPr lang="en-US" altLang="zh-CN" dirty="0">
+              <a:latin typeface="+mj-ea"/>
+              <a:ea typeface="+mj-ea"/>
+            </a:endParaRPr>
+          </a:p>
+          <a:p>
+            <a:pPr marL="591820" lvl="1"/>
+            <a:r>
+              <a:rPr lang="en-US" altLang="zh-CN" dirty="0">
+                <a:latin typeface="+mj-ea"/>
+                <a:ea typeface="+mj-ea"/>
+              </a:rPr>
+              <a:t> </a:t>
+            </a:r>
+            <a:r>
+              <a:rPr lang="en-US" altLang="zh-CN" dirty="0" err="1">
+                <a:latin typeface="+mj-ea"/>
+                <a:ea typeface="+mj-ea"/>
+              </a:rPr>
+              <a:t>useContext</a:t>
             </a:r>
             <a:endParaRPr lang="en-US" altLang="zh-CN" dirty="0">
               <a:latin typeface="+mj-ea"/>
@@ -4429,129 +4224,515 @@
                 <a:latin typeface="+mn-ea"/>
                 <a:ea typeface="+mn-ea"/>
               </a:rPr>
-              <a:t> Portals</a:t>
+              <a:t> Hooks</a:t>
             </a:r>
             <a:endParaRPr lang="zh-CN" altLang="en-US" dirty="0">
               <a:latin typeface="+mn-ea"/>
               <a:ea typeface="+mn-ea"/>
             </a:endParaRPr>
-          </a:p>
-        </p:txBody>
-      </p:sp>
-      <p:sp>
-        <p:nvSpPr>
-          <p:cNvPr id="4" name="TextBox 3"/>
-          <p:cNvSpPr txBox="1"/>
-          <p:nvPr/>
-        </p:nvSpPr>
-        <p:spPr>
-          <a:xfrm>
-            <a:off x="1053690" y="2924769"/>
-            <a:ext cx="9148191" cy="3046988"/>
-          </a:xfrm>
-          <a:prstGeom prst="rect">
-            <a:avLst/>
-          </a:prstGeom>
-          <a:solidFill>
-            <a:schemeClr val="accent1">
-              <a:lumMod val="10000"/>
-              <a:lumOff val="90000"/>
-            </a:schemeClr>
-          </a:solidFill>
-        </p:spPr>
-        <p:txBody>
-          <a:bodyPr wrap="square" rtlCol="0">
-            <a:spAutoFit/>
-          </a:bodyPr>
-          <a:lstStyle/>
-          <a:p>
-            <a:r>
-              <a:rPr lang="en-US" altLang="zh-CN" sz="2400" dirty="0" err="1"/>
-              <a:t>ReactDOM.createPortal</a:t>
-            </a:r>
-            <a:r>
-              <a:rPr lang="en-US" altLang="zh-CN" sz="2400" dirty="0"/>
-              <a:t>(child, container)</a:t>
-            </a:r>
-          </a:p>
-          <a:p>
-            <a:r>
-              <a:rPr lang="en-US" altLang="zh-CN" sz="2400" dirty="0"/>
-              <a:t>……</a:t>
-            </a:r>
-          </a:p>
-          <a:p>
-            <a:r>
-              <a:rPr lang="en-US" altLang="zh-CN" sz="2400" dirty="0"/>
-              <a:t>render() </a:t>
-            </a:r>
-          </a:p>
-          <a:p>
-            <a:r>
-              <a:rPr lang="en-US" altLang="zh-CN" sz="2400" dirty="0"/>
-              <a:t>	return </a:t>
-            </a:r>
-            <a:r>
-              <a:rPr lang="en-US" altLang="zh-CN" sz="2400" dirty="0" err="1"/>
-              <a:t>ReactDOM.createPortal</a:t>
-            </a:r>
-            <a:r>
-              <a:rPr lang="en-US" altLang="zh-CN" sz="2400" dirty="0"/>
-              <a:t>( </a:t>
-            </a:r>
-          </a:p>
-          <a:p>
-            <a:r>
-              <a:rPr lang="en-US" altLang="zh-CN" sz="2400" dirty="0"/>
-              <a:t>		</a:t>
-            </a:r>
-            <a:r>
-              <a:rPr lang="en-US" altLang="zh-CN" sz="2400" dirty="0" err="1"/>
-              <a:t>this.props.children</a:t>
-            </a:r>
-            <a:r>
-              <a:rPr lang="en-US" altLang="zh-CN" sz="2400" dirty="0"/>
-              <a:t>, </a:t>
-            </a:r>
-          </a:p>
-          <a:p>
-            <a:r>
-              <a:rPr lang="en-US" altLang="zh-CN" sz="2400" dirty="0"/>
-              <a:t>		</a:t>
-            </a:r>
-            <a:r>
-              <a:rPr lang="en-US" altLang="zh-CN" sz="2400" dirty="0" err="1"/>
-              <a:t>domNode</a:t>
-            </a:r>
-            <a:r>
-              <a:rPr lang="en-US" altLang="zh-CN" sz="2400" dirty="0"/>
-              <a:t>, </a:t>
-            </a:r>
-          </a:p>
-          <a:p>
-            <a:r>
-              <a:rPr lang="en-US" altLang="zh-CN" sz="2400" dirty="0"/>
-              <a:t>	); </a:t>
-            </a:r>
-          </a:p>
-          <a:p>
-            <a:r>
-              <a:rPr lang="en-US" altLang="zh-CN" sz="2400" dirty="0"/>
-              <a:t>}</a:t>
-            </a:r>
           </a:p>
         </p:txBody>
       </p:sp>
     </p:spTree>
     <p:extLst>
       <p:ext uri="{BB962C8B-B14F-4D97-AF65-F5344CB8AC3E}">
-        <p14:creationId xmlns:p14="http://schemas.microsoft.com/office/powerpoint/2010/main" val="1453590192"/>
+        <p14:creationId xmlns:p14="http://schemas.microsoft.com/office/powerpoint/2010/main" val="2432570043"/>
       </p:ext>
     </p:extLst>
   </p:cSld>
   <p:clrMapOvr>
     <a:masterClrMapping/>
   </p:clrMapOvr>
+  <p:timing>
+    <p:tnLst>
+      <p:par>
+        <p:cTn id="1" dur="indefinite" restart="never" nodeType="tmRoot">
+          <p:childTnLst>
+            <p:seq concurrent="1" nextAc="seek">
+              <p:cTn id="2" dur="indefinite" nodeType="mainSeq">
+                <p:childTnLst>
+                  <p:par>
+                    <p:cTn id="3" fill="hold">
+                      <p:stCondLst>
+                        <p:cond delay="indefinite"/>
+                      </p:stCondLst>
+                      <p:childTnLst>
+                        <p:par>
+                          <p:cTn id="4" fill="hold">
+                            <p:stCondLst>
+                              <p:cond delay="0"/>
+                            </p:stCondLst>
+                            <p:childTnLst>
+                              <p:par>
+                                <p:cTn id="5" presetID="42" presetClass="entr" presetSubtype="0" fill="hold" nodeType="clickEffect">
+                                  <p:stCondLst>
+                                    <p:cond delay="0"/>
+                                  </p:stCondLst>
+                                  <p:childTnLst>
+                                    <p:set>
+                                      <p:cBhvr>
+                                        <p:cTn id="6" dur="1" fill="hold">
+                                          <p:stCondLst>
+                                            <p:cond delay="0"/>
+                                          </p:stCondLst>
+                                        </p:cTn>
+                                        <p:tgtEl>
+                                          <p:spTgt spid="30722">
+                                            <p:txEl>
+                                              <p:pRg st="3" end="3"/>
+                                            </p:txEl>
+                                          </p:spTgt>
+                                        </p:tgtEl>
+                                        <p:attrNameLst>
+                                          <p:attrName>style.visibility</p:attrName>
+                                        </p:attrNameLst>
+                                      </p:cBhvr>
+                                      <p:to>
+                                        <p:strVal val="visible"/>
+                                      </p:to>
+                                    </p:set>
+                                    <p:animEffect transition="in" filter="fade">
+                                      <p:cBhvr>
+                                        <p:cTn id="7" dur="1000"/>
+                                        <p:tgtEl>
+                                          <p:spTgt spid="30722">
+                                            <p:txEl>
+                                              <p:pRg st="3" end="3"/>
+                                            </p:txEl>
+                                          </p:spTgt>
+                                        </p:tgtEl>
+                                      </p:cBhvr>
+                                    </p:animEffect>
+                                    <p:anim calcmode="lin" valueType="num">
+                                      <p:cBhvr>
+                                        <p:cTn id="8" dur="1000" fill="hold"/>
+                                        <p:tgtEl>
+                                          <p:spTgt spid="30722">
+                                            <p:txEl>
+                                              <p:pRg st="3" end="3"/>
+                                            </p:txEl>
+                                          </p:spTgt>
+                                        </p:tgtEl>
+                                        <p:attrNameLst>
+                                          <p:attrName>ppt_x</p:attrName>
+                                        </p:attrNameLst>
+                                      </p:cBhvr>
+                                      <p:tavLst>
+                                        <p:tav tm="0">
+                                          <p:val>
+                                            <p:strVal val="#ppt_x"/>
+                                          </p:val>
+                                        </p:tav>
+                                        <p:tav tm="100000">
+                                          <p:val>
+                                            <p:strVal val="#ppt_x"/>
+                                          </p:val>
+                                        </p:tav>
+                                      </p:tavLst>
+                                    </p:anim>
+                                    <p:anim calcmode="lin" valueType="num">
+                                      <p:cBhvr>
+                                        <p:cTn id="9" dur="1000" fill="hold"/>
+                                        <p:tgtEl>
+                                          <p:spTgt spid="30722">
+                                            <p:txEl>
+                                              <p:pRg st="3" end="3"/>
+                                            </p:txEl>
+                                          </p:spTgt>
+                                        </p:tgtEl>
+                                        <p:attrNameLst>
+                                          <p:attrName>ppt_y</p:attrName>
+                                        </p:attrNameLst>
+                                      </p:cBhvr>
+                                      <p:tavLst>
+                                        <p:tav tm="0">
+                                          <p:val>
+                                            <p:strVal val="#ppt_y+.1"/>
+                                          </p:val>
+                                        </p:tav>
+                                        <p:tav tm="100000">
+                                          <p:val>
+                                            <p:strVal val="#ppt_y"/>
+                                          </p:val>
+                                        </p:tav>
+                                      </p:tavLst>
+                                    </p:anim>
+                                  </p:childTnLst>
+                                </p:cTn>
+                              </p:par>
+                            </p:childTnLst>
+                          </p:cTn>
+                        </p:par>
+                      </p:childTnLst>
+                    </p:cTn>
+                  </p:par>
+                  <p:par>
+                    <p:cTn id="10" fill="hold">
+                      <p:stCondLst>
+                        <p:cond delay="indefinite"/>
+                      </p:stCondLst>
+                      <p:childTnLst>
+                        <p:par>
+                          <p:cTn id="11" fill="hold">
+                            <p:stCondLst>
+                              <p:cond delay="0"/>
+                            </p:stCondLst>
+                            <p:childTnLst>
+                              <p:par>
+                                <p:cTn id="12" presetID="42" presetClass="entr" presetSubtype="0" fill="hold" nodeType="clickEffect">
+                                  <p:stCondLst>
+                                    <p:cond delay="0"/>
+                                  </p:stCondLst>
+                                  <p:childTnLst>
+                                    <p:set>
+                                      <p:cBhvr>
+                                        <p:cTn id="13" dur="1" fill="hold">
+                                          <p:stCondLst>
+                                            <p:cond delay="0"/>
+                                          </p:stCondLst>
+                                        </p:cTn>
+                                        <p:tgtEl>
+                                          <p:spTgt spid="30722">
+                                            <p:txEl>
+                                              <p:pRg st="4" end="4"/>
+                                            </p:txEl>
+                                          </p:spTgt>
+                                        </p:tgtEl>
+                                        <p:attrNameLst>
+                                          <p:attrName>style.visibility</p:attrName>
+                                        </p:attrNameLst>
+                                      </p:cBhvr>
+                                      <p:to>
+                                        <p:strVal val="visible"/>
+                                      </p:to>
+                                    </p:set>
+                                    <p:animEffect transition="in" filter="fade">
+                                      <p:cBhvr>
+                                        <p:cTn id="14" dur="1000"/>
+                                        <p:tgtEl>
+                                          <p:spTgt spid="30722">
+                                            <p:txEl>
+                                              <p:pRg st="4" end="4"/>
+                                            </p:txEl>
+                                          </p:spTgt>
+                                        </p:tgtEl>
+                                      </p:cBhvr>
+                                    </p:animEffect>
+                                    <p:anim calcmode="lin" valueType="num">
+                                      <p:cBhvr>
+                                        <p:cTn id="15" dur="1000" fill="hold"/>
+                                        <p:tgtEl>
+                                          <p:spTgt spid="30722">
+                                            <p:txEl>
+                                              <p:pRg st="4" end="4"/>
+                                            </p:txEl>
+                                          </p:spTgt>
+                                        </p:tgtEl>
+                                        <p:attrNameLst>
+                                          <p:attrName>ppt_x</p:attrName>
+                                        </p:attrNameLst>
+                                      </p:cBhvr>
+                                      <p:tavLst>
+                                        <p:tav tm="0">
+                                          <p:val>
+                                            <p:strVal val="#ppt_x"/>
+                                          </p:val>
+                                        </p:tav>
+                                        <p:tav tm="100000">
+                                          <p:val>
+                                            <p:strVal val="#ppt_x"/>
+                                          </p:val>
+                                        </p:tav>
+                                      </p:tavLst>
+                                    </p:anim>
+                                    <p:anim calcmode="lin" valueType="num">
+                                      <p:cBhvr>
+                                        <p:cTn id="16" dur="1000" fill="hold"/>
+                                        <p:tgtEl>
+                                          <p:spTgt spid="30722">
+                                            <p:txEl>
+                                              <p:pRg st="4" end="4"/>
+                                            </p:txEl>
+                                          </p:spTgt>
+                                        </p:tgtEl>
+                                        <p:attrNameLst>
+                                          <p:attrName>ppt_y</p:attrName>
+                                        </p:attrNameLst>
+                                      </p:cBhvr>
+                                      <p:tavLst>
+                                        <p:tav tm="0">
+                                          <p:val>
+                                            <p:strVal val="#ppt_y+.1"/>
+                                          </p:val>
+                                        </p:tav>
+                                        <p:tav tm="100000">
+                                          <p:val>
+                                            <p:strVal val="#ppt_y"/>
+                                          </p:val>
+                                        </p:tav>
+                                      </p:tavLst>
+                                    </p:anim>
+                                  </p:childTnLst>
+                                </p:cTn>
+                              </p:par>
+                            </p:childTnLst>
+                          </p:cTn>
+                        </p:par>
+                      </p:childTnLst>
+                    </p:cTn>
+                  </p:par>
+                  <p:par>
+                    <p:cTn id="17" fill="hold">
+                      <p:stCondLst>
+                        <p:cond delay="indefinite"/>
+                      </p:stCondLst>
+                      <p:childTnLst>
+                        <p:par>
+                          <p:cTn id="18" fill="hold">
+                            <p:stCondLst>
+                              <p:cond delay="0"/>
+                            </p:stCondLst>
+                            <p:childTnLst>
+                              <p:par>
+                                <p:cTn id="19" presetID="42" presetClass="entr" presetSubtype="0" fill="hold" nodeType="clickEffect">
+                                  <p:stCondLst>
+                                    <p:cond delay="0"/>
+                                  </p:stCondLst>
+                                  <p:childTnLst>
+                                    <p:set>
+                                      <p:cBhvr>
+                                        <p:cTn id="20" dur="1" fill="hold">
+                                          <p:stCondLst>
+                                            <p:cond delay="0"/>
+                                          </p:stCondLst>
+                                        </p:cTn>
+                                        <p:tgtEl>
+                                          <p:spTgt spid="30722">
+                                            <p:txEl>
+                                              <p:pRg st="5" end="5"/>
+                                            </p:txEl>
+                                          </p:spTgt>
+                                        </p:tgtEl>
+                                        <p:attrNameLst>
+                                          <p:attrName>style.visibility</p:attrName>
+                                        </p:attrNameLst>
+                                      </p:cBhvr>
+                                      <p:to>
+                                        <p:strVal val="visible"/>
+                                      </p:to>
+                                    </p:set>
+                                    <p:animEffect transition="in" filter="fade">
+                                      <p:cBhvr>
+                                        <p:cTn id="21" dur="1000"/>
+                                        <p:tgtEl>
+                                          <p:spTgt spid="30722">
+                                            <p:txEl>
+                                              <p:pRg st="5" end="5"/>
+                                            </p:txEl>
+                                          </p:spTgt>
+                                        </p:tgtEl>
+                                      </p:cBhvr>
+                                    </p:animEffect>
+                                    <p:anim calcmode="lin" valueType="num">
+                                      <p:cBhvr>
+                                        <p:cTn id="22" dur="1000" fill="hold"/>
+                                        <p:tgtEl>
+                                          <p:spTgt spid="30722">
+                                            <p:txEl>
+                                              <p:pRg st="5" end="5"/>
+                                            </p:txEl>
+                                          </p:spTgt>
+                                        </p:tgtEl>
+                                        <p:attrNameLst>
+                                          <p:attrName>ppt_x</p:attrName>
+                                        </p:attrNameLst>
+                                      </p:cBhvr>
+                                      <p:tavLst>
+                                        <p:tav tm="0">
+                                          <p:val>
+                                            <p:strVal val="#ppt_x"/>
+                                          </p:val>
+                                        </p:tav>
+                                        <p:tav tm="100000">
+                                          <p:val>
+                                            <p:strVal val="#ppt_x"/>
+                                          </p:val>
+                                        </p:tav>
+                                      </p:tavLst>
+                                    </p:anim>
+                                    <p:anim calcmode="lin" valueType="num">
+                                      <p:cBhvr>
+                                        <p:cTn id="23" dur="1000" fill="hold"/>
+                                        <p:tgtEl>
+                                          <p:spTgt spid="30722">
+                                            <p:txEl>
+                                              <p:pRg st="5" end="5"/>
+                                            </p:txEl>
+                                          </p:spTgt>
+                                        </p:tgtEl>
+                                        <p:attrNameLst>
+                                          <p:attrName>ppt_y</p:attrName>
+                                        </p:attrNameLst>
+                                      </p:cBhvr>
+                                      <p:tavLst>
+                                        <p:tav tm="0">
+                                          <p:val>
+                                            <p:strVal val="#ppt_y+.1"/>
+                                          </p:val>
+                                        </p:tav>
+                                        <p:tav tm="100000">
+                                          <p:val>
+                                            <p:strVal val="#ppt_y"/>
+                                          </p:val>
+                                        </p:tav>
+                                      </p:tavLst>
+                                    </p:anim>
+                                  </p:childTnLst>
+                                </p:cTn>
+                              </p:par>
+                            </p:childTnLst>
+                          </p:cTn>
+                        </p:par>
+                      </p:childTnLst>
+                    </p:cTn>
+                  </p:par>
+                  <p:par>
+                    <p:cTn id="24" fill="hold">
+                      <p:stCondLst>
+                        <p:cond delay="indefinite"/>
+                      </p:stCondLst>
+                      <p:childTnLst>
+                        <p:par>
+                          <p:cTn id="25" fill="hold">
+                            <p:stCondLst>
+                              <p:cond delay="0"/>
+                            </p:stCondLst>
+                            <p:childTnLst>
+                              <p:par>
+                                <p:cTn id="26" presetID="42" presetClass="entr" presetSubtype="0" fill="hold" nodeType="clickEffect">
+                                  <p:stCondLst>
+                                    <p:cond delay="0"/>
+                                  </p:stCondLst>
+                                  <p:childTnLst>
+                                    <p:set>
+                                      <p:cBhvr>
+                                        <p:cTn id="27" dur="1" fill="hold">
+                                          <p:stCondLst>
+                                            <p:cond delay="0"/>
+                                          </p:stCondLst>
+                                        </p:cTn>
+                                        <p:tgtEl>
+                                          <p:spTgt spid="30722">
+                                            <p:txEl>
+                                              <p:pRg st="6" end="6"/>
+                                            </p:txEl>
+                                          </p:spTgt>
+                                        </p:tgtEl>
+                                        <p:attrNameLst>
+                                          <p:attrName>style.visibility</p:attrName>
+                                        </p:attrNameLst>
+                                      </p:cBhvr>
+                                      <p:to>
+                                        <p:strVal val="visible"/>
+                                      </p:to>
+                                    </p:set>
+                                    <p:animEffect transition="in" filter="fade">
+                                      <p:cBhvr>
+                                        <p:cTn id="28" dur="1000"/>
+                                        <p:tgtEl>
+                                          <p:spTgt spid="30722">
+                                            <p:txEl>
+                                              <p:pRg st="6" end="6"/>
+                                            </p:txEl>
+                                          </p:spTgt>
+                                        </p:tgtEl>
+                                      </p:cBhvr>
+                                    </p:animEffect>
+                                    <p:anim calcmode="lin" valueType="num">
+                                      <p:cBhvr>
+                                        <p:cTn id="29" dur="1000" fill="hold"/>
+                                        <p:tgtEl>
+                                          <p:spTgt spid="30722">
+                                            <p:txEl>
+                                              <p:pRg st="6" end="6"/>
+                                            </p:txEl>
+                                          </p:spTgt>
+                                        </p:tgtEl>
+                                        <p:attrNameLst>
+                                          <p:attrName>ppt_x</p:attrName>
+                                        </p:attrNameLst>
+                                      </p:cBhvr>
+                                      <p:tavLst>
+                                        <p:tav tm="0">
+                                          <p:val>
+                                            <p:strVal val="#ppt_x"/>
+                                          </p:val>
+                                        </p:tav>
+                                        <p:tav tm="100000">
+                                          <p:val>
+                                            <p:strVal val="#ppt_x"/>
+                                          </p:val>
+                                        </p:tav>
+                                      </p:tavLst>
+                                    </p:anim>
+                                    <p:anim calcmode="lin" valueType="num">
+                                      <p:cBhvr>
+                                        <p:cTn id="30" dur="1000" fill="hold"/>
+                                        <p:tgtEl>
+                                          <p:spTgt spid="30722">
+                                            <p:txEl>
+                                              <p:pRg st="6" end="6"/>
+                                            </p:txEl>
+                                          </p:spTgt>
+                                        </p:tgtEl>
+                                        <p:attrNameLst>
+                                          <p:attrName>ppt_y</p:attrName>
+                                        </p:attrNameLst>
+                                      </p:cBhvr>
+                                      <p:tavLst>
+                                        <p:tav tm="0">
+                                          <p:val>
+                                            <p:strVal val="#ppt_y+.1"/>
+                                          </p:val>
+                                        </p:tav>
+                                        <p:tav tm="100000">
+                                          <p:val>
+                                            <p:strVal val="#ppt_y"/>
+                                          </p:val>
+                                        </p:tav>
+                                      </p:tavLst>
+                                    </p:anim>
+                                  </p:childTnLst>
+                                </p:cTn>
+                              </p:par>
+                            </p:childTnLst>
+                          </p:cTn>
+                        </p:par>
+                      </p:childTnLst>
+                    </p:cTn>
+                  </p:par>
+                </p:childTnLst>
+              </p:cTn>
+              <p:prevCondLst>
+                <p:cond evt="onPrev" delay="0">
+                  <p:tgtEl>
+                    <p:sldTgt/>
+                  </p:tgtEl>
+                </p:cond>
+              </p:prevCondLst>
+              <p:nextCondLst>
+                <p:cond evt="onNext" delay="0">
+                  <p:tgtEl>
+                    <p:sldTgt/>
+                  </p:tgtEl>
+                </p:cond>
+              </p:nextCondLst>
+            </p:seq>
+          </p:childTnLst>
+        </p:cTn>
+      </p:par>
+    </p:tnLst>
+  </p:timing>
 </p:sld>
 </file>
 
@@ -4574,24 +4755,155 @@
       </p:grpSpPr>
       <p:sp>
         <p:nvSpPr>
-          <p:cNvPr id="21506" name="矩形 2"/>
+          <p:cNvPr id="30722" name="内容占位符 3"/>
           <p:cNvSpPr>
-            <a:spLocks noChangeArrowheads="1"/>
+            <a:spLocks noGrp="1"/>
           </p:cNvSpPr>
-          <p:nvPr/>
+          <p:nvPr>
+            <p:ph sz="quarter" idx="10"/>
+          </p:nvPr>
         </p:nvSpPr>
         <p:spPr bwMode="auto">
           <a:xfrm>
-            <a:off x="1053690" y="258763"/>
-            <a:ext cx="3186523" cy="585787"/>
+            <a:off x="693526" y="907845"/>
+            <a:ext cx="8788025" cy="4898244"/>
           </a:xfrm>
-          <a:prstGeom prst="rect">
-            <a:avLst/>
-          </a:prstGeom>
-          <a:noFill/>
-          <a:ln>
-            <a:noFill/>
-          </a:ln>
+          <a:solidFill>
+            <a:schemeClr val="bg1"/>
+          </a:solidFill>
+        </p:spPr>
+        <p:txBody>
+          <a:bodyPr vert="horz" wrap="square" lIns="91440" tIns="45720" rIns="91440" bIns="45720" numCol="1" anchor="t" anchorCtr="0" compatLnSpc="1"/>
+          <a:lstStyle/>
+          <a:p>
+            <a:pPr marL="360045"/>
+            <a:r>
+              <a:rPr lang="zh-CN" altLang="en-US" dirty="0">
+                <a:latin typeface="+mj-ea"/>
+                <a:ea typeface="+mj-ea"/>
+              </a:rPr>
+              <a:t> 其他</a:t>
+            </a:r>
+            <a:r>
+              <a:rPr lang="en-US" altLang="zh-CN" dirty="0">
+                <a:latin typeface="+mj-ea"/>
+                <a:ea typeface="+mj-ea"/>
+              </a:rPr>
+              <a:t> Hooks </a:t>
+            </a:r>
+            <a:r>
+              <a:rPr lang="en-US" altLang="zh-CN" dirty="0" err="1">
+                <a:latin typeface="+mj-ea"/>
+                <a:ea typeface="+mj-ea"/>
+              </a:rPr>
+              <a:t>Api</a:t>
+            </a:r>
+            <a:endParaRPr lang="en-US" altLang="zh-CN" dirty="0">
+              <a:latin typeface="+mj-ea"/>
+              <a:ea typeface="+mj-ea"/>
+            </a:endParaRPr>
+          </a:p>
+          <a:p>
+            <a:pPr marL="591820" lvl="1"/>
+            <a:r>
+              <a:rPr lang="en-US" altLang="zh-CN" dirty="0">
+                <a:latin typeface="+mj-ea"/>
+                <a:ea typeface="+mj-ea"/>
+              </a:rPr>
+              <a:t> </a:t>
+            </a:r>
+            <a:r>
+              <a:rPr lang="en-US" altLang="zh-CN" dirty="0" err="1">
+                <a:latin typeface="+mj-ea"/>
+                <a:ea typeface="+mj-ea"/>
+              </a:rPr>
+              <a:t>useReducer</a:t>
+            </a:r>
+            <a:endParaRPr lang="en-US" altLang="zh-CN" dirty="0">
+              <a:latin typeface="+mj-ea"/>
+              <a:ea typeface="+mj-ea"/>
+            </a:endParaRPr>
+          </a:p>
+          <a:p>
+            <a:pPr marL="591820" lvl="1"/>
+            <a:r>
+              <a:rPr lang="en-US" altLang="zh-CN" dirty="0">
+                <a:latin typeface="+mj-ea"/>
+                <a:ea typeface="+mj-ea"/>
+              </a:rPr>
+              <a:t> </a:t>
+            </a:r>
+            <a:r>
+              <a:rPr lang="en-US" altLang="zh-CN" dirty="0" err="1">
+                <a:latin typeface="+mj-ea"/>
+                <a:ea typeface="+mj-ea"/>
+              </a:rPr>
+              <a:t>useCallback</a:t>
+            </a:r>
+            <a:endParaRPr lang="en-US" altLang="zh-CN" dirty="0">
+              <a:latin typeface="+mj-ea"/>
+              <a:ea typeface="+mj-ea"/>
+            </a:endParaRPr>
+          </a:p>
+          <a:p>
+            <a:pPr marL="591820" lvl="1"/>
+            <a:r>
+              <a:rPr lang="en-US" altLang="zh-CN" dirty="0">
+                <a:latin typeface="+mj-ea"/>
+                <a:ea typeface="+mj-ea"/>
+              </a:rPr>
+              <a:t> </a:t>
+            </a:r>
+            <a:r>
+              <a:rPr lang="en-US" altLang="zh-CN" dirty="0" err="1">
+                <a:latin typeface="+mj-ea"/>
+                <a:ea typeface="+mj-ea"/>
+              </a:rPr>
+              <a:t>useMemo</a:t>
+            </a:r>
+            <a:endParaRPr lang="en-US" altLang="zh-CN" dirty="0">
+              <a:latin typeface="+mj-ea"/>
+              <a:ea typeface="+mj-ea"/>
+            </a:endParaRPr>
+          </a:p>
+          <a:p>
+            <a:pPr marL="591820" lvl="1"/>
+            <a:r>
+              <a:rPr lang="en-US" altLang="zh-CN" dirty="0">
+                <a:latin typeface="+mj-ea"/>
+                <a:ea typeface="+mj-ea"/>
+              </a:rPr>
+              <a:t> </a:t>
+            </a:r>
+            <a:r>
+              <a:rPr lang="en-US" altLang="zh-CN" dirty="0" err="1">
+                <a:latin typeface="+mj-ea"/>
+                <a:ea typeface="+mj-ea"/>
+              </a:rPr>
+              <a:t>useRef</a:t>
+            </a:r>
+            <a:endParaRPr lang="en-US" altLang="zh-CN" dirty="0">
+              <a:latin typeface="+mj-ea"/>
+              <a:ea typeface="+mj-ea"/>
+            </a:endParaRPr>
+          </a:p>
+        </p:txBody>
+      </p:sp>
+      <p:sp>
+        <p:nvSpPr>
+          <p:cNvPr id="25603" name="内容占位符 4"/>
+          <p:cNvSpPr>
+            <a:spLocks noGrp="1"/>
+          </p:cNvSpPr>
+          <p:nvPr>
+            <p:ph sz="quarter" idx="11"/>
+          </p:nvPr>
+        </p:nvSpPr>
+        <p:spPr bwMode="auto">
+          <a:xfrm>
+            <a:off x="909638" y="236538"/>
+            <a:ext cx="7575550" cy="490537"/>
+          </a:xfrm>
           <a:extLst>
             <a:ext uri="{909E8E84-426E-40DD-AFC4-6F175D3DCCD1}">
               <a14:hiddenFill xmlns:a14="http://schemas.microsoft.com/office/drawing/2010/main">
@@ -4613,360 +4925,36 @@
           </a:extLst>
         </p:spPr>
         <p:txBody>
-          <a:bodyPr wrap="square">
-            <a:spAutoFit/>
-          </a:bodyPr>
-          <a:lstStyle>
-            <a:lvl1pPr>
-              <a:defRPr sz="3200">
-                <a:solidFill>
-                  <a:schemeClr val="tx1"/>
-                </a:solidFill>
-                <a:latin typeface="Arial" panose="020B0604020202020204" pitchFamily="34" charset="0"/>
-                <a:ea typeface="微软雅黑" panose="020B0503020204020204" pitchFamily="34" charset="-122"/>
-              </a:defRPr>
-            </a:lvl1pPr>
-            <a:lvl2pPr marL="742950" indent="-285750">
-              <a:defRPr sz="3200">
-                <a:solidFill>
-                  <a:schemeClr val="tx1"/>
-                </a:solidFill>
-                <a:latin typeface="Arial" panose="020B0604020202020204" pitchFamily="34" charset="0"/>
-                <a:ea typeface="微软雅黑" panose="020B0503020204020204" pitchFamily="34" charset="-122"/>
-              </a:defRPr>
-            </a:lvl2pPr>
-            <a:lvl3pPr marL="1143000" indent="-228600">
-              <a:defRPr sz="3200">
-                <a:solidFill>
-                  <a:schemeClr val="tx1"/>
-                </a:solidFill>
-                <a:latin typeface="Arial" panose="020B0604020202020204" pitchFamily="34" charset="0"/>
-                <a:ea typeface="微软雅黑" panose="020B0503020204020204" pitchFamily="34" charset="-122"/>
-              </a:defRPr>
-            </a:lvl3pPr>
-            <a:lvl4pPr marL="1600200" indent="-228600">
-              <a:defRPr sz="3200">
-                <a:solidFill>
-                  <a:schemeClr val="tx1"/>
-                </a:solidFill>
-                <a:latin typeface="Arial" panose="020B0604020202020204" pitchFamily="34" charset="0"/>
-                <a:ea typeface="微软雅黑" panose="020B0503020204020204" pitchFamily="34" charset="-122"/>
-              </a:defRPr>
-            </a:lvl4pPr>
-            <a:lvl5pPr marL="2057400" indent="-228600">
-              <a:defRPr sz="3200">
-                <a:solidFill>
-                  <a:schemeClr val="tx1"/>
-                </a:solidFill>
-                <a:latin typeface="Arial" panose="020B0604020202020204" pitchFamily="34" charset="0"/>
-                <a:ea typeface="微软雅黑" panose="020B0503020204020204" pitchFamily="34" charset="-122"/>
-              </a:defRPr>
-            </a:lvl5pPr>
-            <a:lvl6pPr marL="2514600" indent="-228600" eaLnBrk="0" fontAlgn="base" hangingPunct="0">
-              <a:spcBef>
-                <a:spcPct val="0"/>
-              </a:spcBef>
-              <a:spcAft>
-                <a:spcPct val="0"/>
-              </a:spcAft>
-              <a:defRPr sz="3200">
-                <a:solidFill>
-                  <a:schemeClr val="tx1"/>
-                </a:solidFill>
-                <a:latin typeface="Arial" panose="020B0604020202020204" pitchFamily="34" charset="0"/>
-                <a:ea typeface="微软雅黑" panose="020B0503020204020204" pitchFamily="34" charset="-122"/>
-              </a:defRPr>
-            </a:lvl6pPr>
-            <a:lvl7pPr marL="2971800" indent="-228600" eaLnBrk="0" fontAlgn="base" hangingPunct="0">
-              <a:spcBef>
-                <a:spcPct val="0"/>
-              </a:spcBef>
-              <a:spcAft>
-                <a:spcPct val="0"/>
-              </a:spcAft>
-              <a:defRPr sz="3200">
-                <a:solidFill>
-                  <a:schemeClr val="tx1"/>
-                </a:solidFill>
-                <a:latin typeface="Arial" panose="020B0604020202020204" pitchFamily="34" charset="0"/>
-                <a:ea typeface="微软雅黑" panose="020B0503020204020204" pitchFamily="34" charset="-122"/>
-              </a:defRPr>
-            </a:lvl7pPr>
-            <a:lvl8pPr marL="3429000" indent="-228600" eaLnBrk="0" fontAlgn="base" hangingPunct="0">
-              <a:spcBef>
-                <a:spcPct val="0"/>
-              </a:spcBef>
-              <a:spcAft>
-                <a:spcPct val="0"/>
-              </a:spcAft>
-              <a:defRPr sz="3200">
-                <a:solidFill>
-                  <a:schemeClr val="tx1"/>
-                </a:solidFill>
-                <a:latin typeface="Arial" panose="020B0604020202020204" pitchFamily="34" charset="0"/>
-                <a:ea typeface="微软雅黑" panose="020B0503020204020204" pitchFamily="34" charset="-122"/>
-              </a:defRPr>
-            </a:lvl8pPr>
-            <a:lvl9pPr marL="3886200" indent="-228600" eaLnBrk="0" fontAlgn="base" hangingPunct="0">
-              <a:spcBef>
-                <a:spcPct val="0"/>
-              </a:spcBef>
-              <a:spcAft>
-                <a:spcPct val="0"/>
-              </a:spcAft>
-              <a:defRPr sz="3200">
-                <a:solidFill>
-                  <a:schemeClr val="tx1"/>
-                </a:solidFill>
-                <a:latin typeface="Arial" panose="020B0604020202020204" pitchFamily="34" charset="0"/>
-                <a:ea typeface="微软雅黑" panose="020B0503020204020204" pitchFamily="34" charset="-122"/>
-              </a:defRPr>
-            </a:lvl9pPr>
-          </a:lstStyle>
-          <a:p>
-            <a:r>
-              <a:rPr lang="zh-CN" altLang="en-US" dirty="0">
-                <a:solidFill>
-                  <a:srgbClr val="C00000"/>
-                </a:solidFill>
-                <a:latin typeface="+mj-ea"/>
-                <a:ea typeface="+mj-ea"/>
+          <a:bodyPr vert="horz" wrap="square" lIns="91440" tIns="45720" rIns="91440" bIns="45720" numCol="1" anchor="t" anchorCtr="0" compatLnSpc="1"/>
+          <a:lstStyle/>
+          <a:p>
+            <a:pPr>
+              <a:defRPr/>
+            </a:pPr>
+            <a:r>
+              <a:rPr lang="en-US" altLang="zh-CN" dirty="0">
+                <a:latin typeface="+mn-ea"/>
+                <a:ea typeface="+mn-ea"/>
               </a:rPr>
-              <a:t>内容提纲</a:t>
-            </a:r>
-          </a:p>
-        </p:txBody>
-      </p:sp>
-      <p:sp>
-        <p:nvSpPr>
-          <p:cNvPr id="21507" name="AutoShape 6"/>
-          <p:cNvSpPr>
-            <a:spLocks noChangeArrowheads="1"/>
-          </p:cNvSpPr>
-          <p:nvPr/>
-        </p:nvSpPr>
-        <p:spPr bwMode="auto">
-          <a:xfrm>
-            <a:off x="2309813" y="1428750"/>
-            <a:ext cx="6532562" cy="3943350"/>
-          </a:xfrm>
-          <a:prstGeom prst="roundRect">
-            <a:avLst>
-              <a:gd name="adj" fmla="val 16667"/>
-            </a:avLst>
-          </a:prstGeom>
-          <a:noFill/>
-          <a:ln w="28575">
-            <a:solidFill>
-              <a:srgbClr val="C0C0C0"/>
-            </a:solidFill>
-            <a:prstDash val="sysDot"/>
-            <a:round/>
-          </a:ln>
-          <a:extLst>
-            <a:ext uri="{909E8E84-426E-40DD-AFC4-6F175D3DCCD1}">
-              <a14:hiddenFill xmlns:a14="http://schemas.microsoft.com/office/drawing/2010/main">
-                <a:solidFill>
-                  <a:srgbClr val="FFFFFF"/>
-                </a:solidFill>
-              </a14:hiddenFill>
-            </a:ext>
-          </a:extLst>
-        </p:spPr>
-        <p:txBody>
-          <a:bodyPr wrap="none" anchor="ctr"/>
-          <a:lstStyle>
-            <a:lvl1pPr marL="457200" indent="-457200">
-              <a:defRPr sz="3200">
-                <a:solidFill>
-                  <a:schemeClr val="tx1"/>
-                </a:solidFill>
-                <a:latin typeface="Arial" panose="020B0604020202020204" pitchFamily="34" charset="0"/>
-                <a:ea typeface="微软雅黑" panose="020B0503020204020204" pitchFamily="34" charset="-122"/>
-              </a:defRPr>
-            </a:lvl1pPr>
-            <a:lvl2pPr marL="742950" indent="-285750">
-              <a:defRPr sz="3200">
-                <a:solidFill>
-                  <a:schemeClr val="tx1"/>
-                </a:solidFill>
-                <a:latin typeface="Arial" panose="020B0604020202020204" pitchFamily="34" charset="0"/>
-                <a:ea typeface="微软雅黑" panose="020B0503020204020204" pitchFamily="34" charset="-122"/>
-              </a:defRPr>
-            </a:lvl2pPr>
-            <a:lvl3pPr marL="1143000" indent="-228600">
-              <a:defRPr sz="3200">
-                <a:solidFill>
-                  <a:schemeClr val="tx1"/>
-                </a:solidFill>
-                <a:latin typeface="Arial" panose="020B0604020202020204" pitchFamily="34" charset="0"/>
-                <a:ea typeface="微软雅黑" panose="020B0503020204020204" pitchFamily="34" charset="-122"/>
-              </a:defRPr>
-            </a:lvl3pPr>
-            <a:lvl4pPr marL="1600200" indent="-228600">
-              <a:defRPr sz="3200">
-                <a:solidFill>
-                  <a:schemeClr val="tx1"/>
-                </a:solidFill>
-                <a:latin typeface="Arial" panose="020B0604020202020204" pitchFamily="34" charset="0"/>
-                <a:ea typeface="微软雅黑" panose="020B0503020204020204" pitchFamily="34" charset="-122"/>
-              </a:defRPr>
-            </a:lvl4pPr>
-            <a:lvl5pPr marL="2057400" indent="-228600">
-              <a:defRPr sz="3200">
-                <a:solidFill>
-                  <a:schemeClr val="tx1"/>
-                </a:solidFill>
-                <a:latin typeface="Arial" panose="020B0604020202020204" pitchFamily="34" charset="0"/>
-                <a:ea typeface="微软雅黑" panose="020B0503020204020204" pitchFamily="34" charset="-122"/>
-              </a:defRPr>
-            </a:lvl5pPr>
-            <a:lvl6pPr marL="2514600" indent="-228600" eaLnBrk="0" fontAlgn="base" hangingPunct="0">
-              <a:spcBef>
-                <a:spcPct val="0"/>
-              </a:spcBef>
-              <a:spcAft>
-                <a:spcPct val="0"/>
-              </a:spcAft>
-              <a:defRPr sz="3200">
-                <a:solidFill>
-                  <a:schemeClr val="tx1"/>
-                </a:solidFill>
-                <a:latin typeface="Arial" panose="020B0604020202020204" pitchFamily="34" charset="0"/>
-                <a:ea typeface="微软雅黑" panose="020B0503020204020204" pitchFamily="34" charset="-122"/>
-              </a:defRPr>
-            </a:lvl6pPr>
-            <a:lvl7pPr marL="2971800" indent="-228600" eaLnBrk="0" fontAlgn="base" hangingPunct="0">
-              <a:spcBef>
-                <a:spcPct val="0"/>
-              </a:spcBef>
-              <a:spcAft>
-                <a:spcPct val="0"/>
-              </a:spcAft>
-              <a:defRPr sz="3200">
-                <a:solidFill>
-                  <a:schemeClr val="tx1"/>
-                </a:solidFill>
-                <a:latin typeface="Arial" panose="020B0604020202020204" pitchFamily="34" charset="0"/>
-                <a:ea typeface="微软雅黑" panose="020B0503020204020204" pitchFamily="34" charset="-122"/>
-              </a:defRPr>
-            </a:lvl7pPr>
-            <a:lvl8pPr marL="3429000" indent="-228600" eaLnBrk="0" fontAlgn="base" hangingPunct="0">
-              <a:spcBef>
-                <a:spcPct val="0"/>
-              </a:spcBef>
-              <a:spcAft>
-                <a:spcPct val="0"/>
-              </a:spcAft>
-              <a:defRPr sz="3200">
-                <a:solidFill>
-                  <a:schemeClr val="tx1"/>
-                </a:solidFill>
-                <a:latin typeface="Arial" panose="020B0604020202020204" pitchFamily="34" charset="0"/>
-                <a:ea typeface="微软雅黑" panose="020B0503020204020204" pitchFamily="34" charset="-122"/>
-              </a:defRPr>
-            </a:lvl8pPr>
-            <a:lvl9pPr marL="3886200" indent="-228600" eaLnBrk="0" fontAlgn="base" hangingPunct="0">
-              <a:spcBef>
-                <a:spcPct val="0"/>
-              </a:spcBef>
-              <a:spcAft>
-                <a:spcPct val="0"/>
-              </a:spcAft>
-              <a:defRPr sz="3200">
-                <a:solidFill>
-                  <a:schemeClr val="tx1"/>
-                </a:solidFill>
-                <a:latin typeface="Arial" panose="020B0604020202020204" pitchFamily="34" charset="0"/>
-                <a:ea typeface="微软雅黑" panose="020B0503020204020204" pitchFamily="34" charset="-122"/>
-              </a:defRPr>
-            </a:lvl9pPr>
-          </a:lstStyle>
-          <a:p>
-            <a:pPr>
-              <a:lnSpc>
-                <a:spcPct val="200000"/>
-              </a:lnSpc>
-              <a:buClr>
-                <a:srgbClr val="92D050"/>
-              </a:buClr>
-              <a:buFont typeface="Wingdings" panose="05000000000000000000" pitchFamily="2" charset="2"/>
-              <a:buChar char="Ø"/>
-            </a:pPr>
-            <a:r>
-              <a:rPr lang="en-US" altLang="zh-CN" sz="2800" b="1" dirty="0"/>
-              <a:t>Context</a:t>
-            </a:r>
-            <a:endParaRPr lang="en-US" altLang="zh-CN" sz="2800" b="1" dirty="0">
-              <a:latin typeface="+mj-ea"/>
-              <a:ea typeface="+mj-ea"/>
+              <a:t> Hooks</a:t>
+            </a:r>
+            <a:endParaRPr lang="zh-CN" altLang="en-US" dirty="0">
+              <a:latin typeface="+mn-ea"/>
+              <a:ea typeface="+mn-ea"/>
             </a:endParaRPr>
-          </a:p>
-          <a:p>
-            <a:pPr>
-              <a:lnSpc>
-                <a:spcPct val="200000"/>
-              </a:lnSpc>
-              <a:buClr>
-                <a:srgbClr val="92D050"/>
-              </a:buClr>
-              <a:buFont typeface="Wingdings" panose="05000000000000000000" pitchFamily="2" charset="2"/>
-              <a:buChar char="Ø"/>
-            </a:pPr>
-            <a:r>
-              <a:rPr lang="en-US" altLang="zh-CN" sz="2800" b="1" dirty="0"/>
-              <a:t>HOC</a:t>
-            </a:r>
-          </a:p>
-          <a:p>
-            <a:pPr>
-              <a:lnSpc>
-                <a:spcPct val="200000"/>
-              </a:lnSpc>
-              <a:buClr>
-                <a:srgbClr val="92D050"/>
-              </a:buClr>
-              <a:buFont typeface="Wingdings" panose="05000000000000000000" pitchFamily="2" charset="2"/>
-              <a:buChar char="Ø"/>
-            </a:pPr>
-            <a:r>
-              <a:rPr lang="en-US" altLang="zh-CN" sz="2800" b="1" dirty="0"/>
-              <a:t>Portals</a:t>
-            </a:r>
-          </a:p>
-          <a:p>
-            <a:pPr>
-              <a:lnSpc>
-                <a:spcPct val="200000"/>
-              </a:lnSpc>
-              <a:buClr>
-                <a:srgbClr val="92D050"/>
-              </a:buClr>
-              <a:buFont typeface="Wingdings" panose="05000000000000000000" pitchFamily="2" charset="2"/>
-              <a:buChar char="Ø"/>
-            </a:pPr>
-            <a:r>
-              <a:rPr lang="en-US" altLang="zh-CN" sz="2800" b="1" dirty="0">
-                <a:solidFill>
-                  <a:srgbClr val="C00000"/>
-                </a:solidFill>
-              </a:rPr>
-              <a:t>Hooks</a:t>
-            </a:r>
           </a:p>
         </p:txBody>
       </p:sp>
     </p:spTree>
     <p:extLst>
       <p:ext uri="{BB962C8B-B14F-4D97-AF65-F5344CB8AC3E}">
-        <p14:creationId xmlns:p14="http://schemas.microsoft.com/office/powerpoint/2010/main" val="363899796"/>
+        <p14:creationId xmlns:p14="http://schemas.microsoft.com/office/powerpoint/2010/main" val="902355001"/>
       </p:ext>
     </p:extLst>
   </p:cSld>
   <p:clrMapOvr>
     <a:masterClrMapping/>
   </p:clrMapOvr>
-  <p:transition/>
 </p:sld>
 </file>
 
@@ -5023,8 +5011,71 @@
                 <a:latin typeface="+mj-ea"/>
                 <a:ea typeface="+mj-ea"/>
               </a:rPr>
-              <a:t>Hooks</a:t>
-            </a:r>
+              <a:t>Hooks </a:t>
+            </a:r>
+            <a:r>
+              <a:rPr lang="zh-CN" altLang="en-US" dirty="0">
+                <a:latin typeface="+mj-ea"/>
+                <a:ea typeface="+mj-ea"/>
+              </a:rPr>
+              <a:t>规则</a:t>
+            </a:r>
+            <a:endParaRPr lang="en-US" altLang="zh-CN" dirty="0">
+              <a:latin typeface="+mj-ea"/>
+              <a:ea typeface="+mj-ea"/>
+            </a:endParaRPr>
+          </a:p>
+          <a:p>
+            <a:pPr marL="591820" lvl="1"/>
+            <a:r>
+              <a:rPr lang="zh-CN" altLang="en-US" dirty="0">
+                <a:latin typeface="+mj-ea"/>
+                <a:ea typeface="+mj-ea"/>
+              </a:rPr>
+              <a:t> 只在最顶层使用 </a:t>
+            </a:r>
+            <a:r>
+              <a:rPr lang="en-US" altLang="zh-CN" dirty="0">
+                <a:latin typeface="+mj-ea"/>
+                <a:ea typeface="+mj-ea"/>
+              </a:rPr>
+              <a:t>Hook</a:t>
+            </a:r>
+          </a:p>
+          <a:p>
+            <a:pPr marL="591820" lvl="1"/>
+            <a:r>
+              <a:rPr lang="zh-CN" altLang="en-US" dirty="0">
+                <a:latin typeface="+mj-ea"/>
+                <a:ea typeface="+mj-ea"/>
+              </a:rPr>
+              <a:t> 只在 </a:t>
+            </a:r>
+            <a:r>
+              <a:rPr lang="en-US" altLang="zh-CN" dirty="0">
+                <a:latin typeface="+mj-ea"/>
+                <a:ea typeface="+mj-ea"/>
+              </a:rPr>
+              <a:t>React </a:t>
+            </a:r>
+            <a:r>
+              <a:rPr lang="zh-CN" altLang="en-US" dirty="0">
+                <a:latin typeface="+mj-ea"/>
+                <a:ea typeface="+mj-ea"/>
+              </a:rPr>
+              <a:t>函数中调用 </a:t>
+            </a:r>
+            <a:r>
+              <a:rPr lang="en-US" altLang="zh-CN">
+                <a:latin typeface="+mj-ea"/>
+                <a:ea typeface="+mj-ea"/>
+              </a:rPr>
+              <a:t>Hook</a:t>
+            </a:r>
+            <a:endParaRPr lang="en-US" altLang="zh-CN" dirty="0">
+              <a:latin typeface="+mj-ea"/>
+              <a:ea typeface="+mj-ea"/>
+            </a:endParaRPr>
           </a:p>
           <a:p>
             <a:pPr marL="591820" lvl="1"/>
@@ -5036,151 +5087,11 @@
               <a:t> </a:t>
             </a:r>
             <a:r>
-              <a:rPr lang="en-US" altLang="zh-CN" dirty="0"/>
-              <a:t>Hook </a:t>
-            </a:r>
-            <a:r>
-              <a:rPr lang="zh-CN" altLang="en-US" dirty="0"/>
-              <a:t>是 </a:t>
-            </a:r>
-            <a:r>
-              <a:rPr lang="en-US" altLang="zh-CN" dirty="0"/>
-              <a:t>React 16.8 </a:t>
-            </a:r>
-            <a:r>
-              <a:rPr lang="zh-CN" altLang="en-US" dirty="0"/>
-              <a:t>的新增特性</a:t>
-            </a:r>
-            <a:endParaRPr lang="en-US" altLang="zh-CN" dirty="0"/>
-          </a:p>
-          <a:p>
-            <a:pPr marL="591820" lvl="1"/>
-            <a:r>
-              <a:rPr lang="en-US" altLang="zh-CN" dirty="0"/>
-              <a:t> </a:t>
-            </a:r>
-            <a:r>
-              <a:rPr lang="zh-CN" altLang="en-US" dirty="0"/>
-              <a:t>在不编写 </a:t>
-            </a:r>
-            <a:r>
-              <a:rPr lang="en-US" altLang="zh-CN" dirty="0"/>
-              <a:t>class </a:t>
-            </a:r>
-            <a:r>
-              <a:rPr lang="zh-CN" altLang="en-US" dirty="0"/>
-              <a:t>的情况下使用 </a:t>
-            </a:r>
-            <a:r>
-              <a:rPr lang="en-US" altLang="zh-CN" dirty="0"/>
-              <a:t>state </a:t>
-            </a:r>
-            <a:r>
-              <a:rPr lang="zh-CN" altLang="en-US" dirty="0"/>
-              <a:t>以及其他 </a:t>
-            </a:r>
-            <a:r>
-              <a:rPr lang="en-US" altLang="zh-CN" dirty="0"/>
-              <a:t>React </a:t>
-            </a:r>
-            <a:r>
-              <a:rPr lang="zh-CN" altLang="en-US" dirty="0"/>
-              <a:t>特性</a:t>
-            </a:r>
-            <a:endParaRPr lang="en-US" altLang="zh-CN" dirty="0"/>
-          </a:p>
-          <a:p>
-            <a:pPr marL="360045"/>
-            <a:r>
-              <a:rPr lang="en-US" altLang="zh-CN" dirty="0">
-                <a:latin typeface="+mj-ea"/>
-                <a:ea typeface="+mj-ea"/>
-              </a:rPr>
-              <a:t> </a:t>
-            </a:r>
-            <a:r>
-              <a:rPr lang="zh-CN" altLang="en-US" dirty="0">
-                <a:latin typeface="+mj-ea"/>
-                <a:ea typeface="+mj-ea"/>
-              </a:rPr>
-              <a:t>基础</a:t>
-            </a:r>
-            <a:r>
-              <a:rPr lang="en-US" altLang="zh-CN" dirty="0">
-                <a:latin typeface="+mj-ea"/>
-                <a:ea typeface="+mj-ea"/>
-              </a:rPr>
-              <a:t> Hooks </a:t>
-            </a:r>
-            <a:r>
               <a:rPr lang="en-US" altLang="zh-CN" dirty="0" err="1">
                 <a:latin typeface="+mj-ea"/>
                 <a:ea typeface="+mj-ea"/>
               </a:rPr>
-              <a:t>Api</a:t>
-            </a:r>
-            <a:endParaRPr lang="en-US" altLang="zh-CN" dirty="0">
-              <a:latin typeface="+mj-ea"/>
-              <a:ea typeface="+mj-ea"/>
-            </a:endParaRPr>
-          </a:p>
-          <a:p>
-            <a:pPr marL="591820" lvl="1"/>
-            <a:r>
-              <a:rPr lang="en-US" altLang="zh-CN" dirty="0">
-                <a:latin typeface="+mj-ea"/>
-                <a:ea typeface="+mj-ea"/>
-              </a:rPr>
-              <a:t> </a:t>
-            </a:r>
-            <a:r>
-              <a:rPr lang="en-US" altLang="zh-CN" dirty="0" err="1">
-                <a:latin typeface="+mj-ea"/>
-                <a:ea typeface="+mj-ea"/>
-              </a:rPr>
-              <a:t>useState</a:t>
-            </a:r>
-            <a:endParaRPr lang="en-US" altLang="zh-CN" dirty="0">
-              <a:latin typeface="+mj-ea"/>
-              <a:ea typeface="+mj-ea"/>
-            </a:endParaRPr>
-          </a:p>
-          <a:p>
-            <a:pPr marL="591820" lvl="1"/>
-            <a:r>
-              <a:rPr lang="en-US" altLang="zh-CN" dirty="0">
-                <a:latin typeface="+mj-ea"/>
-                <a:ea typeface="+mj-ea"/>
-              </a:rPr>
-              <a:t> </a:t>
-            </a:r>
-            <a:r>
-              <a:rPr lang="en-US" altLang="zh-CN" dirty="0" err="1">
-                <a:latin typeface="+mj-ea"/>
-                <a:ea typeface="+mj-ea"/>
-              </a:rPr>
-              <a:t>useEffect</a:t>
-            </a:r>
-            <a:endParaRPr lang="en-US" altLang="zh-CN" dirty="0">
-              <a:latin typeface="+mj-ea"/>
-              <a:ea typeface="+mj-ea"/>
-            </a:endParaRPr>
-          </a:p>
-          <a:p>
-            <a:pPr marL="591820" lvl="1"/>
-            <a:r>
-              <a:rPr lang="en-US" altLang="zh-CN" dirty="0">
-                <a:latin typeface="+mj-ea"/>
-                <a:ea typeface="+mj-ea"/>
-              </a:rPr>
-              <a:t> </a:t>
-            </a:r>
-            <a:r>
-              <a:rPr lang="en-US" altLang="zh-CN" dirty="0" err="1">
-                <a:latin typeface="+mj-ea"/>
-                <a:ea typeface="+mj-ea"/>
-              </a:rPr>
-              <a:t>useContext</a:t>
+              <a:t>useRef</a:t>
             </a:r>
             <a:endParaRPr lang="en-US" altLang="zh-CN" dirty="0">
               <a:latin typeface="+mj-ea"/>
@@ -5248,7 +5159,7 @@
     </p:spTree>
     <p:extLst>
       <p:ext uri="{BB962C8B-B14F-4D97-AF65-F5344CB8AC3E}">
-        <p14:creationId xmlns:p14="http://schemas.microsoft.com/office/powerpoint/2010/main" val="2432570043"/>
+        <p14:creationId xmlns:p14="http://schemas.microsoft.com/office/powerpoint/2010/main" val="2583766247"/>
       </p:ext>
     </p:extLst>
   </p:cSld>
@@ -5259,439 +5170,6 @@
 </file>
 
 <file path=ppt/slides/slide14.xml><?xml version="1.0" encoding="utf-8"?>
-<p:sld xmlns:a="http://schemas.openxmlformats.org/drawingml/2006/main" xmlns:r="http://schemas.openxmlformats.org/officeDocument/2006/relationships" xmlns:p="http://schemas.openxmlformats.org/presentationml/2006/main">
-  <p:cSld>
-    <p:spTree>
-      <p:nvGrpSpPr>
-        <p:cNvPr id="1" name=""/>
-        <p:cNvGrpSpPr/>
-        <p:nvPr/>
-      </p:nvGrpSpPr>
-      <p:grpSpPr>
-        <a:xfrm>
-          <a:off x="0" y="0"/>
-          <a:ext cx="0" cy="0"/>
-          <a:chOff x="0" y="0"/>
-          <a:chExt cx="0" cy="0"/>
-        </a:xfrm>
-      </p:grpSpPr>
-      <p:sp>
-        <p:nvSpPr>
-          <p:cNvPr id="30722" name="内容占位符 3"/>
-          <p:cNvSpPr>
-            <a:spLocks noGrp="1"/>
-          </p:cNvSpPr>
-          <p:nvPr>
-            <p:ph sz="quarter" idx="10"/>
-          </p:nvPr>
-        </p:nvSpPr>
-        <p:spPr bwMode="auto">
-          <a:xfrm>
-            <a:off x="693526" y="907845"/>
-            <a:ext cx="8788025" cy="4898244"/>
-          </a:xfrm>
-          <a:solidFill>
-            <a:schemeClr val="bg1"/>
-          </a:solidFill>
-        </p:spPr>
-        <p:txBody>
-          <a:bodyPr vert="horz" wrap="square" lIns="91440" tIns="45720" rIns="91440" bIns="45720" numCol="1" anchor="t" anchorCtr="0" compatLnSpc="1"/>
-          <a:lstStyle/>
-          <a:p>
-            <a:pPr marL="360045"/>
-            <a:r>
-              <a:rPr lang="zh-CN" altLang="en-US" dirty="0">
-                <a:latin typeface="+mj-ea"/>
-                <a:ea typeface="+mj-ea"/>
-              </a:rPr>
-              <a:t> 其他</a:t>
-            </a:r>
-            <a:r>
-              <a:rPr lang="en-US" altLang="zh-CN" dirty="0">
-                <a:latin typeface="+mj-ea"/>
-                <a:ea typeface="+mj-ea"/>
-              </a:rPr>
-              <a:t> Hooks </a:t>
-            </a:r>
-            <a:r>
-              <a:rPr lang="en-US" altLang="zh-CN" dirty="0" err="1">
-                <a:latin typeface="+mj-ea"/>
-                <a:ea typeface="+mj-ea"/>
-              </a:rPr>
-              <a:t>Api</a:t>
-            </a:r>
-            <a:endParaRPr lang="en-US" altLang="zh-CN" dirty="0">
-              <a:latin typeface="+mj-ea"/>
-              <a:ea typeface="+mj-ea"/>
-            </a:endParaRPr>
-          </a:p>
-          <a:p>
-            <a:pPr marL="591820" lvl="1"/>
-            <a:r>
-              <a:rPr lang="en-US" altLang="zh-CN" dirty="0">
-                <a:latin typeface="+mj-ea"/>
-                <a:ea typeface="+mj-ea"/>
-              </a:rPr>
-              <a:t> </a:t>
-            </a:r>
-            <a:r>
-              <a:rPr lang="en-US" altLang="zh-CN" dirty="0" err="1">
-                <a:latin typeface="+mj-ea"/>
-                <a:ea typeface="+mj-ea"/>
-              </a:rPr>
-              <a:t>useReducer</a:t>
-            </a:r>
-            <a:endParaRPr lang="en-US" altLang="zh-CN" dirty="0">
-              <a:latin typeface="+mj-ea"/>
-              <a:ea typeface="+mj-ea"/>
-            </a:endParaRPr>
-          </a:p>
-          <a:p>
-            <a:pPr marL="591820" lvl="1"/>
-            <a:r>
-              <a:rPr lang="en-US" altLang="zh-CN" dirty="0">
-                <a:latin typeface="+mj-ea"/>
-                <a:ea typeface="+mj-ea"/>
-              </a:rPr>
-              <a:t> </a:t>
-            </a:r>
-            <a:r>
-              <a:rPr lang="en-US" altLang="zh-CN" dirty="0" err="1">
-                <a:latin typeface="+mj-ea"/>
-                <a:ea typeface="+mj-ea"/>
-              </a:rPr>
-              <a:t>useCallback</a:t>
-            </a:r>
-            <a:endParaRPr lang="en-US" altLang="zh-CN" dirty="0">
-              <a:latin typeface="+mj-ea"/>
-              <a:ea typeface="+mj-ea"/>
-            </a:endParaRPr>
-          </a:p>
-          <a:p>
-            <a:pPr marL="591820" lvl="1"/>
-            <a:r>
-              <a:rPr lang="en-US" altLang="zh-CN" dirty="0">
-                <a:latin typeface="+mj-ea"/>
-                <a:ea typeface="+mj-ea"/>
-              </a:rPr>
-              <a:t> </a:t>
-            </a:r>
-            <a:r>
-              <a:rPr lang="en-US" altLang="zh-CN" dirty="0" err="1">
-                <a:latin typeface="+mj-ea"/>
-                <a:ea typeface="+mj-ea"/>
-              </a:rPr>
-              <a:t>useMemo</a:t>
-            </a:r>
-            <a:endParaRPr lang="en-US" altLang="zh-CN" dirty="0">
-              <a:latin typeface="+mj-ea"/>
-              <a:ea typeface="+mj-ea"/>
-            </a:endParaRPr>
-          </a:p>
-          <a:p>
-            <a:pPr marL="591820" lvl="1"/>
-            <a:r>
-              <a:rPr lang="en-US" altLang="zh-CN" dirty="0">
-                <a:latin typeface="+mj-ea"/>
-                <a:ea typeface="+mj-ea"/>
-              </a:rPr>
-              <a:t> </a:t>
-            </a:r>
-            <a:r>
-              <a:rPr lang="en-US" altLang="zh-CN" dirty="0" err="1">
-                <a:latin typeface="+mj-ea"/>
-                <a:ea typeface="+mj-ea"/>
-              </a:rPr>
-              <a:t>useRef</a:t>
-            </a:r>
-            <a:endParaRPr lang="en-US" altLang="zh-CN" dirty="0">
-              <a:latin typeface="+mj-ea"/>
-              <a:ea typeface="+mj-ea"/>
-            </a:endParaRPr>
-          </a:p>
-        </p:txBody>
-      </p:sp>
-      <p:sp>
-        <p:nvSpPr>
-          <p:cNvPr id="25603" name="内容占位符 4"/>
-          <p:cNvSpPr>
-            <a:spLocks noGrp="1"/>
-          </p:cNvSpPr>
-          <p:nvPr>
-            <p:ph sz="quarter" idx="11"/>
-          </p:nvPr>
-        </p:nvSpPr>
-        <p:spPr bwMode="auto">
-          <a:xfrm>
-            <a:off x="909638" y="236538"/>
-            <a:ext cx="7575550" cy="490537"/>
-          </a:xfrm>
-          <a:extLst>
-            <a:ext uri="{909E8E84-426E-40DD-AFC4-6F175D3DCCD1}">
-              <a14:hiddenFill xmlns:a14="http://schemas.microsoft.com/office/drawing/2010/main">
-                <a:solidFill>
-                  <a:srgbClr val="FFFFFF"/>
-                </a:solidFill>
-              </a14:hiddenFill>
-            </a:ext>
-            <a:ext uri="{91240B29-F687-4F45-9708-019B960494DF}">
-              <a14:hiddenLine xmlns:a14="http://schemas.microsoft.com/office/drawing/2010/main" w="9525">
-                <a:solidFill>
-                  <a:srgbClr val="000000"/>
-                </a:solidFill>
-                <a:miter lim="800000"/>
-                <a:headEnd/>
-                <a:tailEnd/>
-              </a14:hiddenLine>
-            </a:ext>
-          </a:extLst>
-        </p:spPr>
-        <p:txBody>
-          <a:bodyPr vert="horz" wrap="square" lIns="91440" tIns="45720" rIns="91440" bIns="45720" numCol="1" anchor="t" anchorCtr="0" compatLnSpc="1"/>
-          <a:lstStyle/>
-          <a:p>
-            <a:pPr>
-              <a:defRPr/>
-            </a:pPr>
-            <a:r>
-              <a:rPr lang="en-US" altLang="zh-CN" dirty="0">
-                <a:latin typeface="+mn-ea"/>
-                <a:ea typeface="+mn-ea"/>
-              </a:rPr>
-              <a:t> Hooks</a:t>
-            </a:r>
-            <a:endParaRPr lang="zh-CN" altLang="en-US" dirty="0">
-              <a:latin typeface="+mn-ea"/>
-              <a:ea typeface="+mn-ea"/>
-            </a:endParaRPr>
-          </a:p>
-        </p:txBody>
-      </p:sp>
-    </p:spTree>
-    <p:extLst>
-      <p:ext uri="{BB962C8B-B14F-4D97-AF65-F5344CB8AC3E}">
-        <p14:creationId xmlns:p14="http://schemas.microsoft.com/office/powerpoint/2010/main" val="902355001"/>
-      </p:ext>
-    </p:extLst>
-  </p:cSld>
-  <p:clrMapOvr>
-    <a:masterClrMapping/>
-  </p:clrMapOvr>
-</p:sld>
-</file>
-
-<file path=ppt/slides/slide15.xml><?xml version="1.0" encoding="utf-8"?>
-<p:sld xmlns:a="http://schemas.openxmlformats.org/drawingml/2006/main" xmlns:r="http://schemas.openxmlformats.org/officeDocument/2006/relationships" xmlns:p="http://schemas.openxmlformats.org/presentationml/2006/main">
-  <p:cSld>
-    <p:spTree>
-      <p:nvGrpSpPr>
-        <p:cNvPr id="1" name=""/>
-        <p:cNvGrpSpPr/>
-        <p:nvPr/>
-      </p:nvGrpSpPr>
-      <p:grpSpPr>
-        <a:xfrm>
-          <a:off x="0" y="0"/>
-          <a:ext cx="0" cy="0"/>
-          <a:chOff x="0" y="0"/>
-          <a:chExt cx="0" cy="0"/>
-        </a:xfrm>
-      </p:grpSpPr>
-      <p:sp>
-        <p:nvSpPr>
-          <p:cNvPr id="30722" name="内容占位符 3"/>
-          <p:cNvSpPr>
-            <a:spLocks noGrp="1"/>
-          </p:cNvSpPr>
-          <p:nvPr>
-            <p:ph sz="quarter" idx="10"/>
-          </p:nvPr>
-        </p:nvSpPr>
-        <p:spPr bwMode="auto">
-          <a:xfrm>
-            <a:off x="693526" y="907845"/>
-            <a:ext cx="8788025" cy="4898244"/>
-          </a:xfrm>
-          <a:solidFill>
-            <a:schemeClr val="bg1"/>
-          </a:solidFill>
-        </p:spPr>
-        <p:txBody>
-          <a:bodyPr vert="horz" wrap="square" lIns="91440" tIns="45720" rIns="91440" bIns="45720" numCol="1" anchor="t" anchorCtr="0" compatLnSpc="1"/>
-          <a:lstStyle/>
-          <a:p>
-            <a:pPr marL="360045"/>
-            <a:r>
-              <a:rPr lang="zh-CN" altLang="en-US" dirty="0">
-                <a:latin typeface="+mj-ea"/>
-                <a:ea typeface="+mj-ea"/>
-              </a:rPr>
-              <a:t> </a:t>
-            </a:r>
-            <a:r>
-              <a:rPr lang="en-US" altLang="zh-CN" dirty="0">
-                <a:latin typeface="+mj-ea"/>
-                <a:ea typeface="+mj-ea"/>
-              </a:rPr>
-              <a:t>Hooks </a:t>
-            </a:r>
-            <a:r>
-              <a:rPr lang="zh-CN" altLang="en-US" dirty="0">
-                <a:latin typeface="+mj-ea"/>
-                <a:ea typeface="+mj-ea"/>
-              </a:rPr>
-              <a:t>规则</a:t>
-            </a:r>
-            <a:endParaRPr lang="en-US" altLang="zh-CN" dirty="0">
-              <a:latin typeface="+mj-ea"/>
-              <a:ea typeface="+mj-ea"/>
-            </a:endParaRPr>
-          </a:p>
-          <a:p>
-            <a:pPr marL="591820" lvl="1"/>
-            <a:r>
-              <a:rPr lang="zh-CN" altLang="en-US" dirty="0">
-                <a:latin typeface="+mj-ea"/>
-                <a:ea typeface="+mj-ea"/>
-              </a:rPr>
-              <a:t> 只在最顶层使用 </a:t>
-            </a:r>
-            <a:r>
-              <a:rPr lang="en-US" altLang="zh-CN" dirty="0">
-                <a:latin typeface="+mj-ea"/>
-                <a:ea typeface="+mj-ea"/>
-              </a:rPr>
-              <a:t>Hook</a:t>
-            </a:r>
-          </a:p>
-          <a:p>
-            <a:pPr marL="591820" lvl="1"/>
-            <a:r>
-              <a:rPr lang="zh-CN" altLang="en-US" dirty="0">
-                <a:latin typeface="+mj-ea"/>
-                <a:ea typeface="+mj-ea"/>
-              </a:rPr>
-              <a:t> 只在 </a:t>
-            </a:r>
-            <a:r>
-              <a:rPr lang="en-US" altLang="zh-CN" dirty="0">
-                <a:latin typeface="+mj-ea"/>
-                <a:ea typeface="+mj-ea"/>
-              </a:rPr>
-              <a:t>React </a:t>
-            </a:r>
-            <a:r>
-              <a:rPr lang="zh-CN" altLang="en-US" dirty="0">
-                <a:latin typeface="+mj-ea"/>
-                <a:ea typeface="+mj-ea"/>
-              </a:rPr>
-              <a:t>函数中调用 </a:t>
-            </a:r>
-            <a:r>
-              <a:rPr lang="en-US" altLang="zh-CN">
-                <a:latin typeface="+mj-ea"/>
-                <a:ea typeface="+mj-ea"/>
-              </a:rPr>
-              <a:t>Hook</a:t>
-            </a:r>
-            <a:endParaRPr lang="en-US" altLang="zh-CN" dirty="0">
-              <a:latin typeface="+mj-ea"/>
-              <a:ea typeface="+mj-ea"/>
-            </a:endParaRPr>
-          </a:p>
-          <a:p>
-            <a:pPr marL="591820" lvl="1"/>
-            <a:r>
-              <a:rPr lang="en-US" altLang="zh-CN" dirty="0">
-                <a:latin typeface="+mj-ea"/>
-                <a:ea typeface="+mj-ea"/>
-              </a:rPr>
-              <a:t> </a:t>
-            </a:r>
-            <a:r>
-              <a:rPr lang="en-US" altLang="zh-CN" dirty="0" err="1">
-                <a:latin typeface="+mj-ea"/>
-                <a:ea typeface="+mj-ea"/>
-              </a:rPr>
-              <a:t>useRef</a:t>
-            </a:r>
-            <a:endParaRPr lang="en-US" altLang="zh-CN" dirty="0">
-              <a:latin typeface="+mj-ea"/>
-              <a:ea typeface="+mj-ea"/>
-            </a:endParaRPr>
-          </a:p>
-        </p:txBody>
-      </p:sp>
-      <p:sp>
-        <p:nvSpPr>
-          <p:cNvPr id="25603" name="内容占位符 4"/>
-          <p:cNvSpPr>
-            <a:spLocks noGrp="1"/>
-          </p:cNvSpPr>
-          <p:nvPr>
-            <p:ph sz="quarter" idx="11"/>
-          </p:nvPr>
-        </p:nvSpPr>
-        <p:spPr bwMode="auto">
-          <a:xfrm>
-            <a:off x="909638" y="236538"/>
-            <a:ext cx="7575550" cy="490537"/>
-          </a:xfrm>
-          <a:extLst>
-            <a:ext uri="{909E8E84-426E-40DD-AFC4-6F175D3DCCD1}">
-              <a14:hiddenFill xmlns:a14="http://schemas.microsoft.com/office/drawing/2010/main">
-                <a:solidFill>
-                  <a:srgbClr val="FFFFFF"/>
-                </a:solidFill>
-              </a14:hiddenFill>
-            </a:ext>
-            <a:ext uri="{91240B29-F687-4F45-9708-019B960494DF}">
-              <a14:hiddenLine xmlns:a14="http://schemas.microsoft.com/office/drawing/2010/main" w="9525">
-                <a:solidFill>
-                  <a:srgbClr val="000000"/>
-                </a:solidFill>
-                <a:miter lim="800000"/>
-                <a:headEnd/>
-                <a:tailEnd/>
-              </a14:hiddenLine>
-            </a:ext>
-          </a:extLst>
-        </p:spPr>
-        <p:txBody>
-          <a:bodyPr vert="horz" wrap="square" lIns="91440" tIns="45720" rIns="91440" bIns="45720" numCol="1" anchor="t" anchorCtr="0" compatLnSpc="1"/>
-          <a:lstStyle/>
-          <a:p>
-            <a:pPr>
-              <a:defRPr/>
-            </a:pPr>
-            <a:r>
-              <a:rPr lang="en-US" altLang="zh-CN" dirty="0">
-                <a:latin typeface="+mn-ea"/>
-                <a:ea typeface="+mn-ea"/>
-              </a:rPr>
-              <a:t> Hooks</a:t>
-            </a:r>
-            <a:endParaRPr lang="zh-CN" altLang="en-US" dirty="0">
-              <a:latin typeface="+mn-ea"/>
-              <a:ea typeface="+mn-ea"/>
-            </a:endParaRPr>
-          </a:p>
-        </p:txBody>
-      </p:sp>
-    </p:spTree>
-    <p:extLst>
-      <p:ext uri="{BB962C8B-B14F-4D97-AF65-F5344CB8AC3E}">
-        <p14:creationId xmlns:p14="http://schemas.microsoft.com/office/powerpoint/2010/main" val="2583766247"/>
-      </p:ext>
-    </p:extLst>
-  </p:cSld>
-  <p:clrMapOvr>
-    <a:masterClrMapping/>
-  </p:clrMapOvr>
-</p:sld>
-</file>
-
-<file path=ppt/slides/slide16.xml><?xml version="1.0" encoding="utf-8"?>
 <p:sld xmlns:a="http://schemas.openxmlformats.org/drawingml/2006/main" xmlns:r="http://schemas.openxmlformats.org/officeDocument/2006/relationships" xmlns:p="http://schemas.openxmlformats.org/presentationml/2006/main">
   <p:cSld>
     <p:spTree>
@@ -6246,28 +5724,13 @@
               <a:buChar char="Ø"/>
             </a:pPr>
             <a:r>
-              <a:rPr lang="en-US" altLang="zh-CN" sz="2800" b="1" dirty="0">
+              <a:rPr lang="en-US" altLang="zh-CN" sz="2800" b="1">
                 <a:latin typeface="+mj-ea"/>
                 <a:ea typeface="+mj-ea"/>
               </a:rPr>
               <a:t>HOC</a:t>
             </a:r>
-          </a:p>
-          <a:p>
-            <a:pPr>
-              <a:lnSpc>
-                <a:spcPct val="200000"/>
-              </a:lnSpc>
-              <a:buClr>
-                <a:srgbClr val="92D050"/>
-              </a:buClr>
-              <a:buFont typeface="Wingdings" panose="05000000000000000000" pitchFamily="2" charset="2"/>
-              <a:buChar char="Ø"/>
-            </a:pPr>
-            <a:r>
-              <a:rPr lang="en-US" altLang="zh-CN" sz="2800" b="1" dirty="0"/>
-              <a:t>Portals</a:t>
-            </a:r>
+            <a:endParaRPr lang="en-US" altLang="zh-CN" sz="2800" b="1" dirty="0"/>
           </a:p>
           <a:p>
             <a:pPr>
@@ -8208,22 +7671,6 @@
                 <a:ea typeface="+mj-ea"/>
               </a:rPr>
               <a:t>HOC</a:t>
-            </a:r>
-          </a:p>
-          <a:p>
-            <a:pPr>
-              <a:lnSpc>
-                <a:spcPct val="200000"/>
-              </a:lnSpc>
-              <a:buClr>
-                <a:srgbClr val="92D050"/>
-              </a:buClr>
-              <a:buFont typeface="Wingdings" panose="05000000000000000000" pitchFamily="2" charset="2"/>
-              <a:buChar char="Ø"/>
-            </a:pPr>
-            <a:r>
-              <a:rPr lang="en-US" altLang="zh-CN" sz="2800" b="1" dirty="0"/>
-              <a:t>Portals</a:t>
             </a:r>
           </a:p>
           <a:p>
